--- a/predicates/predicates presentation.pptx
+++ b/predicates/predicates presentation.pptx
@@ -9,21 +9,23 @@
     <p:sldId id="258" r:id="rId3"/>
     <p:sldId id="257" r:id="rId4"/>
     <p:sldId id="272" r:id="rId5"/>
-    <p:sldId id="270" r:id="rId6"/>
-    <p:sldId id="259" r:id="rId7"/>
-    <p:sldId id="260" r:id="rId8"/>
-    <p:sldId id="264" r:id="rId9"/>
-    <p:sldId id="261" r:id="rId10"/>
-    <p:sldId id="263" r:id="rId11"/>
-    <p:sldId id="262" r:id="rId12"/>
-    <p:sldId id="265" r:id="rId13"/>
-    <p:sldId id="266" r:id="rId14"/>
-    <p:sldId id="267" r:id="rId15"/>
-    <p:sldId id="271" r:id="rId16"/>
-    <p:sldId id="268" r:id="rId17"/>
-    <p:sldId id="269" r:id="rId18"/>
-    <p:sldId id="274" r:id="rId19"/>
-    <p:sldId id="273" r:id="rId20"/>
+    <p:sldId id="259" r:id="rId6"/>
+    <p:sldId id="270" r:id="rId7"/>
+    <p:sldId id="276" r:id="rId8"/>
+    <p:sldId id="260" r:id="rId9"/>
+    <p:sldId id="264" r:id="rId10"/>
+    <p:sldId id="277" r:id="rId11"/>
+    <p:sldId id="261" r:id="rId12"/>
+    <p:sldId id="263" r:id="rId13"/>
+    <p:sldId id="262" r:id="rId14"/>
+    <p:sldId id="265" r:id="rId15"/>
+    <p:sldId id="266" r:id="rId16"/>
+    <p:sldId id="267" r:id="rId17"/>
+    <p:sldId id="271" r:id="rId18"/>
+    <p:sldId id="268" r:id="rId19"/>
+    <p:sldId id="269" r:id="rId20"/>
+    <p:sldId id="274" r:id="rId21"/>
+    <p:sldId id="273" r:id="rId22"/>
   </p:sldIdLst>
   <p:sldSz cx="12192000" cy="6858000"/>
   <p:notesSz cx="6858000" cy="9144000"/>
@@ -961,7 +963,7 @@
         <a:p>
           <a:r>
             <a:rPr lang="en-US" dirty="0"/>
-            <a:t>Tagging</a:t>
+            <a:t>Tagging Verb</a:t>
           </a:r>
         </a:p>
       </dgm:t>
@@ -1005,7 +1007,7 @@
         <a:p>
           <a:r>
             <a:rPr lang="en-US" dirty="0"/>
-            <a:t>Searching</a:t>
+            <a:t>Searching for Predicates</a:t>
           </a:r>
         </a:p>
       </dgm:t>
@@ -1049,7 +1051,7 @@
         <a:p>
           <a:r>
             <a:rPr lang="en-US" dirty="0"/>
-            <a:t>Clustering</a:t>
+            <a:t>Clustering Stems</a:t>
           </a:r>
         </a:p>
       </dgm:t>
@@ -1093,7 +1095,7 @@
         <a:p>
           <a:r>
             <a:rPr lang="en-US" dirty="0"/>
-            <a:t>Filtering</a:t>
+            <a:t>Curating Predicates</a:t>
           </a:r>
         </a:p>
       </dgm:t>
@@ -1137,7 +1139,7 @@
         <a:p>
           <a:r>
             <a:rPr lang="en-US" dirty="0"/>
-            <a:t>Phrasing</a:t>
+            <a:t>Building Predicate Phrases</a:t>
           </a:r>
         </a:p>
       </dgm:t>
@@ -1164,6 +1166,94 @@
         </a:p>
       </dgm:t>
     </dgm:pt>
+    <dgm:pt modelId="{40288129-645D-42FD-A7DD-B6A271080BF0}">
+      <dgm:prSet phldrT="[Text]"/>
+      <dgm:spPr>
+        <a:ln>
+          <a:solidFill>
+            <a:schemeClr val="bg1">
+              <a:lumMod val="75000"/>
+            </a:schemeClr>
+          </a:solidFill>
+        </a:ln>
+      </dgm:spPr>
+      <dgm:t>
+        <a:bodyPr/>
+        <a:lstStyle/>
+        <a:p>
+          <a:r>
+            <a:rPr lang="en-US" dirty="0"/>
+            <a:t>R&amp;R Term</a:t>
+          </a:r>
+        </a:p>
+      </dgm:t>
+    </dgm:pt>
+    <dgm:pt modelId="{224FDB39-2EE4-4E37-A8EA-A04EDE507C6B}" type="parTrans" cxnId="{88141C9F-D4CC-44D8-9D9C-2F273AAF06A4}">
+      <dgm:prSet/>
+      <dgm:spPr/>
+      <dgm:t>
+        <a:bodyPr/>
+        <a:lstStyle/>
+        <a:p>
+          <a:endParaRPr lang="en-US"/>
+        </a:p>
+      </dgm:t>
+    </dgm:pt>
+    <dgm:pt modelId="{26455024-78D1-45D7-8B61-1B49BA4609C0}" type="sibTrans" cxnId="{88141C9F-D4CC-44D8-9D9C-2F273AAF06A4}">
+      <dgm:prSet/>
+      <dgm:spPr/>
+      <dgm:t>
+        <a:bodyPr/>
+        <a:lstStyle/>
+        <a:p>
+          <a:endParaRPr lang="en-US"/>
+        </a:p>
+      </dgm:t>
+    </dgm:pt>
+    <dgm:pt modelId="{7011B0F4-28D0-4FDB-A408-65B1024B4772}">
+      <dgm:prSet phldrT="[Text]"/>
+      <dgm:spPr>
+        <a:ln>
+          <a:solidFill>
+            <a:schemeClr val="bg1">
+              <a:lumMod val="75000"/>
+            </a:schemeClr>
+          </a:solidFill>
+        </a:ln>
+      </dgm:spPr>
+      <dgm:t>
+        <a:bodyPr/>
+        <a:lstStyle/>
+        <a:p>
+          <a:r>
+            <a:rPr lang="en-US" dirty="0"/>
+            <a:t>Selecting Subjects &amp; Objects</a:t>
+          </a:r>
+        </a:p>
+      </dgm:t>
+    </dgm:pt>
+    <dgm:pt modelId="{CE626B80-F5F7-465F-ABE6-DAE919A23B06}" type="parTrans" cxnId="{40556B3D-4E55-4EB8-B932-A9D6ADD14CB6}">
+      <dgm:prSet/>
+      <dgm:spPr/>
+      <dgm:t>
+        <a:bodyPr/>
+        <a:lstStyle/>
+        <a:p>
+          <a:endParaRPr lang="en-US"/>
+        </a:p>
+      </dgm:t>
+    </dgm:pt>
+    <dgm:pt modelId="{8AD39889-DDF5-4B43-B126-99FE63A51CF3}" type="sibTrans" cxnId="{40556B3D-4E55-4EB8-B932-A9D6ADD14CB6}">
+      <dgm:prSet/>
+      <dgm:spPr/>
+      <dgm:t>
+        <a:bodyPr/>
+        <a:lstStyle/>
+        <a:p>
+          <a:endParaRPr lang="en-US"/>
+        </a:p>
+      </dgm:t>
+    </dgm:pt>
     <dgm:pt modelId="{DA0162BD-7243-4C91-B252-A03172953042}" type="pres">
       <dgm:prSet presAssocID="{7670A373-51E5-4E56-8906-CE40DB105DE3}" presName="CompostProcess" presStyleCnt="0">
         <dgm:presLayoutVars>
@@ -1174,15 +1264,39 @@
       <dgm:spPr/>
     </dgm:pt>
     <dgm:pt modelId="{68BB2587-D4E6-4D12-95DC-9B98E08A3239}" type="pres">
-      <dgm:prSet presAssocID="{7670A373-51E5-4E56-8906-CE40DB105DE3}" presName="arrow" presStyleLbl="bgShp" presStyleIdx="0" presStyleCnt="1"/>
+      <dgm:prSet presAssocID="{7670A373-51E5-4E56-8906-CE40DB105DE3}" presName="arrow" presStyleLbl="bgShp" presStyleIdx="0" presStyleCnt="1" custScaleX="114524" custLinFactNeighborX="1073" custLinFactNeighborY="-227"/>
       <dgm:spPr/>
     </dgm:pt>
     <dgm:pt modelId="{3612C8CA-C6AC-4BAD-8816-4D0765F2311B}" type="pres">
       <dgm:prSet presAssocID="{7670A373-51E5-4E56-8906-CE40DB105DE3}" presName="linearProcess" presStyleCnt="0"/>
       <dgm:spPr/>
     </dgm:pt>
+    <dgm:pt modelId="{907978DE-5510-49F4-9884-F33490B2A8C8}" type="pres">
+      <dgm:prSet presAssocID="{40288129-645D-42FD-A7DD-B6A271080BF0}" presName="textNode" presStyleLbl="node1" presStyleIdx="0" presStyleCnt="7">
+        <dgm:presLayoutVars>
+          <dgm:bulletEnabled val="1"/>
+        </dgm:presLayoutVars>
+      </dgm:prSet>
+      <dgm:spPr/>
+    </dgm:pt>
+    <dgm:pt modelId="{3E551038-7B20-4082-AB91-601287113D6E}" type="pres">
+      <dgm:prSet presAssocID="{26455024-78D1-45D7-8B61-1B49BA4609C0}" presName="sibTrans" presStyleCnt="0"/>
+      <dgm:spPr/>
+    </dgm:pt>
+    <dgm:pt modelId="{C0005A42-8730-4FA4-881B-F56489133F35}" type="pres">
+      <dgm:prSet presAssocID="{7011B0F4-28D0-4FDB-A408-65B1024B4772}" presName="textNode" presStyleLbl="node1" presStyleIdx="1" presStyleCnt="7">
+        <dgm:presLayoutVars>
+          <dgm:bulletEnabled val="1"/>
+        </dgm:presLayoutVars>
+      </dgm:prSet>
+      <dgm:spPr/>
+    </dgm:pt>
+    <dgm:pt modelId="{2D542CEC-7191-451F-B9DC-DC97855BF1EB}" type="pres">
+      <dgm:prSet presAssocID="{8AD39889-DDF5-4B43-B126-99FE63A51CF3}" presName="sibTrans" presStyleCnt="0"/>
+      <dgm:spPr/>
+    </dgm:pt>
     <dgm:pt modelId="{9B76B3C0-B0FF-43BF-BF7D-DCF7A7BBA27F}" type="pres">
-      <dgm:prSet presAssocID="{17BDCF36-D651-43AE-B38D-6CFDAE2FABBD}" presName="textNode" presStyleLbl="node1" presStyleIdx="0" presStyleCnt="5">
+      <dgm:prSet presAssocID="{17BDCF36-D651-43AE-B38D-6CFDAE2FABBD}" presName="textNode" presStyleLbl="node1" presStyleIdx="2" presStyleCnt="7">
         <dgm:presLayoutVars>
           <dgm:bulletEnabled val="1"/>
         </dgm:presLayoutVars>
@@ -1194,7 +1308,7 @@
       <dgm:spPr/>
     </dgm:pt>
     <dgm:pt modelId="{07A23E69-5E97-4B6E-BF4D-6A422CD68DBB}" type="pres">
-      <dgm:prSet presAssocID="{9D5AA19A-BE27-41A7-9DAA-4368E696DFB4}" presName="textNode" presStyleLbl="node1" presStyleIdx="1" presStyleCnt="5">
+      <dgm:prSet presAssocID="{9D5AA19A-BE27-41A7-9DAA-4368E696DFB4}" presName="textNode" presStyleLbl="node1" presStyleIdx="3" presStyleCnt="7">
         <dgm:presLayoutVars>
           <dgm:bulletEnabled val="1"/>
         </dgm:presLayoutVars>
@@ -1206,7 +1320,7 @@
       <dgm:spPr/>
     </dgm:pt>
     <dgm:pt modelId="{708D3193-21FC-44E6-BD38-43D60778A2BB}" type="pres">
-      <dgm:prSet presAssocID="{02A93B6D-8D0C-4091-B317-2BDED65D2456}" presName="textNode" presStyleLbl="node1" presStyleIdx="2" presStyleCnt="5">
+      <dgm:prSet presAssocID="{02A93B6D-8D0C-4091-B317-2BDED65D2456}" presName="textNode" presStyleLbl="node1" presStyleIdx="4" presStyleCnt="7">
         <dgm:presLayoutVars>
           <dgm:bulletEnabled val="1"/>
         </dgm:presLayoutVars>
@@ -1218,7 +1332,7 @@
       <dgm:spPr/>
     </dgm:pt>
     <dgm:pt modelId="{17928CD8-1D01-4C08-BD21-0747EB882194}" type="pres">
-      <dgm:prSet presAssocID="{1F3ACC2D-A850-47EB-A3FE-4302CC59B423}" presName="textNode" presStyleLbl="node1" presStyleIdx="3" presStyleCnt="5">
+      <dgm:prSet presAssocID="{1F3ACC2D-A850-47EB-A3FE-4302CC59B423}" presName="textNode" presStyleLbl="node1" presStyleIdx="5" presStyleCnt="7">
         <dgm:presLayoutVars>
           <dgm:bulletEnabled val="1"/>
         </dgm:presLayoutVars>
@@ -1230,7 +1344,7 @@
       <dgm:spPr/>
     </dgm:pt>
     <dgm:pt modelId="{9A458ADB-9D85-48F6-8DCE-B880A24B9AD2}" type="pres">
-      <dgm:prSet presAssocID="{F311ED94-4F58-47C7-86B5-77C6AC0EB02A}" presName="textNode" presStyleLbl="node1" presStyleIdx="4" presStyleCnt="5">
+      <dgm:prSet presAssocID="{F311ED94-4F58-47C7-86B5-77C6AC0EB02A}" presName="textNode" presStyleLbl="node1" presStyleIdx="6" presStyleCnt="7">
         <dgm:presLayoutVars>
           <dgm:bulletEnabled val="1"/>
         </dgm:presLayoutVars>
@@ -1240,27 +1354,35 @@
   </dgm:ptLst>
   <dgm:cxnLst>
     <dgm:cxn modelId="{EA0DCF05-EFA5-478E-B3FE-E65306856789}" type="presOf" srcId="{1F3ACC2D-A850-47EB-A3FE-4302CC59B423}" destId="{17928CD8-1D01-4C08-BD21-0747EB882194}" srcOrd="0" destOrd="0" presId="urn:microsoft.com/office/officeart/2005/8/layout/hProcess9"/>
+    <dgm:cxn modelId="{FDCBB40D-F6B7-470C-9F73-28CD1AE37284}" type="presOf" srcId="{7011B0F4-28D0-4FDB-A408-65B1024B4772}" destId="{C0005A42-8730-4FA4-881B-F56489133F35}" srcOrd="0" destOrd="0" presId="urn:microsoft.com/office/officeart/2005/8/layout/hProcess9"/>
     <dgm:cxn modelId="{680F5C1F-E9F2-4158-8656-07C738744856}" type="presOf" srcId="{02A93B6D-8D0C-4091-B317-2BDED65D2456}" destId="{708D3193-21FC-44E6-BD38-43D60778A2BB}" srcOrd="0" destOrd="0" presId="urn:microsoft.com/office/officeart/2005/8/layout/hProcess9"/>
-    <dgm:cxn modelId="{802E942A-3174-45BA-9EFA-0D264EB8B41A}" srcId="{7670A373-51E5-4E56-8906-CE40DB105DE3}" destId="{1F3ACC2D-A850-47EB-A3FE-4302CC59B423}" srcOrd="3" destOrd="0" parTransId="{4B504A84-E148-423A-BC5E-2EA1D5F3BBCE}" sibTransId="{EF7569CD-DBDE-4034-81C8-ABADA56636AF}"/>
-    <dgm:cxn modelId="{91CCE444-DD00-4BA6-9FC2-465535EDC762}" srcId="{7670A373-51E5-4E56-8906-CE40DB105DE3}" destId="{17BDCF36-D651-43AE-B38D-6CFDAE2FABBD}" srcOrd="0" destOrd="0" parTransId="{9F37E5D9-87D1-4BF0-B534-958B24F6822D}" sibTransId="{E611A758-E088-4031-88CA-8A35771BE934}"/>
+    <dgm:cxn modelId="{802E942A-3174-45BA-9EFA-0D264EB8B41A}" srcId="{7670A373-51E5-4E56-8906-CE40DB105DE3}" destId="{1F3ACC2D-A850-47EB-A3FE-4302CC59B423}" srcOrd="5" destOrd="0" parTransId="{4B504A84-E148-423A-BC5E-2EA1D5F3BBCE}" sibTransId="{EF7569CD-DBDE-4034-81C8-ABADA56636AF}"/>
+    <dgm:cxn modelId="{40556B3D-4E55-4EB8-B932-A9D6ADD14CB6}" srcId="{7670A373-51E5-4E56-8906-CE40DB105DE3}" destId="{7011B0F4-28D0-4FDB-A408-65B1024B4772}" srcOrd="1" destOrd="0" parTransId="{CE626B80-F5F7-465F-ABE6-DAE919A23B06}" sibTransId="{8AD39889-DDF5-4B43-B126-99FE63A51CF3}"/>
+    <dgm:cxn modelId="{91CCE444-DD00-4BA6-9FC2-465535EDC762}" srcId="{7670A373-51E5-4E56-8906-CE40DB105DE3}" destId="{17BDCF36-D651-43AE-B38D-6CFDAE2FABBD}" srcOrd="2" destOrd="0" parTransId="{9F37E5D9-87D1-4BF0-B534-958B24F6822D}" sibTransId="{E611A758-E088-4031-88CA-8A35771BE934}"/>
     <dgm:cxn modelId="{A5B0898B-14D8-40F7-BB69-131D54E5EC38}" type="presOf" srcId="{F311ED94-4F58-47C7-86B5-77C6AC0EB02A}" destId="{9A458ADB-9D85-48F6-8DCE-B880A24B9AD2}" srcOrd="0" destOrd="0" presId="urn:microsoft.com/office/officeart/2005/8/layout/hProcess9"/>
-    <dgm:cxn modelId="{55429B92-0E45-40FF-AE9B-3D0C190BCC38}" srcId="{7670A373-51E5-4E56-8906-CE40DB105DE3}" destId="{02A93B6D-8D0C-4091-B317-2BDED65D2456}" srcOrd="2" destOrd="0" parTransId="{C76FF7ED-44DF-4382-AAE1-4EF589150327}" sibTransId="{92EBF360-A958-4E81-BA0A-70239099B168}"/>
+    <dgm:cxn modelId="{55429B92-0E45-40FF-AE9B-3D0C190BCC38}" srcId="{7670A373-51E5-4E56-8906-CE40DB105DE3}" destId="{02A93B6D-8D0C-4091-B317-2BDED65D2456}" srcOrd="4" destOrd="0" parTransId="{C76FF7ED-44DF-4382-AAE1-4EF589150327}" sibTransId="{92EBF360-A958-4E81-BA0A-70239099B168}"/>
+    <dgm:cxn modelId="{88141C9F-D4CC-44D8-9D9C-2F273AAF06A4}" srcId="{7670A373-51E5-4E56-8906-CE40DB105DE3}" destId="{40288129-645D-42FD-A7DD-B6A271080BF0}" srcOrd="0" destOrd="0" parTransId="{224FDB39-2EE4-4E37-A8EA-A04EDE507C6B}" sibTransId="{26455024-78D1-45D7-8B61-1B49BA4609C0}"/>
     <dgm:cxn modelId="{9B1C9EB7-9D6E-4398-9EA3-735F343145EC}" type="presOf" srcId="{9D5AA19A-BE27-41A7-9DAA-4368E696DFB4}" destId="{07A23E69-5E97-4B6E-BF4D-6A422CD68DBB}" srcOrd="0" destOrd="0" presId="urn:microsoft.com/office/officeart/2005/8/layout/hProcess9"/>
     <dgm:cxn modelId="{32CAD6DA-4A4F-4FEA-BDC8-E2BDDC427C0B}" type="presOf" srcId="{7670A373-51E5-4E56-8906-CE40DB105DE3}" destId="{DA0162BD-7243-4C91-B252-A03172953042}" srcOrd="0" destOrd="0" presId="urn:microsoft.com/office/officeart/2005/8/layout/hProcess9"/>
+    <dgm:cxn modelId="{58C744E9-4BDF-4747-BB61-B7B8F5362B8D}" type="presOf" srcId="{40288129-645D-42FD-A7DD-B6A271080BF0}" destId="{907978DE-5510-49F4-9884-F33490B2A8C8}" srcOrd="0" destOrd="0" presId="urn:microsoft.com/office/officeart/2005/8/layout/hProcess9"/>
     <dgm:cxn modelId="{BD74DBF3-7FD5-44BC-960D-521E0400F27A}" type="presOf" srcId="{17BDCF36-D651-43AE-B38D-6CFDAE2FABBD}" destId="{9B76B3C0-B0FF-43BF-BF7D-DCF7A7BBA27F}" srcOrd="0" destOrd="0" presId="urn:microsoft.com/office/officeart/2005/8/layout/hProcess9"/>
-    <dgm:cxn modelId="{BDEDC4F8-8CEF-4C79-87BA-9BA4123CD4A8}" srcId="{7670A373-51E5-4E56-8906-CE40DB105DE3}" destId="{F311ED94-4F58-47C7-86B5-77C6AC0EB02A}" srcOrd="4" destOrd="0" parTransId="{FE4E207B-CECE-4688-A3E3-95FECD9333C8}" sibTransId="{54B0A1E6-AD88-4693-AD8F-1CD9DA0E2BC9}"/>
-    <dgm:cxn modelId="{E284B8F9-B059-4BDA-B081-BF6E989B8A4B}" srcId="{7670A373-51E5-4E56-8906-CE40DB105DE3}" destId="{9D5AA19A-BE27-41A7-9DAA-4368E696DFB4}" srcOrd="1" destOrd="0" parTransId="{5D71EBB1-C698-486C-A9AD-0CEE2EA70BBB}" sibTransId="{25DF176A-0613-491E-A0FF-5A25C418F2B7}"/>
+    <dgm:cxn modelId="{BDEDC4F8-8CEF-4C79-87BA-9BA4123CD4A8}" srcId="{7670A373-51E5-4E56-8906-CE40DB105DE3}" destId="{F311ED94-4F58-47C7-86B5-77C6AC0EB02A}" srcOrd="6" destOrd="0" parTransId="{FE4E207B-CECE-4688-A3E3-95FECD9333C8}" sibTransId="{54B0A1E6-AD88-4693-AD8F-1CD9DA0E2BC9}"/>
+    <dgm:cxn modelId="{E284B8F9-B059-4BDA-B081-BF6E989B8A4B}" srcId="{7670A373-51E5-4E56-8906-CE40DB105DE3}" destId="{9D5AA19A-BE27-41A7-9DAA-4368E696DFB4}" srcOrd="3" destOrd="0" parTransId="{5D71EBB1-C698-486C-A9AD-0CEE2EA70BBB}" sibTransId="{25DF176A-0613-491E-A0FF-5A25C418F2B7}"/>
     <dgm:cxn modelId="{197E8A62-CB35-428E-9778-013864FC17EE}" type="presParOf" srcId="{DA0162BD-7243-4C91-B252-A03172953042}" destId="{68BB2587-D4E6-4D12-95DC-9B98E08A3239}" srcOrd="0" destOrd="0" presId="urn:microsoft.com/office/officeart/2005/8/layout/hProcess9"/>
     <dgm:cxn modelId="{1AE2CF81-FA44-445A-AA74-26CC1972D292}" type="presParOf" srcId="{DA0162BD-7243-4C91-B252-A03172953042}" destId="{3612C8CA-C6AC-4BAD-8816-4D0765F2311B}" srcOrd="1" destOrd="0" presId="urn:microsoft.com/office/officeart/2005/8/layout/hProcess9"/>
-    <dgm:cxn modelId="{A760FC0B-ADBF-48AC-B75A-AE07A9DB36FB}" type="presParOf" srcId="{3612C8CA-C6AC-4BAD-8816-4D0765F2311B}" destId="{9B76B3C0-B0FF-43BF-BF7D-DCF7A7BBA27F}" srcOrd="0" destOrd="0" presId="urn:microsoft.com/office/officeart/2005/8/layout/hProcess9"/>
-    <dgm:cxn modelId="{1B05D442-FE25-4851-9E09-9FEDAE8C0551}" type="presParOf" srcId="{3612C8CA-C6AC-4BAD-8816-4D0765F2311B}" destId="{866454FD-C982-4E8E-AE24-F904824CC126}" srcOrd="1" destOrd="0" presId="urn:microsoft.com/office/officeart/2005/8/layout/hProcess9"/>
-    <dgm:cxn modelId="{12A6A79B-409A-46AA-8131-4638D9AA5322}" type="presParOf" srcId="{3612C8CA-C6AC-4BAD-8816-4D0765F2311B}" destId="{07A23E69-5E97-4B6E-BF4D-6A422CD68DBB}" srcOrd="2" destOrd="0" presId="urn:microsoft.com/office/officeart/2005/8/layout/hProcess9"/>
-    <dgm:cxn modelId="{197AE7B1-1140-4762-BD6C-ACEC5F0059BE}" type="presParOf" srcId="{3612C8CA-C6AC-4BAD-8816-4D0765F2311B}" destId="{A99419B0-6516-4370-9280-65D08CF6647A}" srcOrd="3" destOrd="0" presId="urn:microsoft.com/office/officeart/2005/8/layout/hProcess9"/>
-    <dgm:cxn modelId="{8A45BD6E-C53D-49C2-A9F0-51D3DCA7A9C6}" type="presParOf" srcId="{3612C8CA-C6AC-4BAD-8816-4D0765F2311B}" destId="{708D3193-21FC-44E6-BD38-43D60778A2BB}" srcOrd="4" destOrd="0" presId="urn:microsoft.com/office/officeart/2005/8/layout/hProcess9"/>
-    <dgm:cxn modelId="{0EB68B62-4714-485E-9A58-7BBC261A54D3}" type="presParOf" srcId="{3612C8CA-C6AC-4BAD-8816-4D0765F2311B}" destId="{A61696D2-4A1D-4279-9FAF-1D0864EFE307}" srcOrd="5" destOrd="0" presId="urn:microsoft.com/office/officeart/2005/8/layout/hProcess9"/>
-    <dgm:cxn modelId="{B1776777-A348-4192-BBC1-0B7DE3112311}" type="presParOf" srcId="{3612C8CA-C6AC-4BAD-8816-4D0765F2311B}" destId="{17928CD8-1D01-4C08-BD21-0747EB882194}" srcOrd="6" destOrd="0" presId="urn:microsoft.com/office/officeart/2005/8/layout/hProcess9"/>
-    <dgm:cxn modelId="{D6467262-ED5E-4129-9EE0-D3661A0466C1}" type="presParOf" srcId="{3612C8CA-C6AC-4BAD-8816-4D0765F2311B}" destId="{D3A77448-A6F0-41AC-BB03-DA0C63986856}" srcOrd="7" destOrd="0" presId="urn:microsoft.com/office/officeart/2005/8/layout/hProcess9"/>
-    <dgm:cxn modelId="{78599E54-3739-494F-ABC5-57FDADCB0BFF}" type="presParOf" srcId="{3612C8CA-C6AC-4BAD-8816-4D0765F2311B}" destId="{9A458ADB-9D85-48F6-8DCE-B880A24B9AD2}" srcOrd="8" destOrd="0" presId="urn:microsoft.com/office/officeart/2005/8/layout/hProcess9"/>
+    <dgm:cxn modelId="{7ECDE3F3-4D61-4E16-B8E3-31DFF7007C69}" type="presParOf" srcId="{3612C8CA-C6AC-4BAD-8816-4D0765F2311B}" destId="{907978DE-5510-49F4-9884-F33490B2A8C8}" srcOrd="0" destOrd="0" presId="urn:microsoft.com/office/officeart/2005/8/layout/hProcess9"/>
+    <dgm:cxn modelId="{EEEBD393-E03F-4A00-B84E-7F8A78D6E418}" type="presParOf" srcId="{3612C8CA-C6AC-4BAD-8816-4D0765F2311B}" destId="{3E551038-7B20-4082-AB91-601287113D6E}" srcOrd="1" destOrd="0" presId="urn:microsoft.com/office/officeart/2005/8/layout/hProcess9"/>
+    <dgm:cxn modelId="{56E53398-7656-4B8C-AFC1-13F54BACFE2E}" type="presParOf" srcId="{3612C8CA-C6AC-4BAD-8816-4D0765F2311B}" destId="{C0005A42-8730-4FA4-881B-F56489133F35}" srcOrd="2" destOrd="0" presId="urn:microsoft.com/office/officeart/2005/8/layout/hProcess9"/>
+    <dgm:cxn modelId="{7CEE070A-F64E-4FA1-8E2B-5AA274A054FB}" type="presParOf" srcId="{3612C8CA-C6AC-4BAD-8816-4D0765F2311B}" destId="{2D542CEC-7191-451F-B9DC-DC97855BF1EB}" srcOrd="3" destOrd="0" presId="urn:microsoft.com/office/officeart/2005/8/layout/hProcess9"/>
+    <dgm:cxn modelId="{A760FC0B-ADBF-48AC-B75A-AE07A9DB36FB}" type="presParOf" srcId="{3612C8CA-C6AC-4BAD-8816-4D0765F2311B}" destId="{9B76B3C0-B0FF-43BF-BF7D-DCF7A7BBA27F}" srcOrd="4" destOrd="0" presId="urn:microsoft.com/office/officeart/2005/8/layout/hProcess9"/>
+    <dgm:cxn modelId="{1B05D442-FE25-4851-9E09-9FEDAE8C0551}" type="presParOf" srcId="{3612C8CA-C6AC-4BAD-8816-4D0765F2311B}" destId="{866454FD-C982-4E8E-AE24-F904824CC126}" srcOrd="5" destOrd="0" presId="urn:microsoft.com/office/officeart/2005/8/layout/hProcess9"/>
+    <dgm:cxn modelId="{12A6A79B-409A-46AA-8131-4638D9AA5322}" type="presParOf" srcId="{3612C8CA-C6AC-4BAD-8816-4D0765F2311B}" destId="{07A23E69-5E97-4B6E-BF4D-6A422CD68DBB}" srcOrd="6" destOrd="0" presId="urn:microsoft.com/office/officeart/2005/8/layout/hProcess9"/>
+    <dgm:cxn modelId="{197AE7B1-1140-4762-BD6C-ACEC5F0059BE}" type="presParOf" srcId="{3612C8CA-C6AC-4BAD-8816-4D0765F2311B}" destId="{A99419B0-6516-4370-9280-65D08CF6647A}" srcOrd="7" destOrd="0" presId="urn:microsoft.com/office/officeart/2005/8/layout/hProcess9"/>
+    <dgm:cxn modelId="{8A45BD6E-C53D-49C2-A9F0-51D3DCA7A9C6}" type="presParOf" srcId="{3612C8CA-C6AC-4BAD-8816-4D0765F2311B}" destId="{708D3193-21FC-44E6-BD38-43D60778A2BB}" srcOrd="8" destOrd="0" presId="urn:microsoft.com/office/officeart/2005/8/layout/hProcess9"/>
+    <dgm:cxn modelId="{0EB68B62-4714-485E-9A58-7BBC261A54D3}" type="presParOf" srcId="{3612C8CA-C6AC-4BAD-8816-4D0765F2311B}" destId="{A61696D2-4A1D-4279-9FAF-1D0864EFE307}" srcOrd="9" destOrd="0" presId="urn:microsoft.com/office/officeart/2005/8/layout/hProcess9"/>
+    <dgm:cxn modelId="{B1776777-A348-4192-BBC1-0B7DE3112311}" type="presParOf" srcId="{3612C8CA-C6AC-4BAD-8816-4D0765F2311B}" destId="{17928CD8-1D01-4C08-BD21-0747EB882194}" srcOrd="10" destOrd="0" presId="urn:microsoft.com/office/officeart/2005/8/layout/hProcess9"/>
+    <dgm:cxn modelId="{D6467262-ED5E-4129-9EE0-D3661A0466C1}" type="presParOf" srcId="{3612C8CA-C6AC-4BAD-8816-4D0765F2311B}" destId="{D3A77448-A6F0-41AC-BB03-DA0C63986856}" srcOrd="11" destOrd="0" presId="urn:microsoft.com/office/officeart/2005/8/layout/hProcess9"/>
+    <dgm:cxn modelId="{78599E54-3739-494F-ABC5-57FDADCB0BFF}" type="presParOf" srcId="{3612C8CA-C6AC-4BAD-8816-4D0765F2311B}" destId="{9A458ADB-9D85-48F6-8DCE-B880A24B9AD2}" srcOrd="12" destOrd="0" presId="urn:microsoft.com/office/officeart/2005/8/layout/hProcess9"/>
   </dgm:cxnLst>
   <dgm:bg/>
   <dgm:whole>
@@ -1291,8 +1413,8 @@
       </dsp:nvSpPr>
       <dsp:spPr>
         <a:xfrm>
-          <a:off x="686888" y="0"/>
-          <a:ext cx="7784736" cy="4064000"/>
+          <a:off x="230951" y="0"/>
+          <a:ext cx="10039529" cy="4064000"/>
         </a:xfrm>
         <a:prstGeom prst="rightArrow">
           <a:avLst/>
@@ -1324,15 +1446,15 @@
         <a:fontRef idx="minor"/>
       </dsp:style>
     </dsp:sp>
-    <dsp:sp modelId="{9B76B3C0-B0FF-43BF-BF7D-DCF7A7BBA27F}">
+    <dsp:sp modelId="{907978DE-5510-49F4-9884-F33490B2A8C8}">
       <dsp:nvSpPr>
         <dsp:cNvPr id="0" name=""/>
         <dsp:cNvSpPr/>
       </dsp:nvSpPr>
       <dsp:spPr>
         <a:xfrm>
-          <a:off x="3643" y="1219199"/>
-          <a:ext cx="1679272" cy="1625600"/>
+          <a:off x="881" y="1219199"/>
+          <a:ext cx="1412540" cy="1625600"/>
         </a:xfrm>
         <a:prstGeom prst="roundRect">
           <a:avLst/>
@@ -1371,12 +1493,12 @@
         </a:fontRef>
       </dsp:style>
       <dsp:txBody>
-        <a:bodyPr spcFirstLastPara="0" vert="horz" wrap="square" lIns="95250" tIns="95250" rIns="95250" bIns="95250" numCol="1" spcCol="1270" anchor="ctr" anchorCtr="0">
+        <a:bodyPr spcFirstLastPara="0" vert="horz" wrap="square" lIns="76200" tIns="76200" rIns="76200" bIns="76200" numCol="1" spcCol="1270" anchor="ctr" anchorCtr="0">
           <a:noAutofit/>
         </a:bodyPr>
         <a:lstStyle/>
         <a:p>
-          <a:pPr marL="0" lvl="0" indent="0" algn="ctr" defTabSz="1111250">
+          <a:pPr marL="0" lvl="0" indent="0" algn="ctr" defTabSz="889000">
             <a:lnSpc>
               <a:spcPct val="90000"/>
             </a:lnSpc>
@@ -1389,25 +1511,25 @@
             <a:buNone/>
           </a:pPr>
           <a:r>
-            <a:rPr lang="en-US" sz="2500" kern="1200" dirty="0"/>
-            <a:t>Tagging</a:t>
+            <a:rPr lang="en-US" sz="2000" kern="1200" dirty="0"/>
+            <a:t>R&amp;R Term</a:t>
           </a:r>
         </a:p>
       </dsp:txBody>
       <dsp:txXfrm>
-        <a:off x="82998" y="1298554"/>
-        <a:ext cx="1520562" cy="1466890"/>
+        <a:off x="69836" y="1288154"/>
+        <a:ext cx="1274630" cy="1487690"/>
       </dsp:txXfrm>
     </dsp:sp>
-    <dsp:sp modelId="{07A23E69-5E97-4B6E-BF4D-6A422CD68DBB}">
+    <dsp:sp modelId="{C0005A42-8730-4FA4-881B-F56489133F35}">
       <dsp:nvSpPr>
         <dsp:cNvPr id="0" name=""/>
         <dsp:cNvSpPr/>
       </dsp:nvSpPr>
       <dsp:spPr>
         <a:xfrm>
-          <a:off x="1871632" y="1219199"/>
-          <a:ext cx="1679272" cy="1625600"/>
+          <a:off x="1484048" y="1219199"/>
+          <a:ext cx="1412540" cy="1625600"/>
         </a:xfrm>
         <a:prstGeom prst="roundRect">
           <a:avLst/>
@@ -1446,12 +1568,12 @@
         </a:fontRef>
       </dsp:style>
       <dsp:txBody>
-        <a:bodyPr spcFirstLastPara="0" vert="horz" wrap="square" lIns="95250" tIns="95250" rIns="95250" bIns="95250" numCol="1" spcCol="1270" anchor="ctr" anchorCtr="0">
+        <a:bodyPr spcFirstLastPara="0" vert="horz" wrap="square" lIns="76200" tIns="76200" rIns="76200" bIns="76200" numCol="1" spcCol="1270" anchor="ctr" anchorCtr="0">
           <a:noAutofit/>
         </a:bodyPr>
         <a:lstStyle/>
         <a:p>
-          <a:pPr marL="0" lvl="0" indent="0" algn="ctr" defTabSz="1111250">
+          <a:pPr marL="0" lvl="0" indent="0" algn="ctr" defTabSz="889000">
             <a:lnSpc>
               <a:spcPct val="90000"/>
             </a:lnSpc>
@@ -1464,25 +1586,25 @@
             <a:buNone/>
           </a:pPr>
           <a:r>
-            <a:rPr lang="en-US" sz="2500" kern="1200" dirty="0"/>
-            <a:t>Searching</a:t>
+            <a:rPr lang="en-US" sz="2000" kern="1200" dirty="0"/>
+            <a:t>Selecting Subjects &amp; Objects</a:t>
           </a:r>
         </a:p>
       </dsp:txBody>
       <dsp:txXfrm>
-        <a:off x="1950987" y="1298554"/>
-        <a:ext cx="1520562" cy="1466890"/>
+        <a:off x="1553003" y="1288154"/>
+        <a:ext cx="1274630" cy="1487690"/>
       </dsp:txXfrm>
     </dsp:sp>
-    <dsp:sp modelId="{708D3193-21FC-44E6-BD38-43D60778A2BB}">
+    <dsp:sp modelId="{9B76B3C0-B0FF-43BF-BF7D-DCF7A7BBA27F}">
       <dsp:nvSpPr>
         <dsp:cNvPr id="0" name=""/>
         <dsp:cNvSpPr/>
       </dsp:nvSpPr>
       <dsp:spPr>
         <a:xfrm>
-          <a:off x="3739620" y="1219199"/>
-          <a:ext cx="1679272" cy="1625600"/>
+          <a:off x="2967215" y="1219199"/>
+          <a:ext cx="1412540" cy="1625600"/>
         </a:xfrm>
         <a:prstGeom prst="roundRect">
           <a:avLst/>
@@ -1521,12 +1643,12 @@
         </a:fontRef>
       </dsp:style>
       <dsp:txBody>
-        <a:bodyPr spcFirstLastPara="0" vert="horz" wrap="square" lIns="95250" tIns="95250" rIns="95250" bIns="95250" numCol="1" spcCol="1270" anchor="ctr" anchorCtr="0">
+        <a:bodyPr spcFirstLastPara="0" vert="horz" wrap="square" lIns="76200" tIns="76200" rIns="76200" bIns="76200" numCol="1" spcCol="1270" anchor="ctr" anchorCtr="0">
           <a:noAutofit/>
         </a:bodyPr>
         <a:lstStyle/>
         <a:p>
-          <a:pPr marL="0" lvl="0" indent="0" algn="ctr" defTabSz="1111250">
+          <a:pPr marL="0" lvl="0" indent="0" algn="ctr" defTabSz="889000">
             <a:lnSpc>
               <a:spcPct val="90000"/>
             </a:lnSpc>
@@ -1539,25 +1661,25 @@
             <a:buNone/>
           </a:pPr>
           <a:r>
-            <a:rPr lang="en-US" sz="2500" kern="1200" dirty="0"/>
-            <a:t>Phrasing</a:t>
+            <a:rPr lang="en-US" sz="2000" kern="1200" dirty="0"/>
+            <a:t>Tagging Verb</a:t>
           </a:r>
         </a:p>
       </dsp:txBody>
       <dsp:txXfrm>
-        <a:off x="3818975" y="1298554"/>
-        <a:ext cx="1520562" cy="1466890"/>
+        <a:off x="3036170" y="1288154"/>
+        <a:ext cx="1274630" cy="1487690"/>
       </dsp:txXfrm>
     </dsp:sp>
-    <dsp:sp modelId="{17928CD8-1D01-4C08-BD21-0747EB882194}">
+    <dsp:sp modelId="{07A23E69-5E97-4B6E-BF4D-6A422CD68DBB}">
       <dsp:nvSpPr>
         <dsp:cNvPr id="0" name=""/>
         <dsp:cNvSpPr/>
       </dsp:nvSpPr>
       <dsp:spPr>
         <a:xfrm>
-          <a:off x="5607608" y="1219199"/>
-          <a:ext cx="1679272" cy="1625600"/>
+          <a:off x="4450383" y="1219199"/>
+          <a:ext cx="1412540" cy="1625600"/>
         </a:xfrm>
         <a:prstGeom prst="roundRect">
           <a:avLst/>
@@ -1596,12 +1718,12 @@
         </a:fontRef>
       </dsp:style>
       <dsp:txBody>
-        <a:bodyPr spcFirstLastPara="0" vert="horz" wrap="square" lIns="95250" tIns="95250" rIns="95250" bIns="95250" numCol="1" spcCol="1270" anchor="ctr" anchorCtr="0">
+        <a:bodyPr spcFirstLastPara="0" vert="horz" wrap="square" lIns="76200" tIns="76200" rIns="76200" bIns="76200" numCol="1" spcCol="1270" anchor="ctr" anchorCtr="0">
           <a:noAutofit/>
         </a:bodyPr>
         <a:lstStyle/>
         <a:p>
-          <a:pPr marL="0" lvl="0" indent="0" algn="ctr" defTabSz="1111250">
+          <a:pPr marL="0" lvl="0" indent="0" algn="ctr" defTabSz="889000">
             <a:lnSpc>
               <a:spcPct val="90000"/>
             </a:lnSpc>
@@ -1614,25 +1736,25 @@
             <a:buNone/>
           </a:pPr>
           <a:r>
-            <a:rPr lang="en-US" sz="2500" kern="1200" dirty="0"/>
-            <a:t>Clustering</a:t>
+            <a:rPr lang="en-US" sz="2000" kern="1200" dirty="0"/>
+            <a:t>Searching for Predicates</a:t>
           </a:r>
         </a:p>
       </dsp:txBody>
       <dsp:txXfrm>
-        <a:off x="5686963" y="1298554"/>
-        <a:ext cx="1520562" cy="1466890"/>
+        <a:off x="4519338" y="1288154"/>
+        <a:ext cx="1274630" cy="1487690"/>
       </dsp:txXfrm>
     </dsp:sp>
-    <dsp:sp modelId="{9A458ADB-9D85-48F6-8DCE-B880A24B9AD2}">
+    <dsp:sp modelId="{708D3193-21FC-44E6-BD38-43D60778A2BB}">
       <dsp:nvSpPr>
         <dsp:cNvPr id="0" name=""/>
         <dsp:cNvSpPr/>
       </dsp:nvSpPr>
       <dsp:spPr>
         <a:xfrm>
-          <a:off x="7475596" y="1219199"/>
-          <a:ext cx="1679272" cy="1625600"/>
+          <a:off x="5933550" y="1219199"/>
+          <a:ext cx="1412540" cy="1625600"/>
         </a:xfrm>
         <a:prstGeom prst="roundRect">
           <a:avLst/>
@@ -1671,12 +1793,12 @@
         </a:fontRef>
       </dsp:style>
       <dsp:txBody>
-        <a:bodyPr spcFirstLastPara="0" vert="horz" wrap="square" lIns="95250" tIns="95250" rIns="95250" bIns="95250" numCol="1" spcCol="1270" anchor="ctr" anchorCtr="0">
+        <a:bodyPr spcFirstLastPara="0" vert="horz" wrap="square" lIns="76200" tIns="76200" rIns="76200" bIns="76200" numCol="1" spcCol="1270" anchor="ctr" anchorCtr="0">
           <a:noAutofit/>
         </a:bodyPr>
         <a:lstStyle/>
         <a:p>
-          <a:pPr marL="0" lvl="0" indent="0" algn="ctr" defTabSz="1111250">
+          <a:pPr marL="0" lvl="0" indent="0" algn="ctr" defTabSz="889000">
             <a:lnSpc>
               <a:spcPct val="90000"/>
             </a:lnSpc>
@@ -1689,14 +1811,164 @@
             <a:buNone/>
           </a:pPr>
           <a:r>
-            <a:rPr lang="en-US" sz="2500" kern="1200" dirty="0"/>
-            <a:t>Filtering</a:t>
+            <a:rPr lang="en-US" sz="2000" kern="1200" dirty="0"/>
+            <a:t>Building Predicate Phrases</a:t>
           </a:r>
         </a:p>
       </dsp:txBody>
       <dsp:txXfrm>
-        <a:off x="7554951" y="1298554"/>
-        <a:ext cx="1520562" cy="1466890"/>
+        <a:off x="6002505" y="1288154"/>
+        <a:ext cx="1274630" cy="1487690"/>
+      </dsp:txXfrm>
+    </dsp:sp>
+    <dsp:sp modelId="{17928CD8-1D01-4C08-BD21-0747EB882194}">
+      <dsp:nvSpPr>
+        <dsp:cNvPr id="0" name=""/>
+        <dsp:cNvSpPr/>
+      </dsp:nvSpPr>
+      <dsp:spPr>
+        <a:xfrm>
+          <a:off x="7416718" y="1219199"/>
+          <a:ext cx="1412540" cy="1625600"/>
+        </a:xfrm>
+        <a:prstGeom prst="roundRect">
+          <a:avLst/>
+        </a:prstGeom>
+        <a:solidFill>
+          <a:schemeClr val="lt1">
+            <a:hueOff val="0"/>
+            <a:satOff val="0"/>
+            <a:lumOff val="0"/>
+            <a:alphaOff val="0"/>
+          </a:schemeClr>
+        </a:solidFill>
+        <a:ln w="12700" cap="flat" cmpd="sng" algn="ctr">
+          <a:solidFill>
+            <a:schemeClr val="bg1">
+              <a:lumMod val="75000"/>
+            </a:schemeClr>
+          </a:solidFill>
+          <a:prstDash val="solid"/>
+          <a:miter lim="800000"/>
+        </a:ln>
+        <a:effectLst/>
+      </dsp:spPr>
+      <dsp:style>
+        <a:lnRef idx="2">
+          <a:scrgbClr r="0" g="0" b="0"/>
+        </a:lnRef>
+        <a:fillRef idx="1">
+          <a:scrgbClr r="0" g="0" b="0"/>
+        </a:fillRef>
+        <a:effectRef idx="0">
+          <a:scrgbClr r="0" g="0" b="0"/>
+        </a:effectRef>
+        <a:fontRef idx="minor">
+          <a:schemeClr val="lt1"/>
+        </a:fontRef>
+      </dsp:style>
+      <dsp:txBody>
+        <a:bodyPr spcFirstLastPara="0" vert="horz" wrap="square" lIns="76200" tIns="76200" rIns="76200" bIns="76200" numCol="1" spcCol="1270" anchor="ctr" anchorCtr="0">
+          <a:noAutofit/>
+        </a:bodyPr>
+        <a:lstStyle/>
+        <a:p>
+          <a:pPr marL="0" lvl="0" indent="0" algn="ctr" defTabSz="889000">
+            <a:lnSpc>
+              <a:spcPct val="90000"/>
+            </a:lnSpc>
+            <a:spcBef>
+              <a:spcPct val="0"/>
+            </a:spcBef>
+            <a:spcAft>
+              <a:spcPct val="35000"/>
+            </a:spcAft>
+            <a:buNone/>
+          </a:pPr>
+          <a:r>
+            <a:rPr lang="en-US" sz="2000" kern="1200" dirty="0"/>
+            <a:t>Clustering Stems</a:t>
+          </a:r>
+        </a:p>
+      </dsp:txBody>
+      <dsp:txXfrm>
+        <a:off x="7485673" y="1288154"/>
+        <a:ext cx="1274630" cy="1487690"/>
+      </dsp:txXfrm>
+    </dsp:sp>
+    <dsp:sp modelId="{9A458ADB-9D85-48F6-8DCE-B880A24B9AD2}">
+      <dsp:nvSpPr>
+        <dsp:cNvPr id="0" name=""/>
+        <dsp:cNvSpPr/>
+      </dsp:nvSpPr>
+      <dsp:spPr>
+        <a:xfrm>
+          <a:off x="8899885" y="1219199"/>
+          <a:ext cx="1412540" cy="1625600"/>
+        </a:xfrm>
+        <a:prstGeom prst="roundRect">
+          <a:avLst/>
+        </a:prstGeom>
+        <a:solidFill>
+          <a:schemeClr val="lt1">
+            <a:hueOff val="0"/>
+            <a:satOff val="0"/>
+            <a:lumOff val="0"/>
+            <a:alphaOff val="0"/>
+          </a:schemeClr>
+        </a:solidFill>
+        <a:ln w="12700" cap="flat" cmpd="sng" algn="ctr">
+          <a:solidFill>
+            <a:schemeClr val="bg1">
+              <a:lumMod val="75000"/>
+            </a:schemeClr>
+          </a:solidFill>
+          <a:prstDash val="solid"/>
+          <a:miter lim="800000"/>
+        </a:ln>
+        <a:effectLst/>
+      </dsp:spPr>
+      <dsp:style>
+        <a:lnRef idx="2">
+          <a:scrgbClr r="0" g="0" b="0"/>
+        </a:lnRef>
+        <a:fillRef idx="1">
+          <a:scrgbClr r="0" g="0" b="0"/>
+        </a:fillRef>
+        <a:effectRef idx="0">
+          <a:scrgbClr r="0" g="0" b="0"/>
+        </a:effectRef>
+        <a:fontRef idx="minor">
+          <a:schemeClr val="lt1"/>
+        </a:fontRef>
+      </dsp:style>
+      <dsp:txBody>
+        <a:bodyPr spcFirstLastPara="0" vert="horz" wrap="square" lIns="76200" tIns="76200" rIns="76200" bIns="76200" numCol="1" spcCol="1270" anchor="ctr" anchorCtr="0">
+          <a:noAutofit/>
+        </a:bodyPr>
+        <a:lstStyle/>
+        <a:p>
+          <a:pPr marL="0" lvl="0" indent="0" algn="ctr" defTabSz="889000">
+            <a:lnSpc>
+              <a:spcPct val="90000"/>
+            </a:lnSpc>
+            <a:spcBef>
+              <a:spcPct val="0"/>
+            </a:spcBef>
+            <a:spcAft>
+              <a:spcPct val="35000"/>
+            </a:spcAft>
+            <a:buNone/>
+          </a:pPr>
+          <a:r>
+            <a:rPr lang="en-US" sz="2000" kern="1200" dirty="0"/>
+            <a:t>Curating Predicates</a:t>
+          </a:r>
+        </a:p>
+      </dsp:txBody>
+      <dsp:txXfrm>
+        <a:off x="8968840" y="1288154"/>
+        <a:ext cx="1274630" cy="1487690"/>
       </dsp:txXfrm>
     </dsp:sp>
   </dsp:spTree>
@@ -2891,6 +3163,471 @@
 </dgm:styleDef>
 </file>
 
+<file path=ppt/ink/ink1.xml><?xml version="1.0" encoding="utf-8"?>
+<inkml:ink xmlns:inkml="http://www.w3.org/2003/InkML">
+  <inkml:definitions>
+    <inkml:context xml:id="ctx0">
+      <inkml:inkSource xml:id="inkSrc0">
+        <inkml:traceFormat>
+          <inkml:channel name="X" type="integer" max="2960" units="cm"/>
+          <inkml:channel name="Y" type="integer" max="1050" units="cm"/>
+          <inkml:channel name="T" type="integer" max="2.14748E9" units="dev"/>
+        </inkml:traceFormat>
+        <inkml:channelProperties>
+          <inkml:channelProperty channel="X" name="resolution" value="87.57397" units="1/cm"/>
+          <inkml:channelProperty channel="Y" name="resolution" value="38.88889" units="1/cm"/>
+          <inkml:channelProperty channel="T" name="resolution" value="1" units="1/dev"/>
+        </inkml:channelProperties>
+      </inkml:inkSource>
+      <inkml:timestamp xml:id="ts0" timeString="2019-06-27T14:23:46.307"/>
+    </inkml:context>
+    <inkml:brush xml:id="br0">
+      <inkml:brushProperty name="width" value="0.2" units="cm"/>
+      <inkml:brushProperty name="height" value="0.4" units="cm"/>
+      <inkml:brushProperty name="color" value="#FFFF00"/>
+      <inkml:brushProperty name="tip" value="rectangle"/>
+      <inkml:brushProperty name="rasterOp" value="maskPen"/>
+      <inkml:brushProperty name="fitToCurve" value="1"/>
+    </inkml:brush>
+  </inkml:definitions>
+  <inkml:trace contextRef="#ctx0" brushRef="#br0">0 1 0,'52'0'109,"1"0"-93,27 0-16,26 0 15,-1 0-15,-25 0 16,-1 0-16,1 0 16,-1 0-16,0 0 15,-26 0-15,27 0 16,-28 0-16,1 0 15,0 0-15,27 27 16,26-27-16,26 26 16,-26-26-16,-27 0 15,0 0-15,-26 0 16,-26 0-16,-1 0 16,1 0-16,-1 0 15,1 0-15,26 0 16,-27 0-1,27 0-15,-27 27 16,27-27-16,0 0 16,0 0-1,26 26-15,-26-26 16,27 0-16,-27 0 16,-27 0-1,27 0-15,-26 0 16,-1 0-1,27 27 1,0-27 0,-27 0-1,1 0-15,26 0 16,-27 0-16,27 0 16,0 0-16,0 0 15,-27 0-15,27 0 16,0 0-16,0 0 15,0 0-15,0 0 16,-27 0-16,1 0 16,-1 0 62</inkml:trace>
+</inkml:ink>
+</file>
+
+<file path=ppt/ink/ink10.xml><?xml version="1.0" encoding="utf-8"?>
+<inkml:ink xmlns:inkml="http://www.w3.org/2003/InkML">
+  <inkml:definitions>
+    <inkml:context xml:id="ctx0">
+      <inkml:inkSource xml:id="inkSrc0">
+        <inkml:traceFormat>
+          <inkml:channel name="X" type="integer" max="2960" units="cm"/>
+          <inkml:channel name="Y" type="integer" max="1050" units="cm"/>
+          <inkml:channel name="T" type="integer" max="2.14748E9" units="dev"/>
+        </inkml:traceFormat>
+        <inkml:channelProperties>
+          <inkml:channelProperty channel="X" name="resolution" value="87.57397" units="1/cm"/>
+          <inkml:channelProperty channel="Y" name="resolution" value="38.88889" units="1/cm"/>
+          <inkml:channelProperty channel="T" name="resolution" value="1" units="1/dev"/>
+        </inkml:channelProperties>
+      </inkml:inkSource>
+      <inkml:timestamp xml:id="ts0" timeString="2019-06-27T14:23:58.291"/>
+    </inkml:context>
+    <inkml:brush xml:id="br0">
+      <inkml:brushProperty name="width" value="0.2" units="cm"/>
+      <inkml:brushProperty name="height" value="0.4" units="cm"/>
+      <inkml:brushProperty name="color" value="#FFFF00"/>
+      <inkml:brushProperty name="tip" value="rectangle"/>
+      <inkml:brushProperty name="rasterOp" value="maskPen"/>
+      <inkml:brushProperty name="fitToCurve" value="1"/>
+    </inkml:brush>
+  </inkml:definitions>
+  <inkml:trace contextRef="#ctx0" brushRef="#br0">0 53 0,'106'0'62,"105"0"-62,28 0 16,78 0-16,1 0 15,-1 0-15,1 0 16,-80 0-16,26 0 16,-52 0-16,0 0 15,-107 0-15,-25 0 16,-27 0 0,26 0-16,27 0 15,0 0-15,0 0 16,-1 0-16,-25 0 15,26 0-15,-27 0 16,-26 0-16,26 0 16,-26 0-16,0 0 15,26 0-15,-26 0 16,27 0-16,-27 0 16,26 0-16,-26 0 15,0 0-15,0 0 16,-27 0-16,1 0 15,26 0-15,0 0 16,26-26-16,-53 26 16,1 0-16,-1 0 0,-26-27 0</inkml:trace>
+</inkml:ink>
+</file>
+
+<file path=ppt/ink/ink11.xml><?xml version="1.0" encoding="utf-8"?>
+<inkml:ink xmlns:inkml="http://www.w3.org/2003/InkML">
+  <inkml:definitions>
+    <inkml:context xml:id="ctx0">
+      <inkml:inkSource xml:id="inkSrc0">
+        <inkml:traceFormat>
+          <inkml:channel name="X" type="integer" max="2960" units="cm"/>
+          <inkml:channel name="Y" type="integer" max="1050" units="cm"/>
+          <inkml:channel name="T" type="integer" max="2.14748E9" units="dev"/>
+        </inkml:traceFormat>
+        <inkml:channelProperties>
+          <inkml:channelProperty channel="X" name="resolution" value="87.57397" units="1/cm"/>
+          <inkml:channelProperty channel="Y" name="resolution" value="38.88889" units="1/cm"/>
+          <inkml:channelProperty channel="T" name="resolution" value="1" units="1/dev"/>
+        </inkml:channelProperties>
+      </inkml:inkSource>
+      <inkml:timestamp xml:id="ts0" timeString="2019-06-27T14:23:59.324"/>
+    </inkml:context>
+    <inkml:brush xml:id="br0">
+      <inkml:brushProperty name="width" value="0.2" units="cm"/>
+      <inkml:brushProperty name="height" value="0.4" units="cm"/>
+      <inkml:brushProperty name="color" value="#FFFF00"/>
+      <inkml:brushProperty name="tip" value="rectangle"/>
+      <inkml:brushProperty name="rasterOp" value="maskPen"/>
+      <inkml:brushProperty name="fitToCurve" value="1"/>
+    </inkml:brush>
+  </inkml:definitions>
+  <inkml:trace contextRef="#ctx0" brushRef="#br0">0 140 0,'53'0'31,"26"0"-31,27 0 16,53 0-1,26-27-15,27 1 16,26-1-16,-27 27 16,-78-26-16,25 26 15,-52 0-15,0-27 16,0 27-16,0 0 15,0 0-15,26 0 16,-26 0-16,0 0 16,-1 0-16,1 0 15,-26 0-15,25 0 16,-25 0-16,-27 0 16,0 0-16,26 0 15,-26 0-15,-27 0 16,1 0-16,26 0 15,-27 0-15,27 0 47,-26 0-31,-1 0-16,27 0 16,-27 0-1,1 0 63</inkml:trace>
+</inkml:ink>
+</file>
+
+<file path=ppt/ink/ink12.xml><?xml version="1.0" encoding="utf-8"?>
+<inkml:ink xmlns:inkml="http://www.w3.org/2003/InkML">
+  <inkml:definitions>
+    <inkml:context xml:id="ctx0">
+      <inkml:inkSource xml:id="inkSrc0">
+        <inkml:traceFormat>
+          <inkml:channel name="X" type="integer" max="2960" units="cm"/>
+          <inkml:channel name="Y" type="integer" max="1050" units="cm"/>
+          <inkml:channel name="T" type="integer" max="2.14748E9" units="dev"/>
+        </inkml:traceFormat>
+        <inkml:channelProperties>
+          <inkml:channelProperty channel="X" name="resolution" value="87.57397" units="1/cm"/>
+          <inkml:channelProperty channel="Y" name="resolution" value="38.88889" units="1/cm"/>
+          <inkml:channelProperty channel="T" name="resolution" value="1" units="1/dev"/>
+        </inkml:channelProperties>
+      </inkml:inkSource>
+      <inkml:timestamp xml:id="ts0" timeString="2019-06-27T14:24:00.844"/>
+    </inkml:context>
+    <inkml:brush xml:id="br0">
+      <inkml:brushProperty name="width" value="0.2" units="cm"/>
+      <inkml:brushProperty name="height" value="0.4" units="cm"/>
+      <inkml:brushProperty name="color" value="#FFFF00"/>
+      <inkml:brushProperty name="tip" value="rectangle"/>
+      <inkml:brushProperty name="rasterOp" value="maskPen"/>
+      <inkml:brushProperty name="fitToCurve" value="1"/>
+    </inkml:brush>
+  </inkml:definitions>
+  <inkml:trace contextRef="#ctx0" brushRef="#br0">0 0 0,'26'0'47,"0"0"-31,54 0-16,-27 27 15,26-27-15,27 0 16,0 0-16,26 0 16,53 0-16,53 0 15,27 0-15,-27 0 16,53 26-16,-26-26 16,26 0-16,-53 0 15,-26 0-15,-1 0 16,1 0-16,-27 0 15,-26 0-15,-53 0 16,0 0-16,-1 0 16,-25 0-16,26 0 15,26 0-15,27 0 16,-27 0-16,27 27 16,-80-27-16,0 0 15,-26 0-15,0 0 16,-26 0-1,26 0-15,0 0 16,26 0-16,-53 0 16,27 0-16,0 0 15,0 0-15,0 0 16,-26 0 0,-1 0 15,0 0-16,1 0 1,-1 0 0,1 0-16,-1 0 15</inkml:trace>
+</inkml:ink>
+</file>
+
+<file path=ppt/ink/ink13.xml><?xml version="1.0" encoding="utf-8"?>
+<inkml:ink xmlns:inkml="http://www.w3.org/2003/InkML">
+  <inkml:definitions>
+    <inkml:context xml:id="ctx0">
+      <inkml:inkSource xml:id="inkSrc0">
+        <inkml:traceFormat>
+          <inkml:channel name="X" type="integer" max="2960" units="cm"/>
+          <inkml:channel name="Y" type="integer" max="1050" units="cm"/>
+          <inkml:channel name="T" type="integer" max="2.14748E9" units="dev"/>
+        </inkml:traceFormat>
+        <inkml:channelProperties>
+          <inkml:channelProperty channel="X" name="resolution" value="87.57397" units="1/cm"/>
+          <inkml:channelProperty channel="Y" name="resolution" value="38.88889" units="1/cm"/>
+          <inkml:channelProperty channel="T" name="resolution" value="1" units="1/dev"/>
+        </inkml:channelProperties>
+      </inkml:inkSource>
+      <inkml:timestamp xml:id="ts0" timeString="2019-06-27T14:24:01.839"/>
+    </inkml:context>
+    <inkml:brush xml:id="br0">
+      <inkml:brushProperty name="width" value="0.2" units="cm"/>
+      <inkml:brushProperty name="height" value="0.4" units="cm"/>
+      <inkml:brushProperty name="color" value="#FFFF00"/>
+      <inkml:brushProperty name="tip" value="rectangle"/>
+      <inkml:brushProperty name="rasterOp" value="maskPen"/>
+      <inkml:brushProperty name="fitToCurve" value="1"/>
+    </inkml:brush>
+  </inkml:definitions>
+  <inkml:trace contextRef="#ctx0" brushRef="#br0">0 168 0,'0'-26'16,"26"-1"-16,1 27 16,-1 0-16,1 0 15,26 0-15,26 0 16,27 0-16,79-26 16,27 26-16,-1-27 15,54 27-15,-27-26 16,53-1-16,-53 27 15,-26 0-15,-53 0 16,-106 0-16,-27 0 16,1 0-16,-1 0 15,27 0 1,26 0-16,54 0 16,25 0-16,1 0 15,26 27-15,1-27 16,-81 26-16,-25-26 15,-27 0 1,-27 0-16,27 0 16,0 0-1,-27 0-15,27 0 16,0 0-16,-26 0 16,26 0-16,-27 0 15</inkml:trace>
+</inkml:ink>
+</file>
+
+<file path=ppt/ink/ink14.xml><?xml version="1.0" encoding="utf-8"?>
+<inkml:ink xmlns:inkml="http://www.w3.org/2003/InkML">
+  <inkml:definitions>
+    <inkml:context xml:id="ctx0">
+      <inkml:inkSource xml:id="inkSrc0">
+        <inkml:traceFormat>
+          <inkml:channel name="X" type="integer" max="2960" units="cm"/>
+          <inkml:channel name="Y" type="integer" max="1050" units="cm"/>
+          <inkml:channel name="T" type="integer" max="2.14748E9" units="dev"/>
+        </inkml:traceFormat>
+        <inkml:channelProperties>
+          <inkml:channelProperty channel="X" name="resolution" value="87.57397" units="1/cm"/>
+          <inkml:channelProperty channel="Y" name="resolution" value="38.88889" units="1/cm"/>
+          <inkml:channelProperty channel="T" name="resolution" value="1" units="1/dev"/>
+        </inkml:channelProperties>
+      </inkml:inkSource>
+      <inkml:timestamp xml:id="ts0" timeString="2019-06-27T14:24:06.120"/>
+    </inkml:context>
+    <inkml:brush xml:id="br0">
+      <inkml:brushProperty name="width" value="0.2" units="cm"/>
+      <inkml:brushProperty name="height" value="0.4" units="cm"/>
+      <inkml:brushProperty name="color" value="#FFFF00"/>
+      <inkml:brushProperty name="tip" value="rectangle"/>
+      <inkml:brushProperty name="rasterOp" value="maskPen"/>
+      <inkml:brushProperty name="fitToCurve" value="1"/>
+    </inkml:brush>
+  </inkml:definitions>
+  <inkml:trace contextRef="#ctx0" brushRef="#br0">0 189 0,'27'0'47,"25"0"-31,28 0-16,26 0 15,0 0-15,52 0 16,27 0-16,27 0 16,26 0-16,53 0 15,-26-27-15,-1 27 16,-52-26-16,-27-1 15,-79 27-15,0-26 16,-27 26-16,1 0 16,26 0-16,52-27 15,1 27-15,79 0 16,-79-26-16,53 26 16,-27 0-16,0-27 15,-53 27-15,-52 0 16,-27 0-16,-27 0 15,27 0 17,-27 0-17,1 0-15,26 0 16,-27 0-16,27 0 16,-26 0-1,26 0-15,-27 27 16,1-27-16,-1 0 15,53 26-15,-52 1 16,-1-27-16,1 0 16</inkml:trace>
+</inkml:ink>
+</file>
+
+<file path=ppt/ink/ink15.xml><?xml version="1.0" encoding="utf-8"?>
+<inkml:ink xmlns:inkml="http://www.w3.org/2003/InkML">
+  <inkml:definitions>
+    <inkml:context xml:id="ctx0">
+      <inkml:inkSource xml:id="inkSrc0">
+        <inkml:traceFormat>
+          <inkml:channel name="X" type="integer" max="2960" units="cm"/>
+          <inkml:channel name="Y" type="integer" max="1050" units="cm"/>
+          <inkml:channel name="T" type="integer" max="2.14748E9" units="dev"/>
+        </inkml:traceFormat>
+        <inkml:channelProperties>
+          <inkml:channelProperty channel="X" name="resolution" value="87.57397" units="1/cm"/>
+          <inkml:channelProperty channel="Y" name="resolution" value="38.88889" units="1/cm"/>
+          <inkml:channelProperty channel="T" name="resolution" value="1" units="1/dev"/>
+        </inkml:channelProperties>
+      </inkml:inkSource>
+      <inkml:timestamp xml:id="ts0" timeString="2019-06-27T14:24:07.796"/>
+    </inkml:context>
+    <inkml:brush xml:id="br0">
+      <inkml:brushProperty name="width" value="0.2" units="cm"/>
+      <inkml:brushProperty name="height" value="0.4" units="cm"/>
+      <inkml:brushProperty name="color" value="#FFFF00"/>
+      <inkml:brushProperty name="tip" value="rectangle"/>
+      <inkml:brushProperty name="rasterOp" value="maskPen"/>
+      <inkml:brushProperty name="fitToCurve" value="1"/>
+    </inkml:brush>
+  </inkml:definitions>
+  <inkml:trace contextRef="#ctx0" brushRef="#br0">0 64 0,'52'0'94,"28"0"-94,26 0 15,52 0 1,-25 0-16,-27 0 16,52 0-16,1-26 15,106 26-15,52 0 16,1-27-16,26 27 15,0 0-15,-1 0 16,-25 0-16,-1 0 16,-52 0-16,-53 0 15,-54 0 1,1 0-16,-26 0 16,-28 0-16,54 0 15,26 27-15,106-1 16,-26 1-16,26-27 15,26 0-15,-52 0 16,0 0-16,-54 0 16,1 26-16,-106-26 15,-27 0-15,-26 0 16,-26 0-16,-1 0 31,0 0-31,27 0 16,27 0-16,-1 0 15,80 0-15,0 0 16,-80 0-16,-26 0 16,-27 0-16,1 0 15</inkml:trace>
+</inkml:ink>
+</file>
+
+<file path=ppt/ink/ink2.xml><?xml version="1.0" encoding="utf-8"?>
+<inkml:ink xmlns:inkml="http://www.w3.org/2003/InkML">
+  <inkml:definitions>
+    <inkml:context xml:id="ctx0">
+      <inkml:inkSource xml:id="inkSrc0">
+        <inkml:traceFormat>
+          <inkml:channel name="X" type="integer" max="2960" units="cm"/>
+          <inkml:channel name="Y" type="integer" max="1050" units="cm"/>
+          <inkml:channel name="T" type="integer" max="2.14748E9" units="dev"/>
+        </inkml:traceFormat>
+        <inkml:channelProperties>
+          <inkml:channelProperty channel="X" name="resolution" value="87.57397" units="1/cm"/>
+          <inkml:channelProperty channel="Y" name="resolution" value="38.88889" units="1/cm"/>
+          <inkml:channelProperty channel="T" name="resolution" value="1" units="1/dev"/>
+        </inkml:channelProperties>
+      </inkml:inkSource>
+      <inkml:timestamp xml:id="ts0" timeString="2019-06-27T14:23:48.542"/>
+    </inkml:context>
+    <inkml:brush xml:id="br0">
+      <inkml:brushProperty name="width" value="0.2" units="cm"/>
+      <inkml:brushProperty name="height" value="0.4" units="cm"/>
+      <inkml:brushProperty name="color" value="#FFFF00"/>
+      <inkml:brushProperty name="tip" value="rectangle"/>
+      <inkml:brushProperty name="rasterOp" value="maskPen"/>
+      <inkml:brushProperty name="fitToCurve" value="1"/>
+    </inkml:brush>
+  </inkml:definitions>
+  <inkml:trace contextRef="#ctx0" brushRef="#br0">0 1 0,'79'0'47,"27"0"-31,53 0-16,26 0 16,-53 0-16,53 0 15,-26 0-15,-27 0 16,1 0-16,-27 0 15,52 27-15,-52-27 16,0 0-16,26 0 16,1 0-16,-28 0 15,-25 0-15,-1 0 16,-26 0-16,0 0 16,-27 0-16,27 0 15,0 0-15,0 0 16,-26 0-16,-1 0 15,27 0-15,-27 0 16,1 0 15,-1 0-31,1 0 16,26 0-16,0 0 16,26 0-16,-26 0 15,0 0-15,0 0 16,-27 0-1,1 0 1,-1 0-16,1 0 16,-1 0-1,1 0 1,-1 0 31,0 0 0</inkml:trace>
+</inkml:ink>
+</file>
+
+<file path=ppt/ink/ink3.xml><?xml version="1.0" encoding="utf-8"?>
+<inkml:ink xmlns:inkml="http://www.w3.org/2003/InkML">
+  <inkml:definitions>
+    <inkml:context xml:id="ctx0">
+      <inkml:inkSource xml:id="inkSrc0">
+        <inkml:traceFormat>
+          <inkml:channel name="X" type="integer" max="2960" units="cm"/>
+          <inkml:channel name="Y" type="integer" max="1050" units="cm"/>
+          <inkml:channel name="T" type="integer" max="2.14748E9" units="dev"/>
+        </inkml:traceFormat>
+        <inkml:channelProperties>
+          <inkml:channelProperty channel="X" name="resolution" value="87.57397" units="1/cm"/>
+          <inkml:channelProperty channel="Y" name="resolution" value="38.88889" units="1/cm"/>
+          <inkml:channelProperty channel="T" name="resolution" value="1" units="1/dev"/>
+        </inkml:channelProperties>
+      </inkml:inkSource>
+      <inkml:timestamp xml:id="ts0" timeString="2019-06-27T14:23:49.964"/>
+    </inkml:context>
+    <inkml:brush xml:id="br0">
+      <inkml:brushProperty name="width" value="0.2" units="cm"/>
+      <inkml:brushProperty name="height" value="0.4" units="cm"/>
+      <inkml:brushProperty name="color" value="#FFFF00"/>
+      <inkml:brushProperty name="tip" value="rectangle"/>
+      <inkml:brushProperty name="rasterOp" value="maskPen"/>
+      <inkml:brushProperty name="fitToCurve" value="1"/>
+    </inkml:brush>
+  </inkml:definitions>
+  <inkml:trace contextRef="#ctx0" brushRef="#br0">0 0 0,'53'0'78,"52"26"-62,160 0-16,52 1 15,1-1-15,-1-26 16,-26 0-16,1 0 16,-1 53-16,-80-53 15,1 0-15,-27 0 16,-53 0-16,1 0 16,52 0-16,0 0 15,0 0-15,-52 0 16,-28 0-16,-25 0 15,-1 0-15,-26 0 16,26 0-16,1 0 16,-1 0-16,27 0 15,-27 0-15,27 0 16,-26 0-16,-1 0 16,-26 0-16,0 0 15,-27 0-15,1 0 16,-1 0-16,1 0 15,26 0 1,0 0-16,26 0 16,0 27-16,-52-27 15,-1 0-15,1 0 16,-1 0-16,-26 26 16,53-26-16,-27 0 15,27 0-15,-26 0 16,52 0-16,-52 0 15,-1 0-15,1 0 16,-1 0 0,27 0-1,-27 0 1,27 0-16,-26 0 16,-1 0-16,1 0 31,-1 0 0</inkml:trace>
+</inkml:ink>
+</file>
+
+<file path=ppt/ink/ink4.xml><?xml version="1.0" encoding="utf-8"?>
+<inkml:ink xmlns:inkml="http://www.w3.org/2003/InkML">
+  <inkml:definitions>
+    <inkml:context xml:id="ctx0">
+      <inkml:inkSource xml:id="inkSrc0">
+        <inkml:traceFormat>
+          <inkml:channel name="X" type="integer" max="2960" units="cm"/>
+          <inkml:channel name="Y" type="integer" max="1050" units="cm"/>
+          <inkml:channel name="T" type="integer" max="2.14748E9" units="dev"/>
+        </inkml:traceFormat>
+        <inkml:channelProperties>
+          <inkml:channelProperty channel="X" name="resolution" value="87.57397" units="1/cm"/>
+          <inkml:channelProperty channel="Y" name="resolution" value="38.88889" units="1/cm"/>
+          <inkml:channelProperty channel="T" name="resolution" value="1" units="1/dev"/>
+        </inkml:channelProperties>
+      </inkml:inkSource>
+      <inkml:timestamp xml:id="ts0" timeString="2019-06-27T14:23:51.741"/>
+    </inkml:context>
+    <inkml:brush xml:id="br0">
+      <inkml:brushProperty name="width" value="0.2" units="cm"/>
+      <inkml:brushProperty name="height" value="0.4" units="cm"/>
+      <inkml:brushProperty name="color" value="#FFFF00"/>
+      <inkml:brushProperty name="tip" value="rectangle"/>
+      <inkml:brushProperty name="rasterOp" value="maskPen"/>
+      <inkml:brushProperty name="fitToCurve" value="1"/>
+    </inkml:brush>
+  </inkml:definitions>
+  <inkml:trace contextRef="#ctx0" brushRef="#br0">0 125 0,'26'0'62,"27"0"-62,106 0 16,53 0-16,26 0 15,79 0-15,80 0 16,-53 0-16,-26 0 16,-27 0-16,-27 0 15,1 0-15,-53 0 16,-54 0-16,27 0 16,-52 0-16,26 0 15,-27 0-15,-26 0 16,26 0-16,-53 0 15,27 0 1,-53 0-16,0 0 16,0 0-16,-27 0 15,54 0 1,26 0-16,26 0 16,-26 0-16,0 0 15,-27 0-15,-26 0 16,-27 0-16,1 0 15,26 0 32,0 0-31,-1 0-16,1 0 16,0 0-16,0 0 15,0 0-15,-26 0 16,26 0-1,-27 0-15,27 0 16,0 0-16,53 26 16,-27 1-16,0-27 15,1 0-15,-54 0 16,1 0 0,-1 0-16,1 0 46,-1 0-30,1 0 0,-1 0-1,0 0 1,1 0 0,26 0-16,-27 0 15,1 0-15,-1 0 16,1 0-1,-1 0 17,1 0-17,-1 0 1,0 0 0,1 0-1</inkml:trace>
+</inkml:ink>
+</file>
+
+<file path=ppt/ink/ink5.xml><?xml version="1.0" encoding="utf-8"?>
+<inkml:ink xmlns:inkml="http://www.w3.org/2003/InkML">
+  <inkml:definitions>
+    <inkml:context xml:id="ctx0">
+      <inkml:inkSource xml:id="inkSrc0">
+        <inkml:traceFormat>
+          <inkml:channel name="X" type="integer" max="2960" units="cm"/>
+          <inkml:channel name="Y" type="integer" max="1050" units="cm"/>
+          <inkml:channel name="T" type="integer" max="2.14748E9" units="dev"/>
+        </inkml:traceFormat>
+        <inkml:channelProperties>
+          <inkml:channelProperty channel="X" name="resolution" value="87.57397" units="1/cm"/>
+          <inkml:channelProperty channel="Y" name="resolution" value="38.88889" units="1/cm"/>
+          <inkml:channelProperty channel="T" name="resolution" value="1" units="1/dev"/>
+        </inkml:channelProperties>
+      </inkml:inkSource>
+      <inkml:timestamp xml:id="ts0" timeString="2019-06-27T14:23:51.762"/>
+    </inkml:context>
+    <inkml:brush xml:id="br0">
+      <inkml:brushProperty name="width" value="0.2" units="cm"/>
+      <inkml:brushProperty name="height" value="0.4" units="cm"/>
+      <inkml:brushProperty name="color" value="#FFFF00"/>
+      <inkml:brushProperty name="tip" value="rectangle"/>
+      <inkml:brushProperty name="rasterOp" value="maskPen"/>
+      <inkml:brushProperty name="fitToCurve" value="1"/>
+    </inkml:brush>
+  </inkml:definitions>
+  <inkml:trace contextRef="#ctx0" brushRef="#br0">0 0 0</inkml:trace>
+</inkml:ink>
+</file>
+
+<file path=ppt/ink/ink6.xml><?xml version="1.0" encoding="utf-8"?>
+<inkml:ink xmlns:inkml="http://www.w3.org/2003/InkML">
+  <inkml:definitions>
+    <inkml:context xml:id="ctx0">
+      <inkml:inkSource xml:id="inkSrc0">
+        <inkml:traceFormat>
+          <inkml:channel name="X" type="integer" max="2960" units="cm"/>
+          <inkml:channel name="Y" type="integer" max="1050" units="cm"/>
+          <inkml:channel name="T" type="integer" max="2.14748E9" units="dev"/>
+        </inkml:traceFormat>
+        <inkml:channelProperties>
+          <inkml:channelProperty channel="X" name="resolution" value="87.57397" units="1/cm"/>
+          <inkml:channelProperty channel="Y" name="resolution" value="38.88889" units="1/cm"/>
+          <inkml:channelProperty channel="T" name="resolution" value="1" units="1/dev"/>
+        </inkml:channelProperties>
+      </inkml:inkSource>
+      <inkml:timestamp xml:id="ts0" timeString="2019-06-27T14:23:53.072"/>
+    </inkml:context>
+    <inkml:brush xml:id="br0">
+      <inkml:brushProperty name="width" value="0.2" units="cm"/>
+      <inkml:brushProperty name="height" value="0.4" units="cm"/>
+      <inkml:brushProperty name="color" value="#FFFF00"/>
+      <inkml:brushProperty name="tip" value="rectangle"/>
+      <inkml:brushProperty name="rasterOp" value="maskPen"/>
+      <inkml:brushProperty name="fitToCurve" value="1"/>
+    </inkml:brush>
+  </inkml:definitions>
+  <inkml:trace contextRef="#ctx0" brushRef="#br0">0 136 0,'26'0'47,"27"0"-47,0 0 16,53 0-16,0 0 15,52 0-15,1 0 16,26 0-16,54 0 16,-28 0-16,-26 0 15,27 0-15,0-53 16,-27 53-16,0 0 16,-53-26-16,27-1 15,26 27-15,27 0 16,0 0-16,26 0 15,0 0-15,-53 0 16,53 0-16,-79 0 16,26 0-16,-79 0 15,0 0-15,-27 0 16,-26 0-16,0 0 16,-26 0-16,52 0 15,-26 0-15,26 0 16,1 0-16,-1 0 15,0 0-15,1 0 16,-27 0-16,-27 0 16,1 0-1,-1 0 17</inkml:trace>
+</inkml:ink>
+</file>
+
+<file path=ppt/ink/ink7.xml><?xml version="1.0" encoding="utf-8"?>
+<inkml:ink xmlns:inkml="http://www.w3.org/2003/InkML">
+  <inkml:definitions>
+    <inkml:context xml:id="ctx0">
+      <inkml:inkSource xml:id="inkSrc0">
+        <inkml:traceFormat>
+          <inkml:channel name="X" type="integer" max="2960" units="cm"/>
+          <inkml:channel name="Y" type="integer" max="1050" units="cm"/>
+          <inkml:channel name="T" type="integer" max="2.14748E9" units="dev"/>
+        </inkml:traceFormat>
+        <inkml:channelProperties>
+          <inkml:channelProperty channel="X" name="resolution" value="87.57397" units="1/cm"/>
+          <inkml:channelProperty channel="Y" name="resolution" value="38.88889" units="1/cm"/>
+          <inkml:channelProperty channel="T" name="resolution" value="1" units="1/dev"/>
+        </inkml:channelProperties>
+      </inkml:inkSource>
+      <inkml:timestamp xml:id="ts0" timeString="2019-06-27T14:23:54.371"/>
+    </inkml:context>
+    <inkml:brush xml:id="br0">
+      <inkml:brushProperty name="width" value="0.2" units="cm"/>
+      <inkml:brushProperty name="height" value="0.4" units="cm"/>
+      <inkml:brushProperty name="color" value="#FFFF00"/>
+      <inkml:brushProperty name="tip" value="rectangle"/>
+      <inkml:brushProperty name="rasterOp" value="maskPen"/>
+      <inkml:brushProperty name="fitToCurve" value="1"/>
+    </inkml:brush>
+  </inkml:definitions>
+  <inkml:trace contextRef="#ctx0" brushRef="#br0">0 139 0,'26'0'47,"1"0"-31,52-27-16,27 27 15,0 0-15,79 0 16,53-26-16,-26 26 16,-1 0-16,1 0 15,53-27-15,-27 27 16,-27 0-16,1 0 15,79 0-15,-79 0 16,-80 0-16,0-26 16,-52 26-16,-54 0 15,1 0-15,-1 0 16,27 0-16,-27 0 16,1 0-16,26-27 15,0 27-15,0 0 16,0 0-16,0 0 15,-1 0-15,1 0 16,0 0-16,-26 0 16,-1 0-16</inkml:trace>
+</inkml:ink>
+</file>
+
+<file path=ppt/ink/ink8.xml><?xml version="1.0" encoding="utf-8"?>
+<inkml:ink xmlns:inkml="http://www.w3.org/2003/InkML">
+  <inkml:definitions>
+    <inkml:context xml:id="ctx0">
+      <inkml:inkSource xml:id="inkSrc0">
+        <inkml:traceFormat>
+          <inkml:channel name="X" type="integer" max="2960" units="cm"/>
+          <inkml:channel name="Y" type="integer" max="1050" units="cm"/>
+          <inkml:channel name="T" type="integer" max="2.14748E9" units="dev"/>
+        </inkml:traceFormat>
+        <inkml:channelProperties>
+          <inkml:channelProperty channel="X" name="resolution" value="87.57397" units="1/cm"/>
+          <inkml:channelProperty channel="Y" name="resolution" value="38.88889" units="1/cm"/>
+          <inkml:channelProperty channel="T" name="resolution" value="1" units="1/dev"/>
+        </inkml:channelProperties>
+      </inkml:inkSource>
+      <inkml:timestamp xml:id="ts0" timeString="2019-06-27T14:23:55.636"/>
+    </inkml:context>
+    <inkml:brush xml:id="br0">
+      <inkml:brushProperty name="width" value="0.2" units="cm"/>
+      <inkml:brushProperty name="height" value="0.4" units="cm"/>
+      <inkml:brushProperty name="color" value="#FFFF00"/>
+      <inkml:brushProperty name="tip" value="rectangle"/>
+      <inkml:brushProperty name="rasterOp" value="maskPen"/>
+      <inkml:brushProperty name="fitToCurve" value="1"/>
+    </inkml:brush>
+  </inkml:definitions>
+  <inkml:trace contextRef="#ctx0" brushRef="#br0">0 0 0,'53'0'46,"26"0"-30,-26 0-16,53 0 16,0 0-16,79 26 15,26 1 1,1-1-16,0-26 16,52 0-16,1 0 15,0 0-15,-27 0 16,-53 0-16,-53 0 15,0-26-15,-52 26 16,-27 0-16,0-27 16,0 27-1,-1 0-15,54 0 16,53 0-16,-53 0 16,53 27-16,-1-1 15,1-26-15,0 53 16,-53-53-16,0 0 15,-27 27-15,0-27 16,-26 0-16,27 0 16,-54 0-16,53 26 15,1-26-15,-1 0 16,-26 0-16,0 0 16,-27 0-16,1 0 15,-1-26-15,1 26 16,26 0-16,-27-27 15,1 27 1,-1 0 0,1 0 46</inkml:trace>
+</inkml:ink>
+</file>
+
+<file path=ppt/ink/ink9.xml><?xml version="1.0" encoding="utf-8"?>
+<inkml:ink xmlns:inkml="http://www.w3.org/2003/InkML">
+  <inkml:definitions>
+    <inkml:context xml:id="ctx0">
+      <inkml:inkSource xml:id="inkSrc0">
+        <inkml:traceFormat>
+          <inkml:channel name="X" type="integer" max="2960" units="cm"/>
+          <inkml:channel name="Y" type="integer" max="1050" units="cm"/>
+          <inkml:channel name="T" type="integer" max="2.14748E9" units="dev"/>
+        </inkml:traceFormat>
+        <inkml:channelProperties>
+          <inkml:channelProperty channel="X" name="resolution" value="87.57397" units="1/cm"/>
+          <inkml:channelProperty channel="Y" name="resolution" value="38.88889" units="1/cm"/>
+          <inkml:channelProperty channel="T" name="resolution" value="1" units="1/dev"/>
+        </inkml:channelProperties>
+      </inkml:inkSource>
+      <inkml:timestamp xml:id="ts0" timeString="2019-06-27T14:23:57.087"/>
+    </inkml:context>
+    <inkml:brush xml:id="br0">
+      <inkml:brushProperty name="width" value="0.2" units="cm"/>
+      <inkml:brushProperty name="height" value="0.4" units="cm"/>
+      <inkml:brushProperty name="color" value="#FFFF00"/>
+      <inkml:brushProperty name="tip" value="rectangle"/>
+      <inkml:brushProperty name="rasterOp" value="maskPen"/>
+      <inkml:brushProperty name="fitToCurve" value="1"/>
+    </inkml:brush>
+  </inkml:definitions>
+  <inkml:trace contextRef="#ctx0" brushRef="#br0">0 220 0,'53'0'47,"26"0"-32,54-26-15,52-1 16,-26 1-1,52-1-15,-79 1 16,27 26-16,0-27 16,-53 27-16,-27 0 15,-26-26-15,0 26 16,-27 0-16,27 0 16,-26 0-16,26 0 15,0 0-15,26 0 16,27 0-16,26 0 15,106 0-15,-79 0 16,106 0-16,-133 0 16,-26 0-16,-53 0 15,-27 0-15,1 0 32,-1 0-17,27 0-15,0 0 16,79 0-16,-26 0 0,26 0 0,-52 26 15,26-26 1,-54 0-16,28 0 16,-54 0-16,1 0 15,-1 0-15,1 0 16,-1 0 0,27 0-16,0 0 15,53 27-15,26-27 16,-53 0-16,-26 0 15,0 0-15,-26 0 32</inkml:trace>
+</inkml:ink>
+</file>
+
 <file path=ppt/slideLayouts/slideLayout1.xml><?xml version="1.0" encoding="utf-8"?>
 <p:sldLayout xmlns:a="http://schemas.openxmlformats.org/drawingml/2006/main" xmlns:r="http://schemas.openxmlformats.org/officeDocument/2006/relationships" xmlns:p="http://schemas.openxmlformats.org/presentationml/2006/main" type="title" preserve="1">
   <p:cSld name="Title Slide">
@@ -3038,7 +3775,7 @@
           <a:p>
             <a:fld id="{4ADAB2EE-122A-48BA-B9A3-BBF66E719C94}" type="datetimeFigureOut">
               <a:rPr lang="en-US" smtClean="0"/>
-              <a:t>6/26/2019</a:t>
+              <a:t>6/27/2019</a:t>
             </a:fld>
             <a:endParaRPr lang="en-US"/>
           </a:p>
@@ -3236,7 +3973,7 @@
           <a:p>
             <a:fld id="{4ADAB2EE-122A-48BA-B9A3-BBF66E719C94}" type="datetimeFigureOut">
               <a:rPr lang="en-US" smtClean="0"/>
-              <a:t>6/26/2019</a:t>
+              <a:t>6/27/2019</a:t>
             </a:fld>
             <a:endParaRPr lang="en-US"/>
           </a:p>
@@ -3444,7 +4181,7 @@
           <a:p>
             <a:fld id="{4ADAB2EE-122A-48BA-B9A3-BBF66E719C94}" type="datetimeFigureOut">
               <a:rPr lang="en-US" smtClean="0"/>
-              <a:t>6/26/2019</a:t>
+              <a:t>6/27/2019</a:t>
             </a:fld>
             <a:endParaRPr lang="en-US"/>
           </a:p>
@@ -3642,7 +4379,7 @@
           <a:p>
             <a:fld id="{4ADAB2EE-122A-48BA-B9A3-BBF66E719C94}" type="datetimeFigureOut">
               <a:rPr lang="en-US" smtClean="0"/>
-              <a:t>6/26/2019</a:t>
+              <a:t>6/27/2019</a:t>
             </a:fld>
             <a:endParaRPr lang="en-US"/>
           </a:p>
@@ -3917,7 +4654,7 @@
           <a:p>
             <a:fld id="{4ADAB2EE-122A-48BA-B9A3-BBF66E719C94}" type="datetimeFigureOut">
               <a:rPr lang="en-US" smtClean="0"/>
-              <a:t>6/26/2019</a:t>
+              <a:t>6/27/2019</a:t>
             </a:fld>
             <a:endParaRPr lang="en-US"/>
           </a:p>
@@ -4182,7 +4919,7 @@
           <a:p>
             <a:fld id="{4ADAB2EE-122A-48BA-B9A3-BBF66E719C94}" type="datetimeFigureOut">
               <a:rPr lang="en-US" smtClean="0"/>
-              <a:t>6/26/2019</a:t>
+              <a:t>6/27/2019</a:t>
             </a:fld>
             <a:endParaRPr lang="en-US"/>
           </a:p>
@@ -4594,7 +5331,7 @@
           <a:p>
             <a:fld id="{4ADAB2EE-122A-48BA-B9A3-BBF66E719C94}" type="datetimeFigureOut">
               <a:rPr lang="en-US" smtClean="0"/>
-              <a:t>6/26/2019</a:t>
+              <a:t>6/27/2019</a:t>
             </a:fld>
             <a:endParaRPr lang="en-US"/>
           </a:p>
@@ -4735,7 +5472,7 @@
           <a:p>
             <a:fld id="{4ADAB2EE-122A-48BA-B9A3-BBF66E719C94}" type="datetimeFigureOut">
               <a:rPr lang="en-US" smtClean="0"/>
-              <a:t>6/26/2019</a:t>
+              <a:t>6/27/2019</a:t>
             </a:fld>
             <a:endParaRPr lang="en-US"/>
           </a:p>
@@ -4848,7 +5585,7 @@
           <a:p>
             <a:fld id="{4ADAB2EE-122A-48BA-B9A3-BBF66E719C94}" type="datetimeFigureOut">
               <a:rPr lang="en-US" smtClean="0"/>
-              <a:t>6/26/2019</a:t>
+              <a:t>6/27/2019</a:t>
             </a:fld>
             <a:endParaRPr lang="en-US"/>
           </a:p>
@@ -5159,7 +5896,7 @@
           <a:p>
             <a:fld id="{4ADAB2EE-122A-48BA-B9A3-BBF66E719C94}" type="datetimeFigureOut">
               <a:rPr lang="en-US" smtClean="0"/>
-              <a:t>6/26/2019</a:t>
+              <a:t>6/27/2019</a:t>
             </a:fld>
             <a:endParaRPr lang="en-US"/>
           </a:p>
@@ -5447,7 +6184,7 @@
           <a:p>
             <a:fld id="{4ADAB2EE-122A-48BA-B9A3-BBF66E719C94}" type="datetimeFigureOut">
               <a:rPr lang="en-US" smtClean="0"/>
-              <a:t>6/26/2019</a:t>
+              <a:t>6/27/2019</a:t>
             </a:fld>
             <a:endParaRPr lang="en-US"/>
           </a:p>
@@ -5688,7 +6425,7 @@
           <a:p>
             <a:fld id="{4ADAB2EE-122A-48BA-B9A3-BBF66E719C94}" type="datetimeFigureOut">
               <a:rPr lang="en-US" smtClean="0"/>
-              <a:t>6/26/2019</a:t>
+              <a:t>6/27/2019</a:t>
             </a:fld>
             <a:endParaRPr lang="en-US"/>
           </a:p>
@@ -6162,8 +6899,8 @@
         </p:nvSpPr>
         <p:spPr>
           <a:xfrm>
-            <a:off x="3984363" y="4114800"/>
-            <a:ext cx="4223271" cy="523220"/>
+            <a:off x="3984368" y="4114800"/>
+            <a:ext cx="4223272" cy="523220"/>
           </a:xfrm>
           <a:prstGeom prst="rect">
             <a:avLst/>
@@ -6179,7 +6916,7 @@
             <a:pPr algn="ctr"/>
             <a:r>
               <a:rPr lang="en-US" sz="2800" dirty="0"/>
-              <a:t>Jonah Tash and Peter Zhang</a:t>
+              <a:t>Peter Zhang and Jonah Tash</a:t>
             </a:r>
             <a:endParaRPr lang="en-US" sz="3600" dirty="0"/>
           </a:p>
@@ -6220,7 +6957,7 @@
           <p:cNvPr id="2" name="Title 1">
             <a:extLst>
               <a:ext uri="{FF2B5EF4-FFF2-40B4-BE49-F238E27FC236}">
-                <a16:creationId xmlns:a16="http://schemas.microsoft.com/office/drawing/2014/main" id="{8D9954EE-B34C-4488-A7A0-365AD049DD41}"/>
+                <a16:creationId xmlns:a16="http://schemas.microsoft.com/office/drawing/2014/main" id="{6E30C8FC-CC98-4847-8D96-E908355CC55F}"/>
               </a:ext>
             </a:extLst>
           </p:cNvPr>
@@ -6238,7 +6975,332 @@
           <a:p>
             <a:r>
               <a:rPr lang="en-US" dirty="0"/>
-              <a:t>Step 2: Searching for Verbs</a:t>
+              <a:t>Step 1: Cross-Checking</a:t>
+            </a:r>
+          </a:p>
+        </p:txBody>
+      </p:sp>
+      <p:sp>
+        <p:nvSpPr>
+          <p:cNvPr id="3" name="Content Placeholder 2">
+            <a:extLst>
+              <a:ext uri="{FF2B5EF4-FFF2-40B4-BE49-F238E27FC236}">
+                <a16:creationId xmlns:a16="http://schemas.microsoft.com/office/drawing/2014/main" id="{52C19ABA-3C73-4C70-AFAB-0DE8AD93B01C}"/>
+              </a:ext>
+            </a:extLst>
+          </p:cNvPr>
+          <p:cNvSpPr>
+            <a:spLocks noGrp="1"/>
+          </p:cNvSpPr>
+          <p:nvPr>
+            <p:ph idx="1"/>
+          </p:nvPr>
+        </p:nvSpPr>
+        <p:spPr/>
+        <p:txBody>
+          <a:bodyPr/>
+          <a:lstStyle/>
+          <a:p>
+            <a:r>
+              <a:rPr lang="en-US" sz="3200" dirty="0"/>
+              <a:t>First, check results with Princeton’s WordNet lexicon of verbs</a:t>
+            </a:r>
+          </a:p>
+          <a:p>
+            <a:pPr lvl="1"/>
+            <a:r>
+              <a:rPr lang="en-US" sz="2800" dirty="0"/>
+              <a:t>Ensures a valid verb form is tagged</a:t>
+            </a:r>
+          </a:p>
+          <a:p>
+            <a:pPr lvl="1"/>
+            <a:r>
+              <a:rPr lang="en-US" sz="2800" dirty="0"/>
+              <a:t>E.g. removes “</a:t>
+            </a:r>
+            <a:r>
+              <a:rPr lang="en-US" sz="2800" dirty="0" err="1"/>
+              <a:t>middot</a:t>
+            </a:r>
+            <a:r>
+              <a:rPr lang="en-US" sz="2800" dirty="0"/>
+              <a:t>” and “</a:t>
+            </a:r>
+            <a:r>
+              <a:rPr lang="en-US" sz="2800" dirty="0" err="1"/>
+              <a:t>oxazolo</a:t>
+            </a:r>
+            <a:r>
+              <a:rPr lang="en-US" sz="2800" dirty="0"/>
+              <a:t>”</a:t>
+            </a:r>
+          </a:p>
+          <a:p>
+            <a:r>
+              <a:rPr lang="en-US" sz="3200" dirty="0"/>
+              <a:t>Second, remove tagged “verbs” that also appear in the terms</a:t>
+            </a:r>
+          </a:p>
+          <a:p>
+            <a:pPr lvl="1"/>
+            <a:r>
+              <a:rPr lang="en-US" sz="2800" dirty="0"/>
+              <a:t>Some verb forms appear in noun phrases</a:t>
+            </a:r>
+          </a:p>
+          <a:p>
+            <a:pPr lvl="1"/>
+            <a:r>
+              <a:rPr lang="en-US" sz="2800" dirty="0"/>
+              <a:t>E.g. “packing” in “crystal packing”</a:t>
+            </a:r>
+          </a:p>
+        </p:txBody>
+      </p:sp>
+      <p:sp>
+        <p:nvSpPr>
+          <p:cNvPr id="4" name="Rectangle 3">
+            <a:extLst>
+              <a:ext uri="{FF2B5EF4-FFF2-40B4-BE49-F238E27FC236}">
+                <a16:creationId xmlns:a16="http://schemas.microsoft.com/office/drawing/2014/main" id="{C4514297-C12C-400D-B8A9-593681AF5333}"/>
+              </a:ext>
+            </a:extLst>
+          </p:cNvPr>
+          <p:cNvSpPr/>
+          <p:nvPr/>
+        </p:nvSpPr>
+        <p:spPr>
+          <a:xfrm>
+            <a:off x="838200" y="5815310"/>
+            <a:ext cx="9372600" cy="400110"/>
+          </a:xfrm>
+          <a:prstGeom prst="rect">
+            <a:avLst/>
+          </a:prstGeom>
+        </p:spPr>
+        <p:txBody>
+          <a:bodyPr wrap="square">
+            <a:spAutoFit/>
+          </a:bodyPr>
+          <a:lstStyle/>
+          <a:p>
+            <a:r>
+              <a:rPr lang="en-US" sz="2000" dirty="0"/>
+              <a:t>Found at: </a:t>
+            </a:r>
+            <a:r>
+              <a:rPr lang="en-US" sz="2000" dirty="0">
+                <a:hlinkClick r:id="rId2"/>
+              </a:rPr>
+              <a:t>https://wordnet.princeton.edu/</a:t>
+            </a:r>
+            <a:endParaRPr lang="en-US" sz="2000" dirty="0"/>
+          </a:p>
+        </p:txBody>
+      </p:sp>
+    </p:spTree>
+    <p:extLst>
+      <p:ext uri="{BB962C8B-B14F-4D97-AF65-F5344CB8AC3E}">
+        <p14:creationId xmlns:p14="http://schemas.microsoft.com/office/powerpoint/2010/main" val="1559186123"/>
+      </p:ext>
+    </p:extLst>
+  </p:cSld>
+  <p:clrMapOvr>
+    <a:masterClrMapping/>
+  </p:clrMapOvr>
+</p:sld>
+</file>
+
+<file path=ppt/slides/slide11.xml><?xml version="1.0" encoding="utf-8"?>
+<p:sld xmlns:a="http://schemas.openxmlformats.org/drawingml/2006/main" xmlns:r="http://schemas.openxmlformats.org/officeDocument/2006/relationships" xmlns:p="http://schemas.openxmlformats.org/presentationml/2006/main">
+  <p:cSld>
+    <p:spTree>
+      <p:nvGrpSpPr>
+        <p:cNvPr id="1" name=""/>
+        <p:cNvGrpSpPr/>
+        <p:nvPr/>
+      </p:nvGrpSpPr>
+      <p:grpSpPr>
+        <a:xfrm>
+          <a:off x="0" y="0"/>
+          <a:ext cx="0" cy="0"/>
+          <a:chOff x="0" y="0"/>
+          <a:chExt cx="0" cy="0"/>
+        </a:xfrm>
+      </p:grpSpPr>
+      <p:sp>
+        <p:nvSpPr>
+          <p:cNvPr id="2" name="Title 1">
+            <a:extLst>
+              <a:ext uri="{FF2B5EF4-FFF2-40B4-BE49-F238E27FC236}">
+                <a16:creationId xmlns:a16="http://schemas.microsoft.com/office/drawing/2014/main" id="{FAD205C3-B970-4611-AD20-AC5BBE88BE6D}"/>
+              </a:ext>
+            </a:extLst>
+          </p:cNvPr>
+          <p:cNvSpPr>
+            <a:spLocks noGrp="1"/>
+          </p:cNvSpPr>
+          <p:nvPr>
+            <p:ph type="title"/>
+          </p:nvPr>
+        </p:nvSpPr>
+        <p:spPr/>
+        <p:txBody>
+          <a:bodyPr/>
+          <a:lstStyle/>
+          <a:p>
+            <a:r>
+              <a:rPr lang="en-US" dirty="0"/>
+              <a:t>Step 2: Grouping Terms</a:t>
+            </a:r>
+          </a:p>
+        </p:txBody>
+      </p:sp>
+      <p:sp>
+        <p:nvSpPr>
+          <p:cNvPr id="3" name="Content Placeholder 2">
+            <a:extLst>
+              <a:ext uri="{FF2B5EF4-FFF2-40B4-BE49-F238E27FC236}">
+                <a16:creationId xmlns:a16="http://schemas.microsoft.com/office/drawing/2014/main" id="{302BDD2B-A95D-4939-B165-D73FFD80D5CB}"/>
+              </a:ext>
+            </a:extLst>
+          </p:cNvPr>
+          <p:cNvSpPr>
+            <a:spLocks noGrp="1"/>
+          </p:cNvSpPr>
+          <p:nvPr>
+            <p:ph idx="1"/>
+          </p:nvPr>
+        </p:nvSpPr>
+        <p:spPr>
+          <a:xfrm>
+            <a:off x="838200" y="2181225"/>
+            <a:ext cx="10515600" cy="4351338"/>
+          </a:xfrm>
+        </p:spPr>
+        <p:txBody>
+          <a:bodyPr>
+            <a:normAutofit/>
+          </a:bodyPr>
+          <a:lstStyle/>
+          <a:p>
+            <a:r>
+              <a:rPr lang="en-US" sz="3200" dirty="0"/>
+              <a:t>Classify terms into Level 0, 1, and 2 by maximum colon number</a:t>
+            </a:r>
+          </a:p>
+          <a:p>
+            <a:pPr lvl="1"/>
+            <a:r>
+              <a:rPr lang="en-US" sz="2800" dirty="0"/>
+              <a:t>Higher level means a longer phrase</a:t>
+            </a:r>
+          </a:p>
+          <a:p>
+            <a:pPr lvl="1"/>
+            <a:r>
+              <a:rPr lang="en-US" sz="2800" dirty="0"/>
+              <a:t>E.g. “crystal:0:packing” ⇨ Level 0</a:t>
+            </a:r>
+          </a:p>
+          <a:p>
+            <a:pPr marL="457200" lvl="1" indent="0">
+              <a:buNone/>
+            </a:pPr>
+            <a:r>
+              <a:rPr lang="en-US" sz="2800" dirty="0"/>
+              <a:t>          “van:2:der:1:waals:0:interaction” ⇨ Level 2</a:t>
+            </a:r>
+            <a:endParaRPr lang="en-US" sz="3200" dirty="0"/>
+          </a:p>
+          <a:p>
+            <a:r>
+              <a:rPr lang="en-US" sz="3200" dirty="0"/>
+              <a:t>Conduct searches first on </a:t>
+            </a:r>
+            <a:r>
+              <a:rPr lang="en-US" sz="3200" i="1" dirty="0"/>
+              <a:t>only</a:t>
+            </a:r>
+            <a:r>
+              <a:rPr lang="en-US" sz="3200" dirty="0"/>
+              <a:t> Level 0 terms, then on Level 0 </a:t>
+            </a:r>
+            <a:r>
+              <a:rPr lang="en-US" sz="3200" i="1" dirty="0"/>
+              <a:t>and</a:t>
+            </a:r>
+            <a:r>
+              <a:rPr lang="en-US" sz="3200" dirty="0"/>
+              <a:t> Level 1, and finally on </a:t>
+            </a:r>
+            <a:r>
+              <a:rPr lang="en-US" sz="3200" i="1" dirty="0"/>
+              <a:t>all three</a:t>
+            </a:r>
+            <a:r>
+              <a:rPr lang="en-US" sz="3200" dirty="0"/>
+              <a:t> levels</a:t>
+            </a:r>
+            <a:endParaRPr lang="en-US" sz="2800" dirty="0"/>
+          </a:p>
+        </p:txBody>
+      </p:sp>
+    </p:spTree>
+    <p:extLst>
+      <p:ext uri="{BB962C8B-B14F-4D97-AF65-F5344CB8AC3E}">
+        <p14:creationId xmlns:p14="http://schemas.microsoft.com/office/powerpoint/2010/main" val="3245176730"/>
+      </p:ext>
+    </p:extLst>
+  </p:cSld>
+  <p:clrMapOvr>
+    <a:masterClrMapping/>
+  </p:clrMapOvr>
+</p:sld>
+</file>
+
+<file path=ppt/slides/slide12.xml><?xml version="1.0" encoding="utf-8"?>
+<p:sld xmlns:a="http://schemas.openxmlformats.org/drawingml/2006/main" xmlns:r="http://schemas.openxmlformats.org/officeDocument/2006/relationships" xmlns:p="http://schemas.openxmlformats.org/presentationml/2006/main">
+  <p:cSld>
+    <p:spTree>
+      <p:nvGrpSpPr>
+        <p:cNvPr id="1" name=""/>
+        <p:cNvGrpSpPr/>
+        <p:nvPr/>
+      </p:nvGrpSpPr>
+      <p:grpSpPr>
+        <a:xfrm>
+          <a:off x="0" y="0"/>
+          <a:ext cx="0" cy="0"/>
+          <a:chOff x="0" y="0"/>
+          <a:chExt cx="0" cy="0"/>
+        </a:xfrm>
+      </p:grpSpPr>
+      <p:sp>
+        <p:nvSpPr>
+          <p:cNvPr id="2" name="Title 1">
+            <a:extLst>
+              <a:ext uri="{FF2B5EF4-FFF2-40B4-BE49-F238E27FC236}">
+                <a16:creationId xmlns:a16="http://schemas.microsoft.com/office/drawing/2014/main" id="{8D9954EE-B34C-4488-A7A0-365AD049DD41}"/>
+              </a:ext>
+            </a:extLst>
+          </p:cNvPr>
+          <p:cNvSpPr>
+            <a:spLocks noGrp="1"/>
+          </p:cNvSpPr>
+          <p:nvPr>
+            <p:ph type="title"/>
+          </p:nvPr>
+        </p:nvSpPr>
+        <p:spPr/>
+        <p:txBody>
+          <a:bodyPr/>
+          <a:lstStyle/>
+          <a:p>
+            <a:r>
+              <a:rPr lang="en-US" dirty="0"/>
+              <a:t>Step 2: Locating All Verbs</a:t>
             </a:r>
           </a:p>
         </p:txBody>
@@ -6278,7 +7340,7 @@
             <a:pPr lvl="1"/>
             <a:r>
               <a:rPr lang="en-US" sz="2800" dirty="0"/>
-              <a:t>E.g. between “crystal packing” and “Van der Waal interactions”</a:t>
+              <a:t>E.g. between “crystal packing” and “Van der Waals interactions”</a:t>
             </a:r>
             <a:endParaRPr lang="en-US" sz="3200" dirty="0"/>
           </a:p>
@@ -6676,348 +7738,6 @@
 </p:sld>
 </file>
 
-<file path=ppt/slides/slide11.xml><?xml version="1.0" encoding="utf-8"?>
-<p:sld xmlns:a="http://schemas.openxmlformats.org/drawingml/2006/main" xmlns:r="http://schemas.openxmlformats.org/officeDocument/2006/relationships" xmlns:p="http://schemas.openxmlformats.org/presentationml/2006/main">
-  <p:cSld>
-    <p:spTree>
-      <p:nvGrpSpPr>
-        <p:cNvPr id="1" name=""/>
-        <p:cNvGrpSpPr/>
-        <p:nvPr/>
-      </p:nvGrpSpPr>
-      <p:grpSpPr>
-        <a:xfrm>
-          <a:off x="0" y="0"/>
-          <a:ext cx="0" cy="0"/>
-          <a:chOff x="0" y="0"/>
-          <a:chExt cx="0" cy="0"/>
-        </a:xfrm>
-      </p:grpSpPr>
-      <p:sp>
-        <p:nvSpPr>
-          <p:cNvPr id="2" name="Title 1">
-            <a:extLst>
-              <a:ext uri="{FF2B5EF4-FFF2-40B4-BE49-F238E27FC236}">
-                <a16:creationId xmlns:a16="http://schemas.microsoft.com/office/drawing/2014/main" id="{EC557F09-153C-43F1-9DCD-F057FA831905}"/>
-              </a:ext>
-            </a:extLst>
-          </p:cNvPr>
-          <p:cNvSpPr>
-            <a:spLocks noGrp="1"/>
-          </p:cNvSpPr>
-          <p:nvPr>
-            <p:ph type="title"/>
-          </p:nvPr>
-        </p:nvSpPr>
-        <p:spPr/>
-        <p:txBody>
-          <a:bodyPr/>
-          <a:lstStyle/>
-          <a:p>
-            <a:r>
-              <a:rPr lang="en-US" dirty="0"/>
-              <a:t>Step 3: Phrasing</a:t>
-            </a:r>
-          </a:p>
-        </p:txBody>
-      </p:sp>
-      <p:sp>
-        <p:nvSpPr>
-          <p:cNvPr id="3" name="Content Placeholder 2">
-            <a:extLst>
-              <a:ext uri="{FF2B5EF4-FFF2-40B4-BE49-F238E27FC236}">
-                <a16:creationId xmlns:a16="http://schemas.microsoft.com/office/drawing/2014/main" id="{904C4053-555F-447F-992C-F17D541FCF63}"/>
-              </a:ext>
-            </a:extLst>
-          </p:cNvPr>
-          <p:cNvSpPr>
-            <a:spLocks noGrp="1"/>
-          </p:cNvSpPr>
-          <p:nvPr>
-            <p:ph idx="1"/>
-          </p:nvPr>
-        </p:nvSpPr>
-        <p:spPr>
-          <a:xfrm>
-            <a:off x="838200" y="1840139"/>
-            <a:ext cx="10515600" cy="4351338"/>
-          </a:xfrm>
-        </p:spPr>
-        <p:txBody>
-          <a:bodyPr>
-            <a:normAutofit/>
-          </a:bodyPr>
-          <a:lstStyle/>
-          <a:p>
-            <a:r>
-              <a:rPr lang="en-US" sz="3200" dirty="0"/>
-              <a:t>A verb by itself is not enough information</a:t>
-            </a:r>
-          </a:p>
-          <a:p>
-            <a:r>
-              <a:rPr lang="en-US" sz="3200" dirty="0"/>
-              <a:t>Use the Collaborative International Dictionary of English to capture conjugations of the verb</a:t>
-            </a:r>
-          </a:p>
-          <a:p>
-            <a:pPr lvl="1"/>
-            <a:r>
-              <a:rPr lang="en-US" sz="2800" dirty="0"/>
-              <a:t>Hand-collected a list of English conjugations</a:t>
-            </a:r>
-          </a:p>
-          <a:p>
-            <a:pPr lvl="1"/>
-            <a:r>
-              <a:rPr lang="en-US" sz="2800" dirty="0"/>
-              <a:t>E.g. </a:t>
-            </a:r>
-            <a:r>
-              <a:rPr lang="en-US" sz="2800" i="1" dirty="0"/>
-              <a:t>is</a:t>
-            </a:r>
-            <a:r>
-              <a:rPr lang="en-US" sz="2800" dirty="0"/>
-              <a:t> linking, </a:t>
-            </a:r>
-            <a:r>
-              <a:rPr lang="en-US" sz="2800" i="1" dirty="0"/>
-              <a:t>was</a:t>
-            </a:r>
-            <a:r>
-              <a:rPr lang="en-US" sz="2800" dirty="0"/>
-              <a:t> linked, </a:t>
-            </a:r>
-            <a:r>
-              <a:rPr lang="en-US" sz="2800" i="1" dirty="0"/>
-              <a:t>will</a:t>
-            </a:r>
-            <a:r>
-              <a:rPr lang="en-US" sz="2800" dirty="0"/>
-              <a:t> link</a:t>
-            </a:r>
-            <a:endParaRPr lang="en-US" sz="3200" dirty="0"/>
-          </a:p>
-          <a:p>
-            <a:pPr lvl="1"/>
-            <a:endParaRPr lang="en-US" sz="2800" dirty="0"/>
-          </a:p>
-        </p:txBody>
-      </p:sp>
-      <p:sp>
-        <p:nvSpPr>
-          <p:cNvPr id="4" name="Rectangle 3">
-            <a:extLst>
-              <a:ext uri="{FF2B5EF4-FFF2-40B4-BE49-F238E27FC236}">
-                <a16:creationId xmlns:a16="http://schemas.microsoft.com/office/drawing/2014/main" id="{BF2A192A-D8E8-4EF7-83F2-BE9DB456C332}"/>
-              </a:ext>
-            </a:extLst>
-          </p:cNvPr>
-          <p:cNvSpPr/>
-          <p:nvPr/>
-        </p:nvSpPr>
-        <p:spPr>
-          <a:xfrm>
-            <a:off x="838200" y="5751810"/>
-            <a:ext cx="9372600" cy="400110"/>
-          </a:xfrm>
-          <a:prstGeom prst="rect">
-            <a:avLst/>
-          </a:prstGeom>
-        </p:spPr>
-        <p:txBody>
-          <a:bodyPr wrap="square">
-            <a:spAutoFit/>
-          </a:bodyPr>
-          <a:lstStyle/>
-          <a:p>
-            <a:r>
-              <a:rPr lang="en-US" sz="2000" dirty="0"/>
-              <a:t>Found at: </a:t>
-            </a:r>
-            <a:r>
-              <a:rPr lang="en-US" sz="2000" dirty="0">
-                <a:hlinkClick r:id="rId2"/>
-              </a:rPr>
-              <a:t>http://www.ibiblio.org/webster/</a:t>
-            </a:r>
-            <a:endParaRPr lang="en-US" sz="2000" dirty="0"/>
-          </a:p>
-        </p:txBody>
-      </p:sp>
-    </p:spTree>
-    <p:extLst>
-      <p:ext uri="{BB962C8B-B14F-4D97-AF65-F5344CB8AC3E}">
-        <p14:creationId xmlns:p14="http://schemas.microsoft.com/office/powerpoint/2010/main" val="2324425077"/>
-      </p:ext>
-    </p:extLst>
-  </p:cSld>
-  <p:clrMapOvr>
-    <a:masterClrMapping/>
-  </p:clrMapOvr>
-</p:sld>
-</file>
-
-<file path=ppt/slides/slide12.xml><?xml version="1.0" encoding="utf-8"?>
-<p:sld xmlns:a="http://schemas.openxmlformats.org/drawingml/2006/main" xmlns:r="http://schemas.openxmlformats.org/officeDocument/2006/relationships" xmlns:p="http://schemas.openxmlformats.org/presentationml/2006/main">
-  <p:cSld>
-    <p:spTree>
-      <p:nvGrpSpPr>
-        <p:cNvPr id="1" name=""/>
-        <p:cNvGrpSpPr/>
-        <p:nvPr/>
-      </p:nvGrpSpPr>
-      <p:grpSpPr>
-        <a:xfrm>
-          <a:off x="0" y="0"/>
-          <a:ext cx="0" cy="0"/>
-          <a:chOff x="0" y="0"/>
-          <a:chExt cx="0" cy="0"/>
-        </a:xfrm>
-      </p:grpSpPr>
-      <p:sp>
-        <p:nvSpPr>
-          <p:cNvPr id="2" name="Title 1">
-            <a:extLst>
-              <a:ext uri="{FF2B5EF4-FFF2-40B4-BE49-F238E27FC236}">
-                <a16:creationId xmlns:a16="http://schemas.microsoft.com/office/drawing/2014/main" id="{CC638F63-41F8-4862-BE31-C52077880ABE}"/>
-              </a:ext>
-            </a:extLst>
-          </p:cNvPr>
-          <p:cNvSpPr>
-            <a:spLocks noGrp="1"/>
-          </p:cNvSpPr>
-          <p:nvPr>
-            <p:ph type="title"/>
-          </p:nvPr>
-        </p:nvSpPr>
-        <p:spPr/>
-        <p:txBody>
-          <a:bodyPr/>
-          <a:lstStyle/>
-          <a:p>
-            <a:r>
-              <a:rPr lang="en-US" dirty="0"/>
-              <a:t>Step 3: Phrasing</a:t>
-            </a:r>
-          </a:p>
-        </p:txBody>
-      </p:sp>
-      <p:sp>
-        <p:nvSpPr>
-          <p:cNvPr id="4" name="Content Placeholder 2">
-            <a:extLst>
-              <a:ext uri="{FF2B5EF4-FFF2-40B4-BE49-F238E27FC236}">
-                <a16:creationId xmlns:a16="http://schemas.microsoft.com/office/drawing/2014/main" id="{51A53444-4561-4FB3-8562-12ADA774AB07}"/>
-              </a:ext>
-            </a:extLst>
-          </p:cNvPr>
-          <p:cNvSpPr>
-            <a:spLocks noGrp="1"/>
-          </p:cNvSpPr>
-          <p:nvPr>
-            <p:ph idx="1"/>
-          </p:nvPr>
-        </p:nvSpPr>
-        <p:spPr>
-          <a:xfrm>
-            <a:off x="838200" y="2130425"/>
-            <a:ext cx="10515600" cy="2593975"/>
-          </a:xfrm>
-        </p:spPr>
-        <p:txBody>
-          <a:bodyPr>
-            <a:normAutofit/>
-          </a:bodyPr>
-          <a:lstStyle/>
-          <a:p>
-            <a:r>
-              <a:rPr lang="en-US" sz="3200" dirty="0"/>
-              <a:t>Reference the Pattern Dictionary of English Propositions to append neighboring prepositions</a:t>
-            </a:r>
-          </a:p>
-          <a:p>
-            <a:pPr lvl="1"/>
-            <a:r>
-              <a:rPr lang="en-US" sz="2800" dirty="0"/>
-              <a:t>e.g. “stabilized” ⇨ “stabilized by”</a:t>
-            </a:r>
-          </a:p>
-          <a:p>
-            <a:pPr marL="457200" lvl="1" indent="0">
-              <a:buNone/>
-            </a:pPr>
-            <a:r>
-              <a:rPr lang="en-US" sz="2800" dirty="0"/>
-              <a:t>          “connect” ⇨ “connect to”</a:t>
-            </a:r>
-          </a:p>
-          <a:p>
-            <a:pPr marL="457200" lvl="1" indent="0">
-              <a:buNone/>
-            </a:pPr>
-            <a:r>
-              <a:rPr lang="en-US" sz="2800" dirty="0"/>
-              <a:t>	    “extracting” ⇨ “extracting from”</a:t>
-            </a:r>
-          </a:p>
-        </p:txBody>
-      </p:sp>
-      <p:sp>
-        <p:nvSpPr>
-          <p:cNvPr id="5" name="Rectangle 4">
-            <a:extLst>
-              <a:ext uri="{FF2B5EF4-FFF2-40B4-BE49-F238E27FC236}">
-                <a16:creationId xmlns:a16="http://schemas.microsoft.com/office/drawing/2014/main" id="{446301E6-5576-48A2-9ED5-5CD597BA01A6}"/>
-              </a:ext>
-            </a:extLst>
-          </p:cNvPr>
-          <p:cNvSpPr/>
-          <p:nvPr/>
-        </p:nvSpPr>
-        <p:spPr>
-          <a:xfrm>
-            <a:off x="838200" y="5751810"/>
-            <a:ext cx="9372600" cy="400110"/>
-          </a:xfrm>
-          <a:prstGeom prst="rect">
-            <a:avLst/>
-          </a:prstGeom>
-        </p:spPr>
-        <p:txBody>
-          <a:bodyPr wrap="square">
-            <a:spAutoFit/>
-          </a:bodyPr>
-          <a:lstStyle/>
-          <a:p>
-            <a:r>
-              <a:rPr lang="en-US" sz="2000" dirty="0"/>
-              <a:t>Found at: </a:t>
-            </a:r>
-            <a:r>
-              <a:rPr lang="en-US" sz="2000" dirty="0">
-                <a:hlinkClick r:id="rId2"/>
-              </a:rPr>
-              <a:t>https://www.clres.com/pdep.html</a:t>
-            </a:r>
-            <a:endParaRPr lang="en-US" sz="2000" dirty="0"/>
-          </a:p>
-        </p:txBody>
-      </p:sp>
-    </p:spTree>
-    <p:extLst>
-      <p:ext uri="{BB962C8B-B14F-4D97-AF65-F5344CB8AC3E}">
-        <p14:creationId xmlns:p14="http://schemas.microsoft.com/office/powerpoint/2010/main" val="3436556133"/>
-      </p:ext>
-    </p:extLst>
-  </p:cSld>
-  <p:clrMapOvr>
-    <a:masterClrMapping/>
-  </p:clrMapOvr>
-</p:sld>
-</file>
-
 <file path=ppt/slides/slide13.xml><?xml version="1.0" encoding="utf-8"?>
 <p:sld xmlns:a="http://schemas.openxmlformats.org/drawingml/2006/main" xmlns:r="http://schemas.openxmlformats.org/officeDocument/2006/relationships" xmlns:p="http://schemas.openxmlformats.org/presentationml/2006/main">
   <p:cSld>
@@ -7040,7 +7760,7 @@
           <p:cNvPr id="2" name="Title 1">
             <a:extLst>
               <a:ext uri="{FF2B5EF4-FFF2-40B4-BE49-F238E27FC236}">
-                <a16:creationId xmlns:a16="http://schemas.microsoft.com/office/drawing/2014/main" id="{CC638F63-41F8-4862-BE31-C52077880ABE}"/>
+                <a16:creationId xmlns:a16="http://schemas.microsoft.com/office/drawing/2014/main" id="{EC557F09-153C-43F1-9DCD-F057FA831905}"/>
               </a:ext>
             </a:extLst>
           </p:cNvPr>
@@ -7058,17 +7778,17 @@
           <a:p>
             <a:r>
               <a:rPr lang="en-US" dirty="0"/>
-              <a:t>Step 4: Clustering</a:t>
+              <a:t>Step 3: Catching Conjugations</a:t>
             </a:r>
           </a:p>
         </p:txBody>
       </p:sp>
       <p:sp>
         <p:nvSpPr>
-          <p:cNvPr id="4" name="Content Placeholder 2">
-            <a:extLst>
-              <a:ext uri="{FF2B5EF4-FFF2-40B4-BE49-F238E27FC236}">
-                <a16:creationId xmlns:a16="http://schemas.microsoft.com/office/drawing/2014/main" id="{51A53444-4561-4FB3-8562-12ADA774AB07}"/>
+          <p:cNvPr id="3" name="Content Placeholder 2">
+            <a:extLst>
+              <a:ext uri="{FF2B5EF4-FFF2-40B4-BE49-F238E27FC236}">
+                <a16:creationId xmlns:a16="http://schemas.microsoft.com/office/drawing/2014/main" id="{904C4053-555F-447F-992C-F17D541FCF63}"/>
               </a:ext>
             </a:extLst>
           </p:cNvPr>
@@ -7081,8 +7801,8 @@
         </p:nvSpPr>
         <p:spPr>
           <a:xfrm>
-            <a:off x="838200" y="1978025"/>
-            <a:ext cx="10515600" cy="3546475"/>
+            <a:off x="838200" y="1840139"/>
+            <a:ext cx="10515600" cy="4351338"/>
           </a:xfrm>
         </p:spPr>
         <p:txBody>
@@ -7093,30 +7813,67 @@
           <a:p>
             <a:r>
               <a:rPr lang="en-US" sz="3200" dirty="0"/>
-              <a:t>Want to group similar verb phrases</a:t>
+              <a:t>A verb by itself is not precise enough</a:t>
+            </a:r>
+          </a:p>
+          <a:p>
+            <a:pPr lvl="1"/>
+            <a:r>
+              <a:rPr lang="en-US" sz="2800" dirty="0"/>
+              <a:t>Not useful for searches</a:t>
+            </a:r>
+          </a:p>
+          <a:p>
+            <a:pPr lvl="1"/>
+            <a:r>
+              <a:rPr lang="en-US" sz="2800" dirty="0"/>
+              <a:t>E.g. “was”, “have”, “link”</a:t>
             </a:r>
           </a:p>
           <a:p>
             <a:r>
               <a:rPr lang="en-US" sz="3200" dirty="0"/>
-              <a:t>Reference the British National Corpus to find the “stem” of each verb phrase</a:t>
+              <a:t>Use the Collaborative International Dictionary of English to capture conjugations of the verb</a:t>
             </a:r>
           </a:p>
           <a:p>
             <a:pPr lvl="1"/>
             <a:r>
               <a:rPr lang="en-US" sz="2800" dirty="0"/>
-              <a:t>E.g. “is” ⇨ “be”</a:t>
-            </a:r>
-          </a:p>
-          <a:p>
-            <a:pPr marL="457200" lvl="1" indent="0">
-              <a:buNone/>
-            </a:pPr>
+              <a:t>Hand-collected a list of English conjugations</a:t>
+            </a:r>
+          </a:p>
+          <a:p>
+            <a:pPr lvl="1"/>
             <a:r>
               <a:rPr lang="en-US" sz="2800" dirty="0"/>
-              <a:t>          “stabilized by” ⇨ “stabilize”</a:t>
-            </a:r>
+              <a:t>E.g. </a:t>
+            </a:r>
+            <a:r>
+              <a:rPr lang="en-US" sz="2800" i="1" dirty="0"/>
+              <a:t>is</a:t>
+            </a:r>
+            <a:r>
+              <a:rPr lang="en-US" sz="2800" dirty="0"/>
+              <a:t> linking, </a:t>
+            </a:r>
+            <a:r>
+              <a:rPr lang="en-US" sz="2800" i="1" dirty="0"/>
+              <a:t>was</a:t>
+            </a:r>
+            <a:r>
+              <a:rPr lang="en-US" sz="2800" dirty="0"/>
+              <a:t> linked, </a:t>
+            </a:r>
+            <a:r>
+              <a:rPr lang="en-US" sz="2800" i="1" dirty="0"/>
+              <a:t>will</a:t>
+            </a:r>
+            <a:r>
+              <a:rPr lang="en-US" sz="2800" dirty="0"/>
+              <a:t> link</a:t>
+            </a:r>
+            <a:endParaRPr lang="en-US" sz="3200" dirty="0"/>
           </a:p>
           <a:p>
             <a:pPr lvl="1"/>
@@ -7126,10 +7883,10 @@
       </p:sp>
       <p:sp>
         <p:nvSpPr>
-          <p:cNvPr id="5" name="Rectangle 4">
-            <a:extLst>
-              <a:ext uri="{FF2B5EF4-FFF2-40B4-BE49-F238E27FC236}">
-                <a16:creationId xmlns:a16="http://schemas.microsoft.com/office/drawing/2014/main" id="{79AFA41F-D4FD-49E0-8143-BAD5BC0E26C1}"/>
+          <p:cNvPr id="4" name="Rectangle 3">
+            <a:extLst>
+              <a:ext uri="{FF2B5EF4-FFF2-40B4-BE49-F238E27FC236}">
+                <a16:creationId xmlns:a16="http://schemas.microsoft.com/office/drawing/2014/main" id="{BF2A192A-D8E8-4EF7-83F2-BE9DB456C332}"/>
               </a:ext>
             </a:extLst>
           </p:cNvPr>
@@ -7159,7 +7916,7 @@
               <a:rPr lang="en-US" sz="2000" dirty="0">
                 <a:hlinkClick r:id="rId2"/>
               </a:rPr>
-              <a:t>https://github.com/skywind3000/lemma.en</a:t>
+              <a:t>http://www.ibiblio.org/webster/</a:t>
             </a:r>
             <a:endParaRPr lang="en-US" sz="2000" dirty="0"/>
           </a:p>
@@ -7168,7 +7925,7 @@
     </p:spTree>
     <p:extLst>
       <p:ext uri="{BB962C8B-B14F-4D97-AF65-F5344CB8AC3E}">
-        <p14:creationId xmlns:p14="http://schemas.microsoft.com/office/powerpoint/2010/main" val="1590585392"/>
+        <p14:creationId xmlns:p14="http://schemas.microsoft.com/office/powerpoint/2010/main" val="2324425077"/>
       </p:ext>
     </p:extLst>
   </p:cSld>
@@ -7218,7 +7975,7 @@
           <a:p>
             <a:r>
               <a:rPr lang="en-US" dirty="0"/>
-              <a:t>Step 4: Clustering</a:t>
+              <a:t>Step 3: Collating Prepositions</a:t>
             </a:r>
           </a:p>
         </p:txBody>
@@ -7241,8 +7998,8 @@
         </p:nvSpPr>
         <p:spPr>
           <a:xfrm>
-            <a:off x="838200" y="2054225"/>
-            <a:ext cx="10515600" cy="3546475"/>
+            <a:off x="838200" y="2130425"/>
+            <a:ext cx="10515600" cy="2593975"/>
           </a:xfrm>
         </p:spPr>
         <p:txBody>
@@ -7253,21 +8010,14 @@
           <a:p>
             <a:r>
               <a:rPr lang="en-US" sz="3200" dirty="0"/>
-              <a:t>Reference the Princeton’s WordNet lexicon to find synonyms for the stems</a:t>
+              <a:t>Reference the Pattern Dictionary of English Propositions to append neighboring prepositions</a:t>
             </a:r>
           </a:p>
           <a:p>
             <a:pPr lvl="1"/>
             <a:r>
               <a:rPr lang="en-US" sz="2800" dirty="0"/>
-              <a:t>Use these to cluster similar phrases</a:t>
-            </a:r>
-          </a:p>
-          <a:p>
-            <a:pPr lvl="1"/>
-            <a:r>
-              <a:rPr lang="en-US" sz="2800" dirty="0"/>
-              <a:t>E.g. “appear” ⇨ {“appear”, “seem”, “look”}</a:t>
+              <a:t>e.g. “stabilized” ⇨ “stabilized by”</a:t>
             </a:r>
           </a:p>
           <a:p>
@@ -7276,17 +8026,26 @@
             </a:pPr>
             <a:r>
               <a:rPr lang="en-US" sz="2800" dirty="0"/>
-              <a:t>	     “bond” ⇨ {“bond”, “bind”, “attach”, “adhere”, “stick”}</a:t>
+              <a:t>          “connect” ⇨ “connect to”</a:t>
+            </a:r>
+          </a:p>
+          <a:p>
+            <a:pPr marL="457200" lvl="1" indent="0">
+              <a:buNone/>
+            </a:pPr>
+            <a:r>
+              <a:rPr lang="en-US" sz="2800" dirty="0"/>
+              <a:t>	    “extracting” ⇨ “extracting from”</a:t>
             </a:r>
           </a:p>
         </p:txBody>
       </p:sp>
       <p:sp>
         <p:nvSpPr>
-          <p:cNvPr id="6" name="Rectangle 5">
-            <a:extLst>
-              <a:ext uri="{FF2B5EF4-FFF2-40B4-BE49-F238E27FC236}">
-                <a16:creationId xmlns:a16="http://schemas.microsoft.com/office/drawing/2014/main" id="{75FAAEC4-5CD3-409A-99A1-DB05F1C928BD}"/>
+          <p:cNvPr id="5" name="Rectangle 4">
+            <a:extLst>
+              <a:ext uri="{FF2B5EF4-FFF2-40B4-BE49-F238E27FC236}">
+                <a16:creationId xmlns:a16="http://schemas.microsoft.com/office/drawing/2014/main" id="{446301E6-5576-48A2-9ED5-5CD597BA01A6}"/>
               </a:ext>
             </a:extLst>
           </p:cNvPr>
@@ -7295,7 +8054,7 @@
         </p:nvSpPr>
         <p:spPr>
           <a:xfrm>
-            <a:off x="838200" y="5574010"/>
+            <a:off x="838200" y="5751810"/>
             <a:ext cx="9372600" cy="400110"/>
           </a:xfrm>
           <a:prstGeom prst="rect">
@@ -7316,7 +8075,7 @@
               <a:rPr lang="en-US" sz="2000" dirty="0">
                 <a:hlinkClick r:id="rId2"/>
               </a:rPr>
-              <a:t>https://wordnet.princeton.edu/</a:t>
+              <a:t>https://www.clres.com/pdep.html</a:t>
             </a:r>
             <a:endParaRPr lang="en-US" sz="2000" dirty="0"/>
           </a:p>
@@ -7325,7 +8084,7 @@
     </p:spTree>
     <p:extLst>
       <p:ext uri="{BB962C8B-B14F-4D97-AF65-F5344CB8AC3E}">
-        <p14:creationId xmlns:p14="http://schemas.microsoft.com/office/powerpoint/2010/main" val="2230085096"/>
+        <p14:creationId xmlns:p14="http://schemas.microsoft.com/office/powerpoint/2010/main" val="3436556133"/>
       </p:ext>
     </p:extLst>
   </p:cSld>
@@ -7357,7 +8116,7 @@
           <p:cNvPr id="2" name="Title 1">
             <a:extLst>
               <a:ext uri="{FF2B5EF4-FFF2-40B4-BE49-F238E27FC236}">
-                <a16:creationId xmlns:a16="http://schemas.microsoft.com/office/drawing/2014/main" id="{6341102B-00F5-4C93-A109-C1B1835F7BE9}"/>
+                <a16:creationId xmlns:a16="http://schemas.microsoft.com/office/drawing/2014/main" id="{CC638F63-41F8-4862-BE31-C52077880ABE}"/>
               </a:ext>
             </a:extLst>
           </p:cNvPr>
@@ -7375,49 +8134,117 @@
           <a:p>
             <a:r>
               <a:rPr lang="en-US" dirty="0"/>
-              <a:t>Step 4: Clustering</a:t>
+              <a:t>Step 4: Stemming Verb Forms</a:t>
             </a:r>
           </a:p>
         </p:txBody>
       </p:sp>
-      <p:pic>
-        <p:nvPicPr>
-          <p:cNvPr id="9" name="Content Placeholder 8">
-            <a:extLst>
-              <a:ext uri="{FF2B5EF4-FFF2-40B4-BE49-F238E27FC236}">
-                <a16:creationId xmlns:a16="http://schemas.microsoft.com/office/drawing/2014/main" id="{75256C23-5854-47FF-9ADD-BC9950C5BB6B}"/>
-              </a:ext>
-            </a:extLst>
-          </p:cNvPr>
-          <p:cNvPicPr>
-            <a:picLocks noGrp="1" noChangeAspect="1"/>
-          </p:cNvPicPr>
+      <p:sp>
+        <p:nvSpPr>
+          <p:cNvPr id="4" name="Content Placeholder 2">
+            <a:extLst>
+              <a:ext uri="{FF2B5EF4-FFF2-40B4-BE49-F238E27FC236}">
+                <a16:creationId xmlns:a16="http://schemas.microsoft.com/office/drawing/2014/main" id="{51A53444-4561-4FB3-8562-12ADA774AB07}"/>
+              </a:ext>
+            </a:extLst>
+          </p:cNvPr>
+          <p:cNvSpPr>
+            <a:spLocks noGrp="1"/>
+          </p:cNvSpPr>
           <p:nvPr>
             <p:ph idx="1"/>
           </p:nvPr>
-        </p:nvPicPr>
-        <p:blipFill rotWithShape="1">
-          <a:blip r:embed="rId2">
-            <a:extLst>
-              <a:ext uri="{28A0092B-C50C-407E-A947-70E740481C1C}">
-                <a14:useLocalDpi xmlns:a14="http://schemas.microsoft.com/office/drawing/2010/main" val="0"/>
-              </a:ext>
-            </a:extLst>
-          </a:blip>
-          <a:srcRect r="15547" b="34724"/>
-          <a:stretch/>
-        </p:blipFill>
+        </p:nvSpPr>
         <p:spPr>
           <a:xfrm>
-            <a:off x="1368457" y="1690688"/>
-            <a:ext cx="9203398" cy="4361769"/>
+            <a:off x="838200" y="1978025"/>
+            <a:ext cx="10515600" cy="3546475"/>
           </a:xfrm>
         </p:spPr>
-      </p:pic>
+        <p:txBody>
+          <a:bodyPr>
+            <a:normAutofit/>
+          </a:bodyPr>
+          <a:lstStyle/>
+          <a:p>
+            <a:r>
+              <a:rPr lang="en-US" sz="3200" dirty="0"/>
+              <a:t>Want to group synonymous verb phrases</a:t>
+            </a:r>
+          </a:p>
+          <a:p>
+            <a:r>
+              <a:rPr lang="en-US" sz="3200" dirty="0"/>
+              <a:t>Reference the British National Corpus to find the “stem” of each verb phrase</a:t>
+            </a:r>
+          </a:p>
+          <a:p>
+            <a:pPr lvl="1"/>
+            <a:r>
+              <a:rPr lang="en-US" sz="2800" dirty="0"/>
+              <a:t>E.g. “is” ⇨ “be”</a:t>
+            </a:r>
+          </a:p>
+          <a:p>
+            <a:pPr marL="457200" lvl="1" indent="0">
+              <a:buNone/>
+            </a:pPr>
+            <a:r>
+              <a:rPr lang="en-US" sz="2800" dirty="0"/>
+              <a:t>          “stabilized by” ⇨ “stabilize”</a:t>
+            </a:r>
+          </a:p>
+          <a:p>
+            <a:pPr lvl="1"/>
+            <a:endParaRPr lang="en-US" sz="2800" dirty="0"/>
+          </a:p>
+        </p:txBody>
+      </p:sp>
+      <p:sp>
+        <p:nvSpPr>
+          <p:cNvPr id="5" name="Rectangle 4">
+            <a:extLst>
+              <a:ext uri="{FF2B5EF4-FFF2-40B4-BE49-F238E27FC236}">
+                <a16:creationId xmlns:a16="http://schemas.microsoft.com/office/drawing/2014/main" id="{79AFA41F-D4FD-49E0-8143-BAD5BC0E26C1}"/>
+              </a:ext>
+            </a:extLst>
+          </p:cNvPr>
+          <p:cNvSpPr/>
+          <p:nvPr/>
+        </p:nvSpPr>
+        <p:spPr>
+          <a:xfrm>
+            <a:off x="838200" y="5751810"/>
+            <a:ext cx="9372600" cy="400110"/>
+          </a:xfrm>
+          <a:prstGeom prst="rect">
+            <a:avLst/>
+          </a:prstGeom>
+        </p:spPr>
+        <p:txBody>
+          <a:bodyPr wrap="square">
+            <a:spAutoFit/>
+          </a:bodyPr>
+          <a:lstStyle/>
+          <a:p>
+            <a:r>
+              <a:rPr lang="en-US" sz="2000" dirty="0"/>
+              <a:t>Found at: </a:t>
+            </a:r>
+            <a:r>
+              <a:rPr lang="en-US" sz="2000" dirty="0">
+                <a:hlinkClick r:id="rId2"/>
+              </a:rPr>
+              <a:t>https://github.com/skywind3000/lemma.en</a:t>
+            </a:r>
+            <a:endParaRPr lang="en-US" sz="2000" dirty="0"/>
+          </a:p>
+        </p:txBody>
+      </p:sp>
     </p:spTree>
     <p:extLst>
       <p:ext uri="{BB962C8B-B14F-4D97-AF65-F5344CB8AC3E}">
-        <p14:creationId xmlns:p14="http://schemas.microsoft.com/office/powerpoint/2010/main" val="3197070905"/>
+        <p14:creationId xmlns:p14="http://schemas.microsoft.com/office/powerpoint/2010/main" val="1590585392"/>
       </p:ext>
     </p:extLst>
   </p:cSld>
@@ -7449,7 +8276,7 @@
           <p:cNvPr id="2" name="Title 1">
             <a:extLst>
               <a:ext uri="{FF2B5EF4-FFF2-40B4-BE49-F238E27FC236}">
-                <a16:creationId xmlns:a16="http://schemas.microsoft.com/office/drawing/2014/main" id="{EC557F09-153C-43F1-9DCD-F057FA831905}"/>
+                <a16:creationId xmlns:a16="http://schemas.microsoft.com/office/drawing/2014/main" id="{CC638F63-41F8-4862-BE31-C52077880ABE}"/>
               </a:ext>
             </a:extLst>
           </p:cNvPr>
@@ -7467,17 +8294,17 @@
           <a:p>
             <a:r>
               <a:rPr lang="en-US" dirty="0"/>
-              <a:t>Step 5: Filtering</a:t>
+              <a:t>Step 4: Clustering Synonyms</a:t>
             </a:r>
           </a:p>
         </p:txBody>
       </p:sp>
       <p:sp>
         <p:nvSpPr>
-          <p:cNvPr id="3" name="Content Placeholder 2">
-            <a:extLst>
-              <a:ext uri="{FF2B5EF4-FFF2-40B4-BE49-F238E27FC236}">
-                <a16:creationId xmlns:a16="http://schemas.microsoft.com/office/drawing/2014/main" id="{904C4053-555F-447F-992C-F17D541FCF63}"/>
+          <p:cNvPr id="4" name="Content Placeholder 2">
+            <a:extLst>
+              <a:ext uri="{FF2B5EF4-FFF2-40B4-BE49-F238E27FC236}">
+                <a16:creationId xmlns:a16="http://schemas.microsoft.com/office/drawing/2014/main" id="{51A53444-4561-4FB3-8562-12ADA774AB07}"/>
               </a:ext>
             </a:extLst>
           </p:cNvPr>
@@ -7488,7 +8315,12 @@
             <p:ph idx="1"/>
           </p:nvPr>
         </p:nvSpPr>
-        <p:spPr/>
+        <p:spPr>
+          <a:xfrm>
+            <a:off x="838200" y="2054225"/>
+            <a:ext cx="10515600" cy="3546475"/>
+          </a:xfrm>
+        </p:spPr>
         <p:txBody>
           <a:bodyPr>
             <a:normAutofit/>
@@ -7497,42 +8329,79 @@
           <a:p>
             <a:r>
               <a:rPr lang="en-US" sz="3200" dirty="0"/>
-              <a:t>Count the number of each subject, predicate, object, and verb stem</a:t>
-            </a:r>
-          </a:p>
-          <a:p>
-            <a:r>
-              <a:rPr lang="en-US" sz="3200" dirty="0"/>
-              <a:t>Sort by frequency and identify phrases to filter</a:t>
+              <a:t>Reference the Princeton’s WordNet lexicon to find synonyms for the stems</a:t>
             </a:r>
           </a:p>
           <a:p>
             <a:pPr lvl="1"/>
             <a:r>
               <a:rPr lang="en-US" sz="2800" dirty="0"/>
-              <a:t>Some predicate phrases lack meaningful relation</a:t>
+              <a:t>Use these to cluster similar phrases</a:t>
             </a:r>
           </a:p>
           <a:p>
             <a:pPr lvl="1"/>
             <a:r>
               <a:rPr lang="en-US" sz="2800" dirty="0"/>
-              <a:t>E.g. “is”, “was”, “are”, “have”</a:t>
-            </a:r>
-          </a:p>
-          <a:p>
-            <a:r>
-              <a:rPr lang="en-US" sz="3200" dirty="0"/>
-              <a:t>Compile a list of these phrases</a:t>
-            </a:r>
-            <a:endParaRPr lang="en-US" sz="3600" dirty="0"/>
+              <a:t>E.g. “appear” ⇨ {“appear”, “seem”, “look”}</a:t>
+            </a:r>
+          </a:p>
+          <a:p>
+            <a:pPr marL="457200" lvl="1" indent="0">
+              <a:buNone/>
+            </a:pPr>
+            <a:r>
+              <a:rPr lang="en-US" sz="2800" dirty="0"/>
+              <a:t>	     “bond” ⇨ {“bond”, “bind”, “attach”, “adhere”, “stick”}</a:t>
+            </a:r>
+          </a:p>
+        </p:txBody>
+      </p:sp>
+      <p:sp>
+        <p:nvSpPr>
+          <p:cNvPr id="6" name="Rectangle 5">
+            <a:extLst>
+              <a:ext uri="{FF2B5EF4-FFF2-40B4-BE49-F238E27FC236}">
+                <a16:creationId xmlns:a16="http://schemas.microsoft.com/office/drawing/2014/main" id="{75FAAEC4-5CD3-409A-99A1-DB05F1C928BD}"/>
+              </a:ext>
+            </a:extLst>
+          </p:cNvPr>
+          <p:cNvSpPr/>
+          <p:nvPr/>
+        </p:nvSpPr>
+        <p:spPr>
+          <a:xfrm>
+            <a:off x="838200" y="5574010"/>
+            <a:ext cx="9372600" cy="400110"/>
+          </a:xfrm>
+          <a:prstGeom prst="rect">
+            <a:avLst/>
+          </a:prstGeom>
+        </p:spPr>
+        <p:txBody>
+          <a:bodyPr wrap="square">
+            <a:spAutoFit/>
+          </a:bodyPr>
+          <a:lstStyle/>
+          <a:p>
+            <a:r>
+              <a:rPr lang="en-US" sz="2000" dirty="0"/>
+              <a:t>Found at: </a:t>
+            </a:r>
+            <a:r>
+              <a:rPr lang="en-US" sz="2000" dirty="0">
+                <a:hlinkClick r:id="rId2"/>
+              </a:rPr>
+              <a:t>https://wordnet.princeton.edu/</a:t>
+            </a:r>
+            <a:endParaRPr lang="en-US" sz="2000" dirty="0"/>
           </a:p>
         </p:txBody>
       </p:sp>
     </p:spTree>
     <p:extLst>
       <p:ext uri="{BB962C8B-B14F-4D97-AF65-F5344CB8AC3E}">
-        <p14:creationId xmlns:p14="http://schemas.microsoft.com/office/powerpoint/2010/main" val="1243633931"/>
+        <p14:creationId xmlns:p14="http://schemas.microsoft.com/office/powerpoint/2010/main" val="2230085096"/>
       </p:ext>
     </p:extLst>
   </p:cSld>
@@ -7564,7 +8433,7 @@
           <p:cNvPr id="2" name="Title 1">
             <a:extLst>
               <a:ext uri="{FF2B5EF4-FFF2-40B4-BE49-F238E27FC236}">
-                <a16:creationId xmlns:a16="http://schemas.microsoft.com/office/drawing/2014/main" id="{F78CCA6A-BD80-4427-BFFC-50A9E9FD54D9}"/>
+                <a16:creationId xmlns:a16="http://schemas.microsoft.com/office/drawing/2014/main" id="{6341102B-00F5-4C93-A109-C1B1835F7BE9}"/>
               </a:ext>
             </a:extLst>
           </p:cNvPr>
@@ -7582,87 +8451,49 @@
           <a:p>
             <a:r>
               <a:rPr lang="en-US" dirty="0"/>
-              <a:t>Output</a:t>
+              <a:t>Step 4: Clustering</a:t>
             </a:r>
           </a:p>
         </p:txBody>
       </p:sp>
-      <p:sp>
-        <p:nvSpPr>
-          <p:cNvPr id="3" name="Content Placeholder 2">
-            <a:extLst>
-              <a:ext uri="{FF2B5EF4-FFF2-40B4-BE49-F238E27FC236}">
-                <a16:creationId xmlns:a16="http://schemas.microsoft.com/office/drawing/2014/main" id="{5384158D-E551-477B-BAED-688AA416E639}"/>
-              </a:ext>
-            </a:extLst>
-          </p:cNvPr>
-          <p:cNvSpPr>
-            <a:spLocks noGrp="1"/>
-          </p:cNvSpPr>
+      <p:pic>
+        <p:nvPicPr>
+          <p:cNvPr id="9" name="Content Placeholder 8">
+            <a:extLst>
+              <a:ext uri="{FF2B5EF4-FFF2-40B4-BE49-F238E27FC236}">
+                <a16:creationId xmlns:a16="http://schemas.microsoft.com/office/drawing/2014/main" id="{75256C23-5854-47FF-9ADD-BC9950C5BB6B}"/>
+              </a:ext>
+            </a:extLst>
+          </p:cNvPr>
+          <p:cNvPicPr>
+            <a:picLocks noGrp="1" noChangeAspect="1"/>
+          </p:cNvPicPr>
           <p:nvPr>
             <p:ph idx="1"/>
           </p:nvPr>
-        </p:nvSpPr>
-        <p:spPr/>
-        <p:txBody>
-          <a:bodyPr>
-            <a:normAutofit/>
-          </a:bodyPr>
-          <a:lstStyle/>
-          <a:p>
-            <a:r>
-              <a:rPr lang="en-US" sz="3200" dirty="0"/>
-              <a:t>Output to a CSV file with the following columns:</a:t>
-            </a:r>
-          </a:p>
-          <a:p>
-            <a:pPr lvl="1"/>
-            <a:r>
-              <a:rPr lang="en-US" sz="2800" dirty="0"/>
-              <a:t>Subject, Object, Predicate</a:t>
-            </a:r>
-          </a:p>
-          <a:p>
-            <a:pPr lvl="1"/>
-            <a:r>
-              <a:rPr lang="en-US" sz="2800" dirty="0"/>
-              <a:t>Sentence</a:t>
-            </a:r>
-          </a:p>
-          <a:p>
-            <a:pPr lvl="1"/>
-            <a:r>
-              <a:rPr lang="en-US" sz="2800" dirty="0"/>
-              <a:t>Stem and Synonyms</a:t>
-            </a:r>
-          </a:p>
-          <a:p>
-            <a:pPr lvl="1"/>
-            <a:r>
-              <a:rPr lang="en-US" sz="2800" dirty="0"/>
-              <a:t>Frequencies of Subject, Object, Predicates and Stems</a:t>
-            </a:r>
-          </a:p>
-          <a:p>
-            <a:pPr lvl="1"/>
-            <a:r>
-              <a:rPr lang="en-US" sz="2800" dirty="0"/>
-              <a:t>R&amp;R Terms for Subject, Object, and Predicate</a:t>
-            </a:r>
-          </a:p>
-          <a:p>
-            <a:pPr lvl="1"/>
-            <a:r>
-              <a:rPr lang="en-US" sz="2800" dirty="0"/>
-              <a:t>Document ID</a:t>
-            </a:r>
-          </a:p>
-        </p:txBody>
-      </p:sp>
+        </p:nvPicPr>
+        <p:blipFill rotWithShape="1">
+          <a:blip r:embed="rId2">
+            <a:extLst>
+              <a:ext uri="{28A0092B-C50C-407E-A947-70E740481C1C}">
+                <a14:useLocalDpi xmlns:a14="http://schemas.microsoft.com/office/drawing/2010/main" val="0"/>
+              </a:ext>
+            </a:extLst>
+          </a:blip>
+          <a:srcRect r="15547" b="34724"/>
+          <a:stretch/>
+        </p:blipFill>
+        <p:spPr>
+          <a:xfrm>
+            <a:off x="1368457" y="1690688"/>
+            <a:ext cx="9203398" cy="4361769"/>
+          </a:xfrm>
+        </p:spPr>
+      </p:pic>
     </p:spTree>
     <p:extLst>
       <p:ext uri="{BB962C8B-B14F-4D97-AF65-F5344CB8AC3E}">
-        <p14:creationId xmlns:p14="http://schemas.microsoft.com/office/powerpoint/2010/main" val="2701257757"/>
+        <p14:creationId xmlns:p14="http://schemas.microsoft.com/office/powerpoint/2010/main" val="3197070905"/>
       </p:ext>
     </p:extLst>
   </p:cSld>
@@ -7694,7 +8525,7 @@
           <p:cNvPr id="2" name="Title 1">
             <a:extLst>
               <a:ext uri="{FF2B5EF4-FFF2-40B4-BE49-F238E27FC236}">
-                <a16:creationId xmlns:a16="http://schemas.microsoft.com/office/drawing/2014/main" id="{788C1E84-AB13-4CAD-9682-8A0CD4BF994F}"/>
+                <a16:creationId xmlns:a16="http://schemas.microsoft.com/office/drawing/2014/main" id="{EC557F09-153C-43F1-9DCD-F057FA831905}"/>
               </a:ext>
             </a:extLst>
           </p:cNvPr>
@@ -7712,7 +8543,7 @@
           <a:p>
             <a:r>
               <a:rPr lang="en-US" dirty="0"/>
-              <a:t>Output</a:t>
+              <a:t>Step 5: Curation</a:t>
             </a:r>
           </a:p>
         </p:txBody>
@@ -7722,7 +8553,7 @@
           <p:cNvPr id="3" name="Content Placeholder 2">
             <a:extLst>
               <a:ext uri="{FF2B5EF4-FFF2-40B4-BE49-F238E27FC236}">
-                <a16:creationId xmlns:a16="http://schemas.microsoft.com/office/drawing/2014/main" id="{EB7A710B-4F2C-446F-87CA-722A25091459}"/>
+                <a16:creationId xmlns:a16="http://schemas.microsoft.com/office/drawing/2014/main" id="{904C4053-555F-447F-992C-F17D541FCF63}"/>
               </a:ext>
             </a:extLst>
           </p:cNvPr>
@@ -7733,63 +8564,51 @@
             <p:ph idx="1"/>
           </p:nvPr>
         </p:nvSpPr>
-        <p:spPr>
-          <a:xfrm>
-            <a:off x="838200" y="1825625"/>
-            <a:ext cx="3109686" cy="4351338"/>
-          </a:xfrm>
-        </p:spPr>
+        <p:spPr/>
         <p:txBody>
-          <a:bodyPr/>
+          <a:bodyPr>
+            <a:normAutofit/>
+          </a:bodyPr>
           <a:lstStyle/>
           <a:p>
             <a:r>
-              <a:rPr lang="en-US" dirty="0"/>
-              <a:t>For an input of 67k terms, the program extracts 5700+ phrases in under 15 seconds</a:t>
-            </a:r>
+              <a:rPr lang="en-US" sz="3200" dirty="0"/>
+              <a:t>Count the number of each subject, predicate, object, and verb stem</a:t>
+            </a:r>
+          </a:p>
+          <a:p>
+            <a:r>
+              <a:rPr lang="en-US" sz="3200" dirty="0"/>
+              <a:t>Sort by frequency and identify phrases to ignore</a:t>
+            </a:r>
+          </a:p>
+          <a:p>
+            <a:pPr lvl="1"/>
+            <a:r>
+              <a:rPr lang="en-US" sz="2800" dirty="0"/>
+              <a:t>Some predicate phrases lack meaningful relation</a:t>
+            </a:r>
+          </a:p>
+          <a:p>
+            <a:pPr lvl="1"/>
+            <a:r>
+              <a:rPr lang="en-US" sz="2800" dirty="0"/>
+              <a:t>E.g. “is”, “was”, “are”, “have”</a:t>
+            </a:r>
+          </a:p>
+          <a:p>
+            <a:r>
+              <a:rPr lang="en-US" sz="3200" dirty="0"/>
+              <a:t>Locally compile phrases to filter out</a:t>
+            </a:r>
+            <a:endParaRPr lang="en-US" sz="3600" dirty="0"/>
           </a:p>
         </p:txBody>
       </p:sp>
-      <p:pic>
-        <p:nvPicPr>
-          <p:cNvPr id="7" name="Content Placeholder 4">
-            <a:extLst>
-              <a:ext uri="{FF2B5EF4-FFF2-40B4-BE49-F238E27FC236}">
-                <a16:creationId xmlns:a16="http://schemas.microsoft.com/office/drawing/2014/main" id="{68129618-7184-44FD-811C-4040D412DFF9}"/>
-              </a:ext>
-            </a:extLst>
-          </p:cNvPr>
-          <p:cNvPicPr>
-            <a:picLocks noChangeAspect="1"/>
-          </p:cNvPicPr>
-          <p:nvPr/>
-        </p:nvPicPr>
-        <p:blipFill>
-          <a:blip r:embed="rId2">
-            <a:extLst>
-              <a:ext uri="{28A0092B-C50C-407E-A947-70E740481C1C}">
-                <a14:useLocalDpi xmlns:a14="http://schemas.microsoft.com/office/drawing/2010/main" val="0"/>
-              </a:ext>
-            </a:extLst>
-          </a:blip>
-          <a:stretch>
-            <a:fillRect/>
-          </a:stretch>
-        </p:blipFill>
-        <p:spPr>
-          <a:xfrm>
-            <a:off x="4984919" y="723106"/>
-            <a:ext cx="6518393" cy="5663180"/>
-          </a:xfrm>
-          <a:prstGeom prst="rect">
-            <a:avLst/>
-          </a:prstGeom>
-        </p:spPr>
-      </p:pic>
     </p:spTree>
     <p:extLst>
       <p:ext uri="{BB962C8B-B14F-4D97-AF65-F5344CB8AC3E}">
-        <p14:creationId xmlns:p14="http://schemas.microsoft.com/office/powerpoint/2010/main" val="1401958505"/>
+        <p14:creationId xmlns:p14="http://schemas.microsoft.com/office/powerpoint/2010/main" val="1243633931"/>
       </p:ext>
     </p:extLst>
   </p:cSld>
@@ -7821,7 +8640,7 @@
           <p:cNvPr id="2" name="Title 1">
             <a:extLst>
               <a:ext uri="{FF2B5EF4-FFF2-40B4-BE49-F238E27FC236}">
-                <a16:creationId xmlns:a16="http://schemas.microsoft.com/office/drawing/2014/main" id="{BD05CB78-1B5E-44BD-8C66-EEFB00074F86}"/>
+                <a16:creationId xmlns:a16="http://schemas.microsoft.com/office/drawing/2014/main" id="{F78CCA6A-BD80-4427-BFFC-50A9E9FD54D9}"/>
               </a:ext>
             </a:extLst>
           </p:cNvPr>
@@ -7839,7 +8658,7 @@
           <a:p>
             <a:r>
               <a:rPr lang="en-US" dirty="0"/>
-              <a:t>Implementation</a:t>
+              <a:t>Output</a:t>
             </a:r>
           </a:p>
         </p:txBody>
@@ -7849,7 +8668,7 @@
           <p:cNvPr id="3" name="Content Placeholder 2">
             <a:extLst>
               <a:ext uri="{FF2B5EF4-FFF2-40B4-BE49-F238E27FC236}">
-                <a16:creationId xmlns:a16="http://schemas.microsoft.com/office/drawing/2014/main" id="{D60228F7-87FD-40CF-B350-CF2D0BD73140}"/>
+                <a16:creationId xmlns:a16="http://schemas.microsoft.com/office/drawing/2014/main" id="{5384158D-E551-477B-BAED-688AA416E639}"/>
               </a:ext>
             </a:extLst>
           </p:cNvPr>
@@ -7869,36 +8688,63 @@
           <a:p>
             <a:r>
               <a:rPr lang="en-US" sz="3200" dirty="0"/>
-              <a:t>The program was written in Python with use of the NLTK, CSV and SQLite3 libraries</a:t>
+              <a:t>For an input of 67k terms in 5681 sentences, the program extracts 5700+ pairs in under 15 seconds</a:t>
             </a:r>
           </a:p>
           <a:p>
             <a:r>
               <a:rPr lang="en-US" sz="3200" dirty="0"/>
-              <a:t>Compilers for the verb, predicate, and lemma dictionaries are available as separate programs</a:t>
+              <a:t>Output to a CSV file with the following columns:</a:t>
             </a:r>
           </a:p>
           <a:p>
             <a:pPr lvl="1"/>
             <a:r>
               <a:rPr lang="en-US" sz="2800" dirty="0"/>
-              <a:t>Dictionaries can be easily expanded and re-integrated </a:t>
-            </a:r>
-            <a:endParaRPr lang="en-US" sz="3200" dirty="0"/>
-          </a:p>
-          <a:p>
-            <a:r>
-              <a:rPr lang="en-US" sz="3200" dirty="0"/>
-              <a:t>Filtered words are manually stored in a separated in a CSV file</a:t>
-            </a:r>
-            <a:endParaRPr lang="en-US" sz="2800" dirty="0"/>
+              <a:t>Subject, Object, Predicate</a:t>
+            </a:r>
+          </a:p>
+          <a:p>
+            <a:pPr lvl="1"/>
+            <a:r>
+              <a:rPr lang="en-US" sz="2800" dirty="0"/>
+              <a:t>Sentence</a:t>
+            </a:r>
+          </a:p>
+          <a:p>
+            <a:pPr lvl="1"/>
+            <a:r>
+              <a:rPr lang="en-US" sz="2800" dirty="0"/>
+              <a:t>Stem and Synonyms</a:t>
+            </a:r>
+          </a:p>
+          <a:p>
+            <a:pPr lvl="1"/>
+            <a:r>
+              <a:rPr lang="en-US" sz="2800" dirty="0"/>
+              <a:t>Frequencies of Subject, Object, Predicates and Stems</a:t>
+            </a:r>
+          </a:p>
+          <a:p>
+            <a:pPr lvl="1"/>
+            <a:r>
+              <a:rPr lang="en-US" sz="2800" dirty="0"/>
+              <a:t>R&amp;R Terms for Subject, Object, and Predicate</a:t>
+            </a:r>
+          </a:p>
+          <a:p>
+            <a:pPr lvl="1"/>
+            <a:r>
+              <a:rPr lang="en-US" sz="2800" dirty="0"/>
+              <a:t>Document ID</a:t>
+            </a:r>
           </a:p>
         </p:txBody>
       </p:sp>
     </p:spTree>
     <p:extLst>
       <p:ext uri="{BB962C8B-B14F-4D97-AF65-F5344CB8AC3E}">
-        <p14:creationId xmlns:p14="http://schemas.microsoft.com/office/powerpoint/2010/main" val="2601010014"/>
+        <p14:creationId xmlns:p14="http://schemas.microsoft.com/office/powerpoint/2010/main" val="2701257757"/>
       </p:ext>
     </p:extLst>
   </p:cSld>
@@ -7978,7 +8824,21 @@
           <a:p>
             <a:r>
               <a:rPr lang="en-US" sz="3200" dirty="0"/>
-              <a:t>We have used our root and rule-based program to create terms and sentences from scientific articles</a:t>
+              <a:t>We have used a root and rule-based programs</a:t>
+            </a:r>
+          </a:p>
+          <a:p>
+            <a:pPr lvl="1"/>
+            <a:r>
+              <a:rPr lang="en-US" sz="2800" dirty="0"/>
+              <a:t>Can identify terms and build taxonomies</a:t>
+            </a:r>
+          </a:p>
+          <a:p>
+            <a:pPr lvl="1"/>
+            <a:r>
+              <a:rPr lang="en-US" sz="2800" dirty="0"/>
+              <a:t>Next step is to identify relations and build RDFs</a:t>
             </a:r>
           </a:p>
           <a:p>
@@ -7993,6 +8853,287 @@
     <p:extLst>
       <p:ext uri="{BB962C8B-B14F-4D97-AF65-F5344CB8AC3E}">
         <p14:creationId xmlns:p14="http://schemas.microsoft.com/office/powerpoint/2010/main" val="4232954110"/>
+      </p:ext>
+    </p:extLst>
+  </p:cSld>
+  <p:clrMapOvr>
+    <a:masterClrMapping/>
+  </p:clrMapOvr>
+</p:sld>
+</file>
+
+<file path=ppt/slides/slide20.xml><?xml version="1.0" encoding="utf-8"?>
+<p:sld xmlns:a="http://schemas.openxmlformats.org/drawingml/2006/main" xmlns:r="http://schemas.openxmlformats.org/officeDocument/2006/relationships" xmlns:p="http://schemas.openxmlformats.org/presentationml/2006/main">
+  <p:cSld>
+    <p:spTree>
+      <p:nvGrpSpPr>
+        <p:cNvPr id="1" name=""/>
+        <p:cNvGrpSpPr/>
+        <p:nvPr/>
+      </p:nvGrpSpPr>
+      <p:grpSpPr>
+        <a:xfrm>
+          <a:off x="0" y="0"/>
+          <a:ext cx="0" cy="0"/>
+          <a:chOff x="0" y="0"/>
+          <a:chExt cx="0" cy="0"/>
+        </a:xfrm>
+      </p:grpSpPr>
+      <p:sp>
+        <p:nvSpPr>
+          <p:cNvPr id="2" name="Title 1">
+            <a:extLst>
+              <a:ext uri="{FF2B5EF4-FFF2-40B4-BE49-F238E27FC236}">
+                <a16:creationId xmlns:a16="http://schemas.microsoft.com/office/drawing/2014/main" id="{788C1E84-AB13-4CAD-9682-8A0CD4BF994F}"/>
+              </a:ext>
+            </a:extLst>
+          </p:cNvPr>
+          <p:cNvSpPr>
+            <a:spLocks noGrp="1"/>
+          </p:cNvSpPr>
+          <p:nvPr>
+            <p:ph type="title"/>
+          </p:nvPr>
+        </p:nvSpPr>
+        <p:spPr/>
+        <p:txBody>
+          <a:bodyPr/>
+          <a:lstStyle/>
+          <a:p>
+            <a:r>
+              <a:rPr lang="en-US" dirty="0"/>
+              <a:t>Output</a:t>
+            </a:r>
+          </a:p>
+        </p:txBody>
+      </p:sp>
+      <p:sp>
+        <p:nvSpPr>
+          <p:cNvPr id="5" name="Content Placeholder 2">
+            <a:extLst>
+              <a:ext uri="{FF2B5EF4-FFF2-40B4-BE49-F238E27FC236}">
+                <a16:creationId xmlns:a16="http://schemas.microsoft.com/office/drawing/2014/main" id="{7CFB0625-9BC8-4EE8-A4A8-3A9C57F0282C}"/>
+              </a:ext>
+            </a:extLst>
+          </p:cNvPr>
+          <p:cNvSpPr>
+            <a:spLocks noGrp="1"/>
+          </p:cNvSpPr>
+          <p:nvPr>
+            <p:ph idx="1"/>
+          </p:nvPr>
+        </p:nvSpPr>
+        <p:spPr>
+          <a:xfrm>
+            <a:off x="838200" y="1806302"/>
+            <a:ext cx="10818091" cy="4351338"/>
+          </a:xfrm>
+        </p:spPr>
+        <p:txBody>
+          <a:bodyPr>
+            <a:normAutofit/>
+          </a:bodyPr>
+          <a:lstStyle/>
+          <a:p>
+            <a:r>
+              <a:rPr lang="en-US" sz="2400" dirty="0"/>
+              <a:t>{‘quaternary structure’, ‘exhibits’, ‘considerable variability’}</a:t>
+            </a:r>
+          </a:p>
+          <a:p>
+            <a:pPr lvl="1"/>
+            <a:r>
+              <a:rPr lang="en-US" sz="2000" dirty="0"/>
+              <a:t>{‘quaternary:0:structure’, ‘exhibits’, ‘considerable:0:variability’}</a:t>
+            </a:r>
+          </a:p>
+          <a:p>
+            <a:pPr lvl="1"/>
+            <a:r>
+              <a:rPr lang="en-US" sz="2000" dirty="0"/>
+              <a:t>However the quaternary structure exhibits considerable variability</a:t>
+            </a:r>
+          </a:p>
+          <a:p>
+            <a:r>
+              <a:rPr lang="en-US" sz="2400" dirty="0"/>
+              <a:t>{‘Cl hydrogen bonds’, ‘stabilize’, ‘crystal structure’}</a:t>
+            </a:r>
+          </a:p>
+          <a:p>
+            <a:pPr lvl="1"/>
+            <a:r>
+              <a:rPr lang="en-US" sz="2000" dirty="0"/>
+              <a:t>{‘CI:2:hydrogen:bond’, ‘stabilize’, ‘crystal:0:structure’}</a:t>
+            </a:r>
+          </a:p>
+          <a:p>
+            <a:pPr lvl="1"/>
+            <a:r>
+              <a:rPr lang="en-US" sz="2000" dirty="0"/>
+              <a:t>Cl hydrogen bonds help to stabilize the crystal structure</a:t>
+            </a:r>
+          </a:p>
+          <a:p>
+            <a:r>
+              <a:rPr lang="en-US" sz="2000" dirty="0"/>
+              <a:t>{‘</a:t>
+            </a:r>
+            <a:r>
+              <a:rPr lang="en-US" sz="2400" dirty="0"/>
+              <a:t>three lobes or fingers</a:t>
+            </a:r>
+            <a:r>
+              <a:rPr lang="en-US" sz="2000" dirty="0"/>
+              <a:t>’, ‘</a:t>
+            </a:r>
+            <a:r>
+              <a:rPr lang="en-US" sz="2400" dirty="0"/>
+              <a:t>delineate</a:t>
+            </a:r>
+            <a:r>
+              <a:rPr lang="en-US" sz="2000" dirty="0"/>
+              <a:t> ‘, ‘</a:t>
+            </a:r>
+            <a:r>
+              <a:rPr lang="en-US" sz="2400" dirty="0"/>
+              <a:t>central binding groove and additional grooves</a:t>
+            </a:r>
+            <a:r>
+              <a:rPr lang="en-US" sz="2000" dirty="0"/>
+              <a:t>’}</a:t>
+            </a:r>
+          </a:p>
+          <a:p>
+            <a:pPr lvl="1"/>
+            <a:r>
+              <a:rPr lang="en-US" sz="2000" dirty="0"/>
+              <a:t>{‘finger:0:lobe’, ‘delineate’, ‘lobe:0:lobe:2:additional:0:groove:1:central:0:bind:1:groove’}</a:t>
+            </a:r>
+          </a:p>
+          <a:p>
+            <a:pPr lvl="1"/>
+            <a:r>
+              <a:rPr lang="en-US" sz="2000" dirty="0"/>
+              <a:t>The three lobes or fingers delineate a central binding groove and additional grooves between lobes 1 and 3 and between lobes 2 and 3</a:t>
+            </a:r>
+            <a:endParaRPr lang="en-US" sz="1800" dirty="0"/>
+          </a:p>
+        </p:txBody>
+      </p:sp>
+    </p:spTree>
+    <p:extLst>
+      <p:ext uri="{BB962C8B-B14F-4D97-AF65-F5344CB8AC3E}">
+        <p14:creationId xmlns:p14="http://schemas.microsoft.com/office/powerpoint/2010/main" val="1401958505"/>
+      </p:ext>
+    </p:extLst>
+  </p:cSld>
+  <p:clrMapOvr>
+    <a:masterClrMapping/>
+  </p:clrMapOvr>
+</p:sld>
+</file>
+
+<file path=ppt/slides/slide21.xml><?xml version="1.0" encoding="utf-8"?>
+<p:sld xmlns:a="http://schemas.openxmlformats.org/drawingml/2006/main" xmlns:r="http://schemas.openxmlformats.org/officeDocument/2006/relationships" xmlns:p="http://schemas.openxmlformats.org/presentationml/2006/main">
+  <p:cSld>
+    <p:spTree>
+      <p:nvGrpSpPr>
+        <p:cNvPr id="1" name=""/>
+        <p:cNvGrpSpPr/>
+        <p:nvPr/>
+      </p:nvGrpSpPr>
+      <p:grpSpPr>
+        <a:xfrm>
+          <a:off x="0" y="0"/>
+          <a:ext cx="0" cy="0"/>
+          <a:chOff x="0" y="0"/>
+          <a:chExt cx="0" cy="0"/>
+        </a:xfrm>
+      </p:grpSpPr>
+      <p:sp>
+        <p:nvSpPr>
+          <p:cNvPr id="2" name="Title 1">
+            <a:extLst>
+              <a:ext uri="{FF2B5EF4-FFF2-40B4-BE49-F238E27FC236}">
+                <a16:creationId xmlns:a16="http://schemas.microsoft.com/office/drawing/2014/main" id="{BD05CB78-1B5E-44BD-8C66-EEFB00074F86}"/>
+              </a:ext>
+            </a:extLst>
+          </p:cNvPr>
+          <p:cNvSpPr>
+            <a:spLocks noGrp="1"/>
+          </p:cNvSpPr>
+          <p:nvPr>
+            <p:ph type="title"/>
+          </p:nvPr>
+        </p:nvSpPr>
+        <p:spPr/>
+        <p:txBody>
+          <a:bodyPr/>
+          <a:lstStyle/>
+          <a:p>
+            <a:r>
+              <a:rPr lang="en-US" dirty="0"/>
+              <a:t>Implementation</a:t>
+            </a:r>
+          </a:p>
+        </p:txBody>
+      </p:sp>
+      <p:sp>
+        <p:nvSpPr>
+          <p:cNvPr id="3" name="Content Placeholder 2">
+            <a:extLst>
+              <a:ext uri="{FF2B5EF4-FFF2-40B4-BE49-F238E27FC236}">
+                <a16:creationId xmlns:a16="http://schemas.microsoft.com/office/drawing/2014/main" id="{D60228F7-87FD-40CF-B350-CF2D0BD73140}"/>
+              </a:ext>
+            </a:extLst>
+          </p:cNvPr>
+          <p:cNvSpPr>
+            <a:spLocks noGrp="1"/>
+          </p:cNvSpPr>
+          <p:nvPr>
+            <p:ph idx="1"/>
+          </p:nvPr>
+        </p:nvSpPr>
+        <p:spPr/>
+        <p:txBody>
+          <a:bodyPr>
+            <a:normAutofit/>
+          </a:bodyPr>
+          <a:lstStyle/>
+          <a:p>
+            <a:r>
+              <a:rPr lang="en-US" sz="3200" dirty="0"/>
+              <a:t>The program was written in Python with use of the NLTK, CSV and SQLite3 libraries</a:t>
+            </a:r>
+          </a:p>
+          <a:p>
+            <a:r>
+              <a:rPr lang="en-US" sz="3200" dirty="0"/>
+              <a:t>Compilers for the verb, predicate, and lemma dictionaries are available as separate programs</a:t>
+            </a:r>
+          </a:p>
+          <a:p>
+            <a:pPr lvl="1"/>
+            <a:r>
+              <a:rPr lang="en-US" sz="2800" dirty="0"/>
+              <a:t>Dictionaries can be easily expanded and re-integrated </a:t>
+            </a:r>
+            <a:endParaRPr lang="en-US" sz="3200" dirty="0"/>
+          </a:p>
+          <a:p>
+            <a:r>
+              <a:rPr lang="en-US" sz="3200" dirty="0"/>
+              <a:t>Filtered words are manually stored in a separated in a CSV file</a:t>
+            </a:r>
+            <a:endParaRPr lang="en-US" sz="2800" dirty="0"/>
+          </a:p>
+        </p:txBody>
+      </p:sp>
+    </p:spTree>
+    <p:extLst>
+      <p:ext uri="{BB962C8B-B14F-4D97-AF65-F5344CB8AC3E}">
+        <p14:creationId xmlns:p14="http://schemas.microsoft.com/office/powerpoint/2010/main" val="2601010014"/>
       </p:ext>
     </p:extLst>
   </p:cSld>
@@ -8066,7 +9207,7 @@
         </p:nvSpPr>
         <p:spPr>
           <a:xfrm>
-            <a:off x="1041400" y="1711349"/>
+            <a:off x="1041400" y="1778024"/>
             <a:ext cx="10960100" cy="523220"/>
           </a:xfrm>
           <a:prstGeom prst="rect">
@@ -8109,7 +9250,7 @@
         </p:nvGrpSpPr>
         <p:grpSpPr>
           <a:xfrm>
-            <a:off x="949772" y="4031140"/>
+            <a:off x="949772" y="4097815"/>
             <a:ext cx="2425700" cy="1360956"/>
             <a:chOff x="949772" y="4031140"/>
             <a:chExt cx="2425700" cy="1360956"/>
@@ -8274,10 +9415,10 @@
       </p:grpSp>
       <p:sp>
         <p:nvSpPr>
-          <p:cNvPr id="26" name="Rectangle 25">
-            <a:extLst>
-              <a:ext uri="{FF2B5EF4-FFF2-40B4-BE49-F238E27FC236}">
-                <a16:creationId xmlns:a16="http://schemas.microsoft.com/office/drawing/2014/main" id="{F3AA902C-22BE-4430-9920-17598EEF5458}"/>
+          <p:cNvPr id="29" name="Rectangle 28">
+            <a:extLst>
+              <a:ext uri="{FF2B5EF4-FFF2-40B4-BE49-F238E27FC236}">
+                <a16:creationId xmlns:a16="http://schemas.microsoft.com/office/drawing/2014/main" id="{E3327C57-907C-4EEC-9590-ED86BDDB4EE9}"/>
               </a:ext>
             </a:extLst>
           </p:cNvPr>
@@ -8286,42 +9427,7 @@
         </p:nvSpPr>
         <p:spPr>
           <a:xfrm>
-            <a:off x="838200" y="5891510"/>
-            <a:ext cx="9372600" cy="400110"/>
-          </a:xfrm>
-          <a:prstGeom prst="rect">
-            <a:avLst/>
-          </a:prstGeom>
-        </p:spPr>
-        <p:txBody>
-          <a:bodyPr wrap="square">
-            <a:spAutoFit/>
-          </a:bodyPr>
-          <a:lstStyle/>
-          <a:p>
-            <a:r>
-              <a:rPr lang="pt-BR" sz="2000" dirty="0"/>
-              <a:t>Tian, L. &amp; Liu, L.-Z. (2004). Acta Cryst. E60, o1826-o1827.</a:t>
-            </a:r>
-            <a:endParaRPr lang="en-US" sz="2000" dirty="0"/>
-          </a:p>
-        </p:txBody>
-      </p:sp>
-      <p:sp>
-        <p:nvSpPr>
-          <p:cNvPr id="29" name="Rectangle 28">
-            <a:extLst>
-              <a:ext uri="{FF2B5EF4-FFF2-40B4-BE49-F238E27FC236}">
-                <a16:creationId xmlns:a16="http://schemas.microsoft.com/office/drawing/2014/main" id="{E3327C57-907C-4EEC-9590-ED86BDDB4EE9}"/>
-              </a:ext>
-            </a:extLst>
-          </p:cNvPr>
-          <p:cNvSpPr/>
-          <p:nvPr/>
-        </p:nvSpPr>
-        <p:spPr>
-          <a:xfrm>
-            <a:off x="1949944" y="2782944"/>
+            <a:off x="1949944" y="2849619"/>
             <a:ext cx="2698657" cy="461665"/>
           </a:xfrm>
           <a:prstGeom prst="rect">
@@ -8356,7 +9462,7 @@
         </p:nvSpPr>
         <p:spPr>
           <a:xfrm>
-            <a:off x="7009398" y="2784305"/>
+            <a:off x="7009398" y="2850980"/>
             <a:ext cx="4216400" cy="461665"/>
           </a:xfrm>
           <a:prstGeom prst="rect">
@@ -8391,7 +9497,7 @@
         </p:nvGrpSpPr>
         <p:grpSpPr>
           <a:xfrm>
-            <a:off x="4095643" y="4010105"/>
+            <a:off x="4095643" y="4076780"/>
             <a:ext cx="2425700" cy="1389958"/>
             <a:chOff x="4095643" y="4010105"/>
             <a:chExt cx="2425700" cy="1389958"/>
@@ -8574,7 +9680,7 @@
         </p:nvGrpSpPr>
         <p:grpSpPr>
           <a:xfrm>
-            <a:off x="6929971" y="4008455"/>
+            <a:off x="6929971" y="4075130"/>
             <a:ext cx="4832457" cy="1605214"/>
             <a:chOff x="6929971" y="4008455"/>
             <a:chExt cx="4832457" cy="1605214"/>
@@ -8773,7 +9879,7 @@
                             </p:stCondLst>
                             <p:childTnLst>
                               <p:par>
-                                <p:cTn id="5" presetID="1" presetClass="entr" presetSubtype="0" fill="hold" nodeType="clickEffect">
+                                <p:cTn id="5" presetID="1" presetClass="entr" presetSubtype="0" fill="hold" grpId="0" nodeType="clickEffect">
                                   <p:stCondLst>
                                     <p:cond delay="0"/>
                                   </p:stCondLst>
@@ -8781,6 +9887,87 @@
                                     <p:set>
                                       <p:cBhvr>
                                         <p:cTn id="6" dur="1" fill="hold">
+                                          <p:stCondLst>
+                                            <p:cond delay="0"/>
+                                          </p:stCondLst>
+                                        </p:cTn>
+                                        <p:tgtEl>
+                                          <p:spTgt spid="29"/>
+                                        </p:tgtEl>
+                                        <p:attrNameLst>
+                                          <p:attrName>style.visibility</p:attrName>
+                                        </p:attrNameLst>
+                                      </p:cBhvr>
+                                      <p:to>
+                                        <p:strVal val="visible"/>
+                                      </p:to>
+                                    </p:set>
+                                  </p:childTnLst>
+                                </p:cTn>
+                              </p:par>
+                            </p:childTnLst>
+                          </p:cTn>
+                        </p:par>
+                        <p:par>
+                          <p:cTn id="7" fill="hold">
+                            <p:stCondLst>
+                              <p:cond delay="0"/>
+                            </p:stCondLst>
+                            <p:childTnLst>
+                              <p:par>
+                                <p:cTn id="8" presetID="1" presetClass="entr" presetSubtype="0" fill="hold" grpId="0" nodeType="afterEffect">
+                                  <p:stCondLst>
+                                    <p:cond delay="0"/>
+                                  </p:stCondLst>
+                                  <p:childTnLst>
+                                    <p:set>
+                                      <p:cBhvr>
+                                        <p:cTn id="9" dur="1" fill="hold">
+                                          <p:stCondLst>
+                                            <p:cond delay="0"/>
+                                          </p:stCondLst>
+                                        </p:cTn>
+                                        <p:tgtEl>
+                                          <p:spTgt spid="30"/>
+                                        </p:tgtEl>
+                                        <p:attrNameLst>
+                                          <p:attrName>style.visibility</p:attrName>
+                                        </p:attrNameLst>
+                                      </p:cBhvr>
+                                      <p:to>
+                                        <p:strVal val="visible"/>
+                                      </p:to>
+                                    </p:set>
+                                  </p:childTnLst>
+                                </p:cTn>
+                              </p:par>
+                            </p:childTnLst>
+                          </p:cTn>
+                        </p:par>
+                      </p:childTnLst>
+                    </p:cTn>
+                  </p:par>
+                  <p:par>
+                    <p:cTn id="10" fill="hold">
+                      <p:stCondLst>
+                        <p:cond delay="indefinite"/>
+                      </p:stCondLst>
+                      <p:childTnLst>
+                        <p:par>
+                          <p:cTn id="11" fill="hold">
+                            <p:stCondLst>
+                              <p:cond delay="0"/>
+                            </p:stCondLst>
+                            <p:childTnLst>
+                              <p:par>
+                                <p:cTn id="12" presetID="1" presetClass="entr" presetSubtype="0" fill="hold" nodeType="clickEffect">
+                                  <p:stCondLst>
+                                    <p:cond delay="0"/>
+                                  </p:stCondLst>
+                                  <p:childTnLst>
+                                    <p:set>
+                                      <p:cBhvr>
+                                        <p:cTn id="13" dur="1" fill="hold">
                                           <p:stCondLst>
                                             <p:cond delay="0"/>
                                           </p:stCondLst>
@@ -8802,30 +9989,21 @@
                             </p:childTnLst>
                           </p:cTn>
                         </p:par>
-                      </p:childTnLst>
-                    </p:cTn>
-                  </p:par>
-                  <p:par>
-                    <p:cTn id="7" fill="hold">
-                      <p:stCondLst>
-                        <p:cond delay="indefinite"/>
-                      </p:stCondLst>
-                      <p:childTnLst>
                         <p:par>
-                          <p:cTn id="8" fill="hold">
+                          <p:cTn id="14" fill="hold">
                             <p:stCondLst>
                               <p:cond delay="0"/>
                             </p:stCondLst>
                             <p:childTnLst>
                               <p:par>
-                                <p:cTn id="9" presetID="1" presetClass="entr" presetSubtype="0" fill="hold" nodeType="clickEffect">
+                                <p:cTn id="15" presetID="1" presetClass="entr" presetSubtype="0" fill="hold" nodeType="afterEffect">
                                   <p:stCondLst>
                                     <p:cond delay="0"/>
                                   </p:stCondLst>
                                   <p:childTnLst>
                                     <p:set>
                                       <p:cBhvr>
-                                        <p:cTn id="10" dur="1" fill="hold">
+                                        <p:cTn id="16" dur="1" fill="hold">
                                           <p:stCondLst>
                                             <p:cond delay="0"/>
                                           </p:stCondLst>
@@ -8847,126 +10025,27 @@
                             </p:childTnLst>
                           </p:cTn>
                         </p:par>
-                      </p:childTnLst>
-                    </p:cTn>
-                  </p:par>
-                  <p:par>
-                    <p:cTn id="11" fill="hold">
-                      <p:stCondLst>
-                        <p:cond delay="indefinite"/>
-                      </p:stCondLst>
-                      <p:childTnLst>
                         <p:par>
-                          <p:cTn id="12" fill="hold">
+                          <p:cTn id="17" fill="hold">
                             <p:stCondLst>
                               <p:cond delay="0"/>
                             </p:stCondLst>
                             <p:childTnLst>
                               <p:par>
-                                <p:cTn id="13" presetID="1" presetClass="entr" presetSubtype="0" fill="hold" nodeType="clickEffect">
+                                <p:cTn id="18" presetID="1" presetClass="entr" presetSubtype="0" fill="hold" nodeType="afterEffect">
                                   <p:stCondLst>
                                     <p:cond delay="0"/>
                                   </p:stCondLst>
                                   <p:childTnLst>
                                     <p:set>
                                       <p:cBhvr>
-                                        <p:cTn id="14" dur="1" fill="hold">
+                                        <p:cTn id="19" dur="1" fill="hold">
                                           <p:stCondLst>
                                             <p:cond delay="0"/>
                                           </p:stCondLst>
                                         </p:cTn>
                                         <p:tgtEl>
                                           <p:spTgt spid="33"/>
-                                        </p:tgtEl>
-                                        <p:attrNameLst>
-                                          <p:attrName>style.visibility</p:attrName>
-                                        </p:attrNameLst>
-                                      </p:cBhvr>
-                                      <p:to>
-                                        <p:strVal val="visible"/>
-                                      </p:to>
-                                    </p:set>
-                                  </p:childTnLst>
-                                </p:cTn>
-                              </p:par>
-                            </p:childTnLst>
-                          </p:cTn>
-                        </p:par>
-                      </p:childTnLst>
-                    </p:cTn>
-                  </p:par>
-                  <p:par>
-                    <p:cTn id="15" fill="hold">
-                      <p:stCondLst>
-                        <p:cond delay="indefinite"/>
-                      </p:stCondLst>
-                      <p:childTnLst>
-                        <p:par>
-                          <p:cTn id="16" fill="hold">
-                            <p:stCondLst>
-                              <p:cond delay="0"/>
-                            </p:stCondLst>
-                            <p:childTnLst>
-                              <p:par>
-                                <p:cTn id="17" presetID="1" presetClass="entr" presetSubtype="0" fill="hold" grpId="0" nodeType="clickEffect">
-                                  <p:stCondLst>
-                                    <p:cond delay="0"/>
-                                  </p:stCondLst>
-                                  <p:childTnLst>
-                                    <p:set>
-                                      <p:cBhvr>
-                                        <p:cTn id="18" dur="1" fill="hold">
-                                          <p:stCondLst>
-                                            <p:cond delay="0"/>
-                                          </p:stCondLst>
-                                        </p:cTn>
-                                        <p:tgtEl>
-                                          <p:spTgt spid="29"/>
-                                        </p:tgtEl>
-                                        <p:attrNameLst>
-                                          <p:attrName>style.visibility</p:attrName>
-                                        </p:attrNameLst>
-                                      </p:cBhvr>
-                                      <p:to>
-                                        <p:strVal val="visible"/>
-                                      </p:to>
-                                    </p:set>
-                                  </p:childTnLst>
-                                </p:cTn>
-                              </p:par>
-                            </p:childTnLst>
-                          </p:cTn>
-                        </p:par>
-                      </p:childTnLst>
-                    </p:cTn>
-                  </p:par>
-                  <p:par>
-                    <p:cTn id="19" fill="hold">
-                      <p:stCondLst>
-                        <p:cond delay="indefinite"/>
-                      </p:stCondLst>
-                      <p:childTnLst>
-                        <p:par>
-                          <p:cTn id="20" fill="hold">
-                            <p:stCondLst>
-                              <p:cond delay="0"/>
-                            </p:stCondLst>
-                            <p:childTnLst>
-                              <p:par>
-                                <p:cTn id="21" presetID="1" presetClass="entr" presetSubtype="0" fill="hold" grpId="0" nodeType="clickEffect">
-                                  <p:stCondLst>
-                                    <p:cond delay="0"/>
-                                  </p:stCondLst>
-                                  <p:childTnLst>
-                                    <p:set>
-                                      <p:cBhvr>
-                                        <p:cTn id="22" dur="1" fill="hold">
-                                          <p:stCondLst>
-                                            <p:cond delay="0"/>
-                                          </p:stCondLst>
-                                        </p:cTn>
-                                        <p:tgtEl>
-                                          <p:spTgt spid="30"/>
                                         </p:tgtEl>
                                         <p:attrNameLst>
                                           <p:attrName>style.visibility</p:attrName>
@@ -9047,14 +10126,14 @@
             <p:ph idx="4294967295"/>
             <p:extLst>
               <p:ext uri="{D42A27DB-BD31-4B8C-83A1-F6EECF244321}">
-                <p14:modId xmlns:p14="http://schemas.microsoft.com/office/powerpoint/2010/main" val="4160924436"/>
+                <p14:modId xmlns:p14="http://schemas.microsoft.com/office/powerpoint/2010/main" val="1118613085"/>
               </p:ext>
             </p:extLst>
           </p:nvPr>
         </p:nvGraphicFramePr>
         <p:xfrm>
-          <a:off x="1516743" y="1092199"/>
-          <a:ext cx="9158513" cy="4064000"/>
+          <a:off x="810036" y="1169554"/>
+          <a:ext cx="10313307" cy="4064000"/>
         </p:xfrm>
         <a:graphic>
           <a:graphicData uri="http://schemas.openxmlformats.org/drawingml/2006/diagram">
@@ -9149,112 +10228,6 @@
           <p:cNvPr id="2" name="Title 1">
             <a:extLst>
               <a:ext uri="{FF2B5EF4-FFF2-40B4-BE49-F238E27FC236}">
-                <a16:creationId xmlns:a16="http://schemas.microsoft.com/office/drawing/2014/main" id="{83397200-418F-44A2-849F-5BE9E5BF2AD6}"/>
-              </a:ext>
-            </a:extLst>
-          </p:cNvPr>
-          <p:cNvSpPr>
-            <a:spLocks noGrp="1"/>
-          </p:cNvSpPr>
-          <p:nvPr>
-            <p:ph type="title"/>
-          </p:nvPr>
-        </p:nvSpPr>
-        <p:spPr/>
-        <p:txBody>
-          <a:bodyPr/>
-          <a:lstStyle/>
-          <a:p>
-            <a:r>
-              <a:rPr lang="en-US" dirty="0"/>
-              <a:t>Input</a:t>
-            </a:r>
-          </a:p>
-        </p:txBody>
-      </p:sp>
-      <p:sp>
-        <p:nvSpPr>
-          <p:cNvPr id="3" name="Content Placeholder 2">
-            <a:extLst>
-              <a:ext uri="{FF2B5EF4-FFF2-40B4-BE49-F238E27FC236}">
-                <a16:creationId xmlns:a16="http://schemas.microsoft.com/office/drawing/2014/main" id="{CC21E7A3-10C6-4FEB-8B11-EA867ED8363B}"/>
-              </a:ext>
-            </a:extLst>
-          </p:cNvPr>
-          <p:cNvSpPr>
-            <a:spLocks noGrp="1"/>
-          </p:cNvSpPr>
-          <p:nvPr>
-            <p:ph idx="1"/>
-          </p:nvPr>
-        </p:nvSpPr>
-        <p:spPr/>
-        <p:txBody>
-          <a:bodyPr/>
-          <a:lstStyle/>
-          <a:p>
-            <a:r>
-              <a:rPr lang="en-US" dirty="0"/>
-              <a:t>Used the original phrases and the fragmented terms</a:t>
-            </a:r>
-          </a:p>
-          <a:p>
-            <a:r>
-              <a:rPr lang="en-US" dirty="0"/>
-              <a:t>Considered only short terms</a:t>
-            </a:r>
-          </a:p>
-          <a:p>
-            <a:pPr lvl="1"/>
-            <a:r>
-              <a:rPr lang="en-US" dirty="0"/>
-              <a:t>Terms of level 0, 1 and 2</a:t>
-            </a:r>
-          </a:p>
-          <a:p>
-            <a:pPr lvl="1"/>
-            <a:r>
-              <a:rPr lang="en-US" dirty="0"/>
-              <a:t>Subjects and objects should be concise</a:t>
-            </a:r>
-          </a:p>
-        </p:txBody>
-      </p:sp>
-    </p:spTree>
-    <p:extLst>
-      <p:ext uri="{BB962C8B-B14F-4D97-AF65-F5344CB8AC3E}">
-        <p14:creationId xmlns:p14="http://schemas.microsoft.com/office/powerpoint/2010/main" val="1952593329"/>
-      </p:ext>
-    </p:extLst>
-  </p:cSld>
-  <p:clrMapOvr>
-    <a:masterClrMapping/>
-  </p:clrMapOvr>
-</p:sld>
-</file>
-
-<file path=ppt/slides/slide6.xml><?xml version="1.0" encoding="utf-8"?>
-<p:sld xmlns:a="http://schemas.openxmlformats.org/drawingml/2006/main" xmlns:r="http://schemas.openxmlformats.org/officeDocument/2006/relationships" xmlns:p="http://schemas.openxmlformats.org/presentationml/2006/main">
-  <p:cSld>
-    <p:spTree>
-      <p:nvGrpSpPr>
-        <p:cNvPr id="1" name=""/>
-        <p:cNvGrpSpPr/>
-        <p:nvPr/>
-      </p:nvGrpSpPr>
-      <p:grpSpPr>
-        <a:xfrm>
-          <a:off x="0" y="0"/>
-          <a:ext cx="0" cy="0"/>
-          <a:chOff x="0" y="0"/>
-          <a:chExt cx="0" cy="0"/>
-        </a:xfrm>
-      </p:grpSpPr>
-      <p:sp>
-        <p:nvSpPr>
-          <p:cNvPr id="2" name="Title 1">
-            <a:extLst>
-              <a:ext uri="{FF2B5EF4-FFF2-40B4-BE49-F238E27FC236}">
                 <a16:creationId xmlns:a16="http://schemas.microsoft.com/office/drawing/2014/main" id="{3E4782B2-4C08-49EF-BD67-ADA190E2E6B1}"/>
               </a:ext>
             </a:extLst>
@@ -9278,7 +10251,7 @@
           <a:p>
             <a:r>
               <a:rPr lang="en-US" dirty="0"/>
-              <a:t>Input</a:t>
+              <a:t>R&amp;R Term</a:t>
             </a:r>
           </a:p>
         </p:txBody>
@@ -9506,6 +10479,113 @@
 </p:sld>
 </file>
 
+<file path=ppt/slides/slide6.xml><?xml version="1.0" encoding="utf-8"?>
+<p:sld xmlns:a="http://schemas.openxmlformats.org/drawingml/2006/main" xmlns:r="http://schemas.openxmlformats.org/officeDocument/2006/relationships" xmlns:p="http://schemas.openxmlformats.org/presentationml/2006/main">
+  <p:cSld>
+    <p:spTree>
+      <p:nvGrpSpPr>
+        <p:cNvPr id="1" name=""/>
+        <p:cNvGrpSpPr/>
+        <p:nvPr/>
+      </p:nvGrpSpPr>
+      <p:grpSpPr>
+        <a:xfrm>
+          <a:off x="0" y="0"/>
+          <a:ext cx="0" cy="0"/>
+          <a:chOff x="0" y="0"/>
+          <a:chExt cx="0" cy="0"/>
+        </a:xfrm>
+      </p:grpSpPr>
+      <p:sp>
+        <p:nvSpPr>
+          <p:cNvPr id="2" name="Title 1">
+            <a:extLst>
+              <a:ext uri="{FF2B5EF4-FFF2-40B4-BE49-F238E27FC236}">
+                <a16:creationId xmlns:a16="http://schemas.microsoft.com/office/drawing/2014/main" id="{83397200-418F-44A2-849F-5BE9E5BF2AD6}"/>
+              </a:ext>
+            </a:extLst>
+          </p:cNvPr>
+          <p:cNvSpPr>
+            <a:spLocks noGrp="1"/>
+          </p:cNvSpPr>
+          <p:nvPr>
+            <p:ph type="title"/>
+          </p:nvPr>
+        </p:nvSpPr>
+        <p:spPr/>
+        <p:txBody>
+          <a:bodyPr/>
+          <a:lstStyle/>
+          <a:p>
+            <a:r>
+              <a:rPr lang="en-US" dirty="0"/>
+              <a:t>Selecting Subjects &amp; Objects</a:t>
+            </a:r>
+          </a:p>
+        </p:txBody>
+      </p:sp>
+      <p:sp>
+        <p:nvSpPr>
+          <p:cNvPr id="3" name="Content Placeholder 2">
+            <a:extLst>
+              <a:ext uri="{FF2B5EF4-FFF2-40B4-BE49-F238E27FC236}">
+                <a16:creationId xmlns:a16="http://schemas.microsoft.com/office/drawing/2014/main" id="{CC21E7A3-10C6-4FEB-8B11-EA867ED8363B}"/>
+              </a:ext>
+            </a:extLst>
+          </p:cNvPr>
+          <p:cNvSpPr>
+            <a:spLocks noGrp="1"/>
+          </p:cNvSpPr>
+          <p:nvPr>
+            <p:ph idx="1"/>
+          </p:nvPr>
+        </p:nvSpPr>
+        <p:spPr/>
+        <p:txBody>
+          <a:bodyPr/>
+          <a:lstStyle/>
+          <a:p>
+            <a:r>
+              <a:rPr lang="en-US" dirty="0"/>
+              <a:t>Considered only short noun phrases</a:t>
+            </a:r>
+          </a:p>
+          <a:p>
+            <a:pPr lvl="1"/>
+            <a:r>
+              <a:rPr lang="en-US" dirty="0"/>
+              <a:t>Want precise but useful search terms</a:t>
+            </a:r>
+          </a:p>
+          <a:p>
+            <a:pPr lvl="1"/>
+            <a:r>
+              <a:rPr lang="en-US" dirty="0"/>
+              <a:t>Subjects and objects should be concise</a:t>
+            </a:r>
+          </a:p>
+          <a:p>
+            <a:pPr lvl="1"/>
+            <a:r>
+              <a:rPr lang="en-US" dirty="0"/>
+              <a:t>Consider terms of level 0, 1 and 2</a:t>
+            </a:r>
+          </a:p>
+        </p:txBody>
+      </p:sp>
+    </p:spTree>
+    <p:extLst>
+      <p:ext uri="{BB962C8B-B14F-4D97-AF65-F5344CB8AC3E}">
+        <p14:creationId xmlns:p14="http://schemas.microsoft.com/office/powerpoint/2010/main" val="1952593329"/>
+      </p:ext>
+    </p:extLst>
+  </p:cSld>
+  <p:clrMapOvr>
+    <a:masterClrMapping/>
+  </p:clrMapOvr>
+</p:sld>
+</file>
+
 <file path=ppt/slides/slide7.xml><?xml version="1.0" encoding="utf-8"?>
 <p:sld xmlns:a="http://schemas.openxmlformats.org/drawingml/2006/main" xmlns:r="http://schemas.openxmlformats.org/officeDocument/2006/relationships" xmlns:p="http://schemas.openxmlformats.org/presentationml/2006/main">
   <p:cSld>
@@ -9528,7 +10608,7 @@
           <p:cNvPr id="2" name="Title 1">
             <a:extLst>
               <a:ext uri="{FF2B5EF4-FFF2-40B4-BE49-F238E27FC236}">
-                <a16:creationId xmlns:a16="http://schemas.microsoft.com/office/drawing/2014/main" id="{F9D17843-C4CB-49B4-A702-74E033CD3659}"/>
+                <a16:creationId xmlns:a16="http://schemas.microsoft.com/office/drawing/2014/main" id="{FAD205C3-B970-4611-AD20-AC5BBE88BE6D}"/>
               </a:ext>
             </a:extLst>
           </p:cNvPr>
@@ -9546,121 +10626,815 @@
           <a:p>
             <a:r>
               <a:rPr lang="en-US" dirty="0"/>
-              <a:t>Step 1: Tagging Verbs</a:t>
+              <a:t>Selecting Subjects &amp; Objects</a:t>
             </a:r>
           </a:p>
         </p:txBody>
       </p:sp>
-      <p:sp>
-        <p:nvSpPr>
-          <p:cNvPr id="3" name="Content Placeholder 2">
-            <a:extLst>
-              <a:ext uri="{FF2B5EF4-FFF2-40B4-BE49-F238E27FC236}">
-                <a16:creationId xmlns:a16="http://schemas.microsoft.com/office/drawing/2014/main" id="{B480D581-31F8-4601-B7E0-518B13E36D0A}"/>
-              </a:ext>
-            </a:extLst>
-          </p:cNvPr>
-          <p:cNvSpPr>
-            <a:spLocks noGrp="1"/>
-          </p:cNvSpPr>
-          <p:nvPr>
-            <p:ph idx="1"/>
-          </p:nvPr>
-        </p:nvSpPr>
+      <p:pic>
+        <p:nvPicPr>
+          <p:cNvPr id="4" name="Content Placeholder 33">
+            <a:extLst>
+              <a:ext uri="{FF2B5EF4-FFF2-40B4-BE49-F238E27FC236}">
+                <a16:creationId xmlns:a16="http://schemas.microsoft.com/office/drawing/2014/main" id="{5E91EBCC-B3A5-46D9-863F-181E8371ECE6}"/>
+              </a:ext>
+            </a:extLst>
+          </p:cNvPr>
+          <p:cNvPicPr>
+            <a:picLocks noChangeAspect="1"/>
+          </p:cNvPicPr>
+          <p:nvPr/>
+        </p:nvPicPr>
+        <p:blipFill rotWithShape="1">
+          <a:blip r:embed="rId2">
+            <a:extLst>
+              <a:ext uri="{28A0092B-C50C-407E-A947-70E740481C1C}">
+                <a14:useLocalDpi xmlns:a14="http://schemas.microsoft.com/office/drawing/2010/main" val="0"/>
+              </a:ext>
+            </a:extLst>
+          </a:blip>
+          <a:srcRect t="907" b="-1"/>
+          <a:stretch/>
+        </p:blipFill>
         <p:spPr>
           <a:xfrm>
-            <a:off x="838200" y="1914525"/>
-            <a:ext cx="10515600" cy="4351338"/>
-          </a:xfrm>
-        </p:spPr>
-        <p:txBody>
-          <a:bodyPr>
-            <a:normAutofit/>
-          </a:bodyPr>
-          <a:lstStyle/>
-          <a:p>
-            <a:r>
-              <a:rPr lang="en-US" sz="3200" dirty="0"/>
-              <a:t>Use the part-of-speech tagger in the Natural Language Toolkit (NLTK) library to identify verbs</a:t>
-            </a:r>
-          </a:p>
-          <a:p>
-            <a:pPr lvl="1"/>
-            <a:r>
-              <a:rPr lang="en-US" sz="2800" dirty="0"/>
-              <a:t>The model can isolate the sense of a word</a:t>
-            </a:r>
-          </a:p>
-          <a:p>
-            <a:pPr lvl="1"/>
-            <a:r>
-              <a:rPr lang="en-US" sz="2800" dirty="0"/>
-              <a:t>E.g. “report” </a:t>
-            </a:r>
-            <a:r>
-              <a:rPr lang="en-US" sz="2800" i="1" dirty="0"/>
-              <a:t>noun</a:t>
-            </a:r>
-            <a:r>
-              <a:rPr lang="en-US" sz="2800" dirty="0"/>
-              <a:t> vs. “report” </a:t>
-            </a:r>
-            <a:r>
-              <a:rPr lang="en-US" sz="2800" i="1" dirty="0"/>
-              <a:t>verb</a:t>
-            </a:r>
-            <a:endParaRPr lang="en-US" sz="2800" dirty="0"/>
-          </a:p>
-          <a:p>
-            <a:endParaRPr lang="en-US" sz="3200" dirty="0"/>
-          </a:p>
-        </p:txBody>
-      </p:sp>
-      <p:sp>
-        <p:nvSpPr>
-          <p:cNvPr id="4" name="Rectangle 3">
-            <a:extLst>
-              <a:ext uri="{FF2B5EF4-FFF2-40B4-BE49-F238E27FC236}">
-                <a16:creationId xmlns:a16="http://schemas.microsoft.com/office/drawing/2014/main" id="{5A0A6F5E-812E-462E-9DC0-70FCA5B8150D}"/>
-              </a:ext>
-            </a:extLst>
-          </p:cNvPr>
-          <p:cNvSpPr/>
-          <p:nvPr/>
-        </p:nvSpPr>
-        <p:spPr>
-          <a:xfrm>
-            <a:off x="838200" y="5815310"/>
-            <a:ext cx="9372600" cy="400110"/>
+            <a:off x="952500" y="1549401"/>
+            <a:ext cx="5556122" cy="4684173"/>
           </a:xfrm>
           <a:prstGeom prst="rect">
             <a:avLst/>
           </a:prstGeom>
         </p:spPr>
-        <p:txBody>
-          <a:bodyPr wrap="square">
-            <a:spAutoFit/>
-          </a:bodyPr>
-          <a:lstStyle/>
-          <a:p>
-            <a:r>
-              <a:rPr lang="en-US" sz="2000" dirty="0"/>
-              <a:t>Found at: </a:t>
-            </a:r>
-            <a:r>
-              <a:rPr lang="en-US" sz="2000" dirty="0">
-                <a:hlinkClick r:id="rId2"/>
-              </a:rPr>
-              <a:t>https://www.nltk.org/</a:t>
-            </a:r>
-            <a:endParaRPr lang="en-US" sz="2000" dirty="0"/>
-          </a:p>
-        </p:txBody>
-      </p:sp>
+      </p:pic>
+      <mc:AlternateContent xmlns:mc="http://schemas.openxmlformats.org/markup-compatibility/2006">
+        <mc:Choice xmlns:p14="http://schemas.microsoft.com/office/powerpoint/2010/main" Requires="p14">
+          <p:contentPart p14:bwMode="auto" r:id="rId3">
+            <p14:nvContentPartPr>
+              <p14:cNvPr id="21" name="Ink 20">
+                <a:extLst>
+                  <a:ext uri="{FF2B5EF4-FFF2-40B4-BE49-F238E27FC236}">
+                    <a16:creationId xmlns:a16="http://schemas.microsoft.com/office/drawing/2014/main" id="{A431C900-5821-466C-A263-1AF0E4679E69}"/>
+                  </a:ext>
+                </a:extLst>
+              </p14:cNvPr>
+              <p14:cNvContentPartPr/>
+              <p14:nvPr/>
+            </p14:nvContentPartPr>
+            <p14:xfrm>
+              <a:off x="3676815" y="1952175"/>
+              <a:ext cx="1200240" cy="54720"/>
+            </p14:xfrm>
+          </p:contentPart>
+        </mc:Choice>
+        <mc:Fallback>
+          <p:pic>
+            <p:nvPicPr>
+              <p:cNvPr id="21" name="Ink 20">
+                <a:extLst>
+                  <a:ext uri="{FF2B5EF4-FFF2-40B4-BE49-F238E27FC236}">
+                    <a16:creationId xmlns:a16="http://schemas.microsoft.com/office/drawing/2014/main" id="{A431C900-5821-466C-A263-1AF0E4679E69}"/>
+                  </a:ext>
+                </a:extLst>
+              </p:cNvPr>
+              <p:cNvPicPr/>
+              <p:nvPr/>
+            </p:nvPicPr>
+            <p:blipFill>
+              <a:blip r:embed="rId4"/>
+              <a:stretch>
+                <a:fillRect/>
+              </a:stretch>
+            </p:blipFill>
+            <p:spPr>
+              <a:xfrm>
+                <a:off x="3640815" y="1880175"/>
+                <a:ext cx="1271880" cy="198360"/>
+              </a:xfrm>
+              <a:prstGeom prst="rect">
+                <a:avLst/>
+              </a:prstGeom>
+            </p:spPr>
+          </p:pic>
+        </mc:Fallback>
+      </mc:AlternateContent>
+      <mc:AlternateContent xmlns:mc="http://schemas.openxmlformats.org/markup-compatibility/2006">
+        <mc:Choice xmlns:p14="http://schemas.microsoft.com/office/powerpoint/2010/main" Requires="p14">
+          <p:contentPart p14:bwMode="auto" r:id="rId5">
+            <p14:nvContentPartPr>
+              <p14:cNvPr id="22" name="Ink 21">
+                <a:extLst>
+                  <a:ext uri="{FF2B5EF4-FFF2-40B4-BE49-F238E27FC236}">
+                    <a16:creationId xmlns:a16="http://schemas.microsoft.com/office/drawing/2014/main" id="{B110D761-32DD-4A31-9078-06CDEF628F18}"/>
+                  </a:ext>
+                </a:extLst>
+              </p14:cNvPr>
+              <p14:cNvContentPartPr/>
+              <p14:nvPr/>
+            </p14:nvContentPartPr>
+            <p14:xfrm>
+              <a:off x="1000215" y="1933095"/>
+              <a:ext cx="1200240" cy="17280"/>
+            </p14:xfrm>
+          </p:contentPart>
+        </mc:Choice>
+        <mc:Fallback>
+          <p:pic>
+            <p:nvPicPr>
+              <p:cNvPr id="22" name="Ink 21">
+                <a:extLst>
+                  <a:ext uri="{FF2B5EF4-FFF2-40B4-BE49-F238E27FC236}">
+                    <a16:creationId xmlns:a16="http://schemas.microsoft.com/office/drawing/2014/main" id="{B110D761-32DD-4A31-9078-06CDEF628F18}"/>
+                  </a:ext>
+                </a:extLst>
+              </p:cNvPr>
+              <p:cNvPicPr/>
+              <p:nvPr/>
+            </p:nvPicPr>
+            <p:blipFill>
+              <a:blip r:embed="rId6"/>
+              <a:stretch>
+                <a:fillRect/>
+              </a:stretch>
+            </p:blipFill>
+            <p:spPr>
+              <a:xfrm>
+                <a:off x="964215" y="1861095"/>
+                <a:ext cx="1271880" cy="160920"/>
+              </a:xfrm>
+              <a:prstGeom prst="rect">
+                <a:avLst/>
+              </a:prstGeom>
+            </p:spPr>
+          </p:pic>
+        </mc:Fallback>
+      </mc:AlternateContent>
+      <mc:AlternateContent xmlns:mc="http://schemas.openxmlformats.org/markup-compatibility/2006">
+        <mc:Choice xmlns:p14="http://schemas.microsoft.com/office/powerpoint/2010/main" Requires="p14">
+          <p:contentPart p14:bwMode="auto" r:id="rId7">
+            <p14:nvContentPartPr>
+              <p14:cNvPr id="23" name="Ink 22">
+                <a:extLst>
+                  <a:ext uri="{FF2B5EF4-FFF2-40B4-BE49-F238E27FC236}">
+                    <a16:creationId xmlns:a16="http://schemas.microsoft.com/office/drawing/2014/main" id="{B2BCEC2B-CA9E-4A25-A2C8-0EEFFDC3951D}"/>
+                  </a:ext>
+                </a:extLst>
+              </p14:cNvPr>
+              <p14:cNvContentPartPr/>
+              <p14:nvPr/>
+            </p14:nvContentPartPr>
+            <p14:xfrm>
+              <a:off x="3657735" y="2686215"/>
+              <a:ext cx="2152800" cy="79560"/>
+            </p14:xfrm>
+          </p:contentPart>
+        </mc:Choice>
+        <mc:Fallback>
+          <p:pic>
+            <p:nvPicPr>
+              <p:cNvPr id="23" name="Ink 22">
+                <a:extLst>
+                  <a:ext uri="{FF2B5EF4-FFF2-40B4-BE49-F238E27FC236}">
+                    <a16:creationId xmlns:a16="http://schemas.microsoft.com/office/drawing/2014/main" id="{B2BCEC2B-CA9E-4A25-A2C8-0EEFFDC3951D}"/>
+                  </a:ext>
+                </a:extLst>
+              </p:cNvPr>
+              <p:cNvPicPr/>
+              <p:nvPr/>
+            </p:nvPicPr>
+            <p:blipFill>
+              <a:blip r:embed="rId8"/>
+              <a:stretch>
+                <a:fillRect/>
+              </a:stretch>
+            </p:blipFill>
+            <p:spPr>
+              <a:xfrm>
+                <a:off x="3621735" y="2614215"/>
+                <a:ext cx="2224440" cy="223200"/>
+              </a:xfrm>
+              <a:prstGeom prst="rect">
+                <a:avLst/>
+              </a:prstGeom>
+            </p:spPr>
+          </p:pic>
+        </mc:Fallback>
+      </mc:AlternateContent>
+      <mc:AlternateContent xmlns:mc="http://schemas.openxmlformats.org/markup-compatibility/2006">
+        <mc:Choice xmlns:p14="http://schemas.microsoft.com/office/powerpoint/2010/main" Requires="p14">
+          <p:contentPart p14:bwMode="auto" r:id="rId9">
+            <p14:nvContentPartPr>
+              <p14:cNvPr id="24" name="Ink 23">
+                <a:extLst>
+                  <a:ext uri="{FF2B5EF4-FFF2-40B4-BE49-F238E27FC236}">
+                    <a16:creationId xmlns:a16="http://schemas.microsoft.com/office/drawing/2014/main" id="{76BBACDD-68FB-4B8D-9B9E-03B748C48967}"/>
+                  </a:ext>
+                </a:extLst>
+              </p14:cNvPr>
+              <p14:cNvContentPartPr/>
+              <p14:nvPr/>
+            </p14:nvContentPartPr>
+            <p14:xfrm>
+              <a:off x="962055" y="2669655"/>
+              <a:ext cx="2391120" cy="65520"/>
+            </p14:xfrm>
+          </p:contentPart>
+        </mc:Choice>
+        <mc:Fallback>
+          <p:pic>
+            <p:nvPicPr>
+              <p:cNvPr id="24" name="Ink 23">
+                <a:extLst>
+                  <a:ext uri="{FF2B5EF4-FFF2-40B4-BE49-F238E27FC236}">
+                    <a16:creationId xmlns:a16="http://schemas.microsoft.com/office/drawing/2014/main" id="{76BBACDD-68FB-4B8D-9B9E-03B748C48967}"/>
+                  </a:ext>
+                </a:extLst>
+              </p:cNvPr>
+              <p:cNvPicPr/>
+              <p:nvPr/>
+            </p:nvPicPr>
+            <p:blipFill>
+              <a:blip r:embed="rId10"/>
+              <a:stretch>
+                <a:fillRect/>
+              </a:stretch>
+            </p:blipFill>
+            <p:spPr>
+              <a:xfrm>
+                <a:off x="926055" y="2597655"/>
+                <a:ext cx="2462760" cy="209160"/>
+              </a:xfrm>
+              <a:prstGeom prst="rect">
+                <a:avLst/>
+              </a:prstGeom>
+            </p:spPr>
+          </p:pic>
+        </mc:Fallback>
+      </mc:AlternateContent>
+      <mc:AlternateContent xmlns:mc="http://schemas.openxmlformats.org/markup-compatibility/2006">
+        <mc:Choice xmlns:p14="http://schemas.microsoft.com/office/powerpoint/2010/main" Requires="p14">
+          <p:contentPart p14:bwMode="auto" r:id="rId11">
+            <p14:nvContentPartPr>
+              <p14:cNvPr id="25" name="Ink 24">
+                <a:extLst>
+                  <a:ext uri="{FF2B5EF4-FFF2-40B4-BE49-F238E27FC236}">
+                    <a16:creationId xmlns:a16="http://schemas.microsoft.com/office/drawing/2014/main" id="{245A2209-30C7-4C85-9F1F-05A850B40769}"/>
+                  </a:ext>
+                </a:extLst>
+              </p14:cNvPr>
+              <p14:cNvContentPartPr/>
+              <p14:nvPr/>
+            </p14:nvContentPartPr>
+            <p14:xfrm>
+              <a:off x="3352815" y="2733735"/>
+              <a:ext cx="360" cy="360"/>
+            </p14:xfrm>
+          </p:contentPart>
+        </mc:Choice>
+        <mc:Fallback>
+          <p:pic>
+            <p:nvPicPr>
+              <p:cNvPr id="25" name="Ink 24">
+                <a:extLst>
+                  <a:ext uri="{FF2B5EF4-FFF2-40B4-BE49-F238E27FC236}">
+                    <a16:creationId xmlns:a16="http://schemas.microsoft.com/office/drawing/2014/main" id="{245A2209-30C7-4C85-9F1F-05A850B40769}"/>
+                  </a:ext>
+                </a:extLst>
+              </p:cNvPr>
+              <p:cNvPicPr/>
+              <p:nvPr/>
+            </p:nvPicPr>
+            <p:blipFill>
+              <a:blip r:embed="rId12"/>
+              <a:stretch>
+                <a:fillRect/>
+              </a:stretch>
+            </p:blipFill>
+            <p:spPr>
+              <a:xfrm>
+                <a:off x="3316815" y="2661735"/>
+                <a:ext cx="72000" cy="144000"/>
+              </a:xfrm>
+              <a:prstGeom prst="rect">
+                <a:avLst/>
+              </a:prstGeom>
+            </p:spPr>
+          </p:pic>
+        </mc:Fallback>
+      </mc:AlternateContent>
+      <mc:AlternateContent xmlns:mc="http://schemas.openxmlformats.org/markup-compatibility/2006">
+        <mc:Choice xmlns:p14="http://schemas.microsoft.com/office/powerpoint/2010/main" Requires="p14">
+          <p:contentPart p14:bwMode="auto" r:id="rId13">
+            <p14:nvContentPartPr>
+              <p14:cNvPr id="26" name="Ink 25">
+                <a:extLst>
+                  <a:ext uri="{FF2B5EF4-FFF2-40B4-BE49-F238E27FC236}">
+                    <a16:creationId xmlns:a16="http://schemas.microsoft.com/office/drawing/2014/main" id="{32FB248F-6647-4C6E-89A0-4441EA1574E2}"/>
+                  </a:ext>
+                </a:extLst>
+              </p14:cNvPr>
+              <p14:cNvContentPartPr/>
+              <p14:nvPr/>
+            </p14:nvContentPartPr>
+            <p14:xfrm>
+              <a:off x="1000215" y="3227655"/>
+              <a:ext cx="1981440" cy="49320"/>
+            </p14:xfrm>
+          </p:contentPart>
+        </mc:Choice>
+        <mc:Fallback>
+          <p:pic>
+            <p:nvPicPr>
+              <p:cNvPr id="26" name="Ink 25">
+                <a:extLst>
+                  <a:ext uri="{FF2B5EF4-FFF2-40B4-BE49-F238E27FC236}">
+                    <a16:creationId xmlns:a16="http://schemas.microsoft.com/office/drawing/2014/main" id="{32FB248F-6647-4C6E-89A0-4441EA1574E2}"/>
+                  </a:ext>
+                </a:extLst>
+              </p:cNvPr>
+              <p:cNvPicPr/>
+              <p:nvPr/>
+            </p:nvPicPr>
+            <p:blipFill>
+              <a:blip r:embed="rId14"/>
+              <a:stretch>
+                <a:fillRect/>
+              </a:stretch>
+            </p:blipFill>
+            <p:spPr>
+              <a:xfrm>
+                <a:off x="964215" y="3155655"/>
+                <a:ext cx="2053080" cy="192960"/>
+              </a:xfrm>
+              <a:prstGeom prst="rect">
+                <a:avLst/>
+              </a:prstGeom>
+            </p:spPr>
+          </p:pic>
+        </mc:Fallback>
+      </mc:AlternateContent>
+      <mc:AlternateContent xmlns:mc="http://schemas.openxmlformats.org/markup-compatibility/2006">
+        <mc:Choice xmlns:p14="http://schemas.microsoft.com/office/powerpoint/2010/main" Requires="p14">
+          <p:contentPart p14:bwMode="auto" r:id="rId15">
+            <p14:nvContentPartPr>
+              <p14:cNvPr id="27" name="Ink 26">
+                <a:extLst>
+                  <a:ext uri="{FF2B5EF4-FFF2-40B4-BE49-F238E27FC236}">
+                    <a16:creationId xmlns:a16="http://schemas.microsoft.com/office/drawing/2014/main" id="{488A23B6-3971-4C69-8BEF-002CAECE55BC}"/>
+                  </a:ext>
+                </a:extLst>
+              </p14:cNvPr>
+              <p14:cNvContentPartPr/>
+              <p14:nvPr/>
+            </p14:nvContentPartPr>
+            <p14:xfrm>
+              <a:off x="1000215" y="3741015"/>
+              <a:ext cx="1381320" cy="50400"/>
+            </p14:xfrm>
+          </p:contentPart>
+        </mc:Choice>
+        <mc:Fallback>
+          <p:pic>
+            <p:nvPicPr>
+              <p:cNvPr id="27" name="Ink 26">
+                <a:extLst>
+                  <a:ext uri="{FF2B5EF4-FFF2-40B4-BE49-F238E27FC236}">
+                    <a16:creationId xmlns:a16="http://schemas.microsoft.com/office/drawing/2014/main" id="{488A23B6-3971-4C69-8BEF-002CAECE55BC}"/>
+                  </a:ext>
+                </a:extLst>
+              </p:cNvPr>
+              <p:cNvPicPr/>
+              <p:nvPr/>
+            </p:nvPicPr>
+            <p:blipFill>
+              <a:blip r:embed="rId16"/>
+              <a:stretch>
+                <a:fillRect/>
+              </a:stretch>
+            </p:blipFill>
+            <p:spPr>
+              <a:xfrm>
+                <a:off x="964215" y="3669015"/>
+                <a:ext cx="1452960" cy="194040"/>
+              </a:xfrm>
+              <a:prstGeom prst="rect">
+                <a:avLst/>
+              </a:prstGeom>
+            </p:spPr>
+          </p:pic>
+        </mc:Fallback>
+      </mc:AlternateContent>
+      <mc:AlternateContent xmlns:mc="http://schemas.openxmlformats.org/markup-compatibility/2006">
+        <mc:Choice xmlns:p14="http://schemas.microsoft.com/office/powerpoint/2010/main" Requires="p14">
+          <p:contentPart p14:bwMode="auto" r:id="rId17">
+            <p14:nvContentPartPr>
+              <p14:cNvPr id="28" name="Ink 27">
+                <a:extLst>
+                  <a:ext uri="{FF2B5EF4-FFF2-40B4-BE49-F238E27FC236}">
+                    <a16:creationId xmlns:a16="http://schemas.microsoft.com/office/drawing/2014/main" id="{80B28F72-3915-4D42-84E2-BF69F7229B41}"/>
+                  </a:ext>
+                </a:extLst>
+              </p14:cNvPr>
+              <p14:cNvContentPartPr/>
+              <p14:nvPr/>
+            </p14:nvContentPartPr>
+            <p14:xfrm>
+              <a:off x="3638655" y="3210015"/>
+              <a:ext cx="1848240" cy="66960"/>
+            </p14:xfrm>
+          </p:contentPart>
+        </mc:Choice>
+        <mc:Fallback>
+          <p:pic>
+            <p:nvPicPr>
+              <p:cNvPr id="28" name="Ink 27">
+                <a:extLst>
+                  <a:ext uri="{FF2B5EF4-FFF2-40B4-BE49-F238E27FC236}">
+                    <a16:creationId xmlns:a16="http://schemas.microsoft.com/office/drawing/2014/main" id="{80B28F72-3915-4D42-84E2-BF69F7229B41}"/>
+                  </a:ext>
+                </a:extLst>
+              </p:cNvPr>
+              <p:cNvPicPr/>
+              <p:nvPr/>
+            </p:nvPicPr>
+            <p:blipFill>
+              <a:blip r:embed="rId18"/>
+              <a:stretch>
+                <a:fillRect/>
+              </a:stretch>
+            </p:blipFill>
+            <p:spPr>
+              <a:xfrm>
+                <a:off x="3602655" y="3138015"/>
+                <a:ext cx="1919880" cy="210600"/>
+              </a:xfrm>
+              <a:prstGeom prst="rect">
+                <a:avLst/>
+              </a:prstGeom>
+            </p:spPr>
+          </p:pic>
+        </mc:Fallback>
+      </mc:AlternateContent>
+      <mc:AlternateContent xmlns:mc="http://schemas.openxmlformats.org/markup-compatibility/2006">
+        <mc:Choice xmlns:p14="http://schemas.microsoft.com/office/powerpoint/2010/main" Requires="p14">
+          <p:contentPart p14:bwMode="auto" r:id="rId19">
+            <p14:nvContentPartPr>
+              <p14:cNvPr id="29" name="Ink 28">
+                <a:extLst>
+                  <a:ext uri="{FF2B5EF4-FFF2-40B4-BE49-F238E27FC236}">
+                    <a16:creationId xmlns:a16="http://schemas.microsoft.com/office/drawing/2014/main" id="{719FF979-039A-48B9-9AD2-B244906A8066}"/>
+                  </a:ext>
+                </a:extLst>
+              </p14:cNvPr>
+              <p14:cNvContentPartPr/>
+              <p14:nvPr/>
+            </p14:nvContentPartPr>
+            <p14:xfrm>
+              <a:off x="3686175" y="3721215"/>
+              <a:ext cx="1657800" cy="79560"/>
+            </p14:xfrm>
+          </p:contentPart>
+        </mc:Choice>
+        <mc:Fallback>
+          <p:pic>
+            <p:nvPicPr>
+              <p:cNvPr id="29" name="Ink 28">
+                <a:extLst>
+                  <a:ext uri="{FF2B5EF4-FFF2-40B4-BE49-F238E27FC236}">
+                    <a16:creationId xmlns:a16="http://schemas.microsoft.com/office/drawing/2014/main" id="{719FF979-039A-48B9-9AD2-B244906A8066}"/>
+                  </a:ext>
+                </a:extLst>
+              </p:cNvPr>
+              <p:cNvPicPr/>
+              <p:nvPr/>
+            </p:nvPicPr>
+            <p:blipFill>
+              <a:blip r:embed="rId20"/>
+              <a:stretch>
+                <a:fillRect/>
+              </a:stretch>
+            </p:blipFill>
+            <p:spPr>
+              <a:xfrm>
+                <a:off x="3650175" y="3649215"/>
+                <a:ext cx="1729440" cy="223200"/>
+              </a:xfrm>
+              <a:prstGeom prst="rect">
+                <a:avLst/>
+              </a:prstGeom>
+            </p:spPr>
+          </p:pic>
+        </mc:Fallback>
+      </mc:AlternateContent>
+      <mc:AlternateContent xmlns:mc="http://schemas.openxmlformats.org/markup-compatibility/2006">
+        <mc:Choice xmlns:p14="http://schemas.microsoft.com/office/powerpoint/2010/main" Requires="p14">
+          <p:contentPart p14:bwMode="auto" r:id="rId21">
+            <p14:nvContentPartPr>
+              <p14:cNvPr id="30" name="Ink 29">
+                <a:extLst>
+                  <a:ext uri="{FF2B5EF4-FFF2-40B4-BE49-F238E27FC236}">
+                    <a16:creationId xmlns:a16="http://schemas.microsoft.com/office/drawing/2014/main" id="{2EBA8FAF-FA53-4EF2-9F22-0197A9D4AAF4}"/>
+                  </a:ext>
+                </a:extLst>
+              </p14:cNvPr>
+              <p14:cNvContentPartPr/>
+              <p14:nvPr/>
+            </p14:nvContentPartPr>
+            <p14:xfrm>
+              <a:off x="3705255" y="4505295"/>
+              <a:ext cx="1733760" cy="38880"/>
+            </p14:xfrm>
+          </p:contentPart>
+        </mc:Choice>
+        <mc:Fallback>
+          <p:pic>
+            <p:nvPicPr>
+              <p:cNvPr id="30" name="Ink 29">
+                <a:extLst>
+                  <a:ext uri="{FF2B5EF4-FFF2-40B4-BE49-F238E27FC236}">
+                    <a16:creationId xmlns:a16="http://schemas.microsoft.com/office/drawing/2014/main" id="{2EBA8FAF-FA53-4EF2-9F22-0197A9D4AAF4}"/>
+                  </a:ext>
+                </a:extLst>
+              </p:cNvPr>
+              <p:cNvPicPr/>
+              <p:nvPr/>
+            </p:nvPicPr>
+            <p:blipFill>
+              <a:blip r:embed="rId22"/>
+              <a:stretch>
+                <a:fillRect/>
+              </a:stretch>
+            </p:blipFill>
+            <p:spPr>
+              <a:xfrm>
+                <a:off x="3669255" y="4433295"/>
+                <a:ext cx="1805400" cy="182520"/>
+              </a:xfrm>
+              <a:prstGeom prst="rect">
+                <a:avLst/>
+              </a:prstGeom>
+            </p:spPr>
+          </p:pic>
+        </mc:Fallback>
+      </mc:AlternateContent>
+      <mc:AlternateContent xmlns:mc="http://schemas.openxmlformats.org/markup-compatibility/2006">
+        <mc:Choice xmlns:p14="http://schemas.microsoft.com/office/powerpoint/2010/main" Requires="p14">
+          <p:contentPart p14:bwMode="auto" r:id="rId23">
+            <p14:nvContentPartPr>
+              <p14:cNvPr id="31" name="Ink 30">
+                <a:extLst>
+                  <a:ext uri="{FF2B5EF4-FFF2-40B4-BE49-F238E27FC236}">
+                    <a16:creationId xmlns:a16="http://schemas.microsoft.com/office/drawing/2014/main" id="{634C7355-F8E8-4B4A-8855-05C3478B0B78}"/>
+                  </a:ext>
+                </a:extLst>
+              </p14:cNvPr>
+              <p14:cNvContentPartPr/>
+              <p14:nvPr/>
+            </p14:nvContentPartPr>
+            <p14:xfrm>
+              <a:off x="3705255" y="4759815"/>
+              <a:ext cx="1248120" cy="50760"/>
+            </p14:xfrm>
+          </p:contentPart>
+        </mc:Choice>
+        <mc:Fallback>
+          <p:pic>
+            <p:nvPicPr>
+              <p:cNvPr id="31" name="Ink 30">
+                <a:extLst>
+                  <a:ext uri="{FF2B5EF4-FFF2-40B4-BE49-F238E27FC236}">
+                    <a16:creationId xmlns:a16="http://schemas.microsoft.com/office/drawing/2014/main" id="{634C7355-F8E8-4B4A-8855-05C3478B0B78}"/>
+                  </a:ext>
+                </a:extLst>
+              </p:cNvPr>
+              <p:cNvPicPr/>
+              <p:nvPr/>
+            </p:nvPicPr>
+            <p:blipFill>
+              <a:blip r:embed="rId24"/>
+              <a:stretch>
+                <a:fillRect/>
+              </a:stretch>
+            </p:blipFill>
+            <p:spPr>
+              <a:xfrm>
+                <a:off x="3669255" y="4687815"/>
+                <a:ext cx="1319760" cy="194400"/>
+              </a:xfrm>
+              <a:prstGeom prst="rect">
+                <a:avLst/>
+              </a:prstGeom>
+            </p:spPr>
+          </p:pic>
+        </mc:Fallback>
+      </mc:AlternateContent>
+      <mc:AlternateContent xmlns:mc="http://schemas.openxmlformats.org/markup-compatibility/2006">
+        <mc:Choice xmlns:p14="http://schemas.microsoft.com/office/powerpoint/2010/main" Requires="p14">
+          <p:contentPart p14:bwMode="auto" r:id="rId25">
+            <p14:nvContentPartPr>
+              <p14:cNvPr id="32" name="Ink 31">
+                <a:extLst>
+                  <a:ext uri="{FF2B5EF4-FFF2-40B4-BE49-F238E27FC236}">
+                    <a16:creationId xmlns:a16="http://schemas.microsoft.com/office/drawing/2014/main" id="{D18F5339-2E04-438E-8052-DD5D3542F159}"/>
+                  </a:ext>
+                </a:extLst>
+              </p14:cNvPr>
+              <p14:cNvContentPartPr/>
+              <p14:nvPr/>
+            </p14:nvContentPartPr>
+            <p14:xfrm>
+              <a:off x="1038375" y="4486215"/>
+              <a:ext cx="2009880" cy="32040"/>
+            </p14:xfrm>
+          </p:contentPart>
+        </mc:Choice>
+        <mc:Fallback>
+          <p:pic>
+            <p:nvPicPr>
+              <p:cNvPr id="32" name="Ink 31">
+                <a:extLst>
+                  <a:ext uri="{FF2B5EF4-FFF2-40B4-BE49-F238E27FC236}">
+                    <a16:creationId xmlns:a16="http://schemas.microsoft.com/office/drawing/2014/main" id="{D18F5339-2E04-438E-8052-DD5D3542F159}"/>
+                  </a:ext>
+                </a:extLst>
+              </p:cNvPr>
+              <p:cNvPicPr/>
+              <p:nvPr/>
+            </p:nvPicPr>
+            <p:blipFill>
+              <a:blip r:embed="rId26"/>
+              <a:stretch>
+                <a:fillRect/>
+              </a:stretch>
+            </p:blipFill>
+            <p:spPr>
+              <a:xfrm>
+                <a:off x="1002375" y="4414215"/>
+                <a:ext cx="2081520" cy="175680"/>
+              </a:xfrm>
+              <a:prstGeom prst="rect">
+                <a:avLst/>
+              </a:prstGeom>
+            </p:spPr>
+          </p:pic>
+        </mc:Fallback>
+      </mc:AlternateContent>
+      <mc:AlternateContent xmlns:mc="http://schemas.openxmlformats.org/markup-compatibility/2006">
+        <mc:Choice xmlns:p14="http://schemas.microsoft.com/office/powerpoint/2010/main" Requires="p14">
+          <p:contentPart p14:bwMode="auto" r:id="rId27">
+            <p14:nvContentPartPr>
+              <p14:cNvPr id="33" name="Ink 32">
+                <a:extLst>
+                  <a:ext uri="{FF2B5EF4-FFF2-40B4-BE49-F238E27FC236}">
+                    <a16:creationId xmlns:a16="http://schemas.microsoft.com/office/drawing/2014/main" id="{20F0FFDE-55E6-4674-A084-7DF2F599D08F}"/>
+                  </a:ext>
+                </a:extLst>
+              </p14:cNvPr>
+              <p14:cNvContentPartPr/>
+              <p14:nvPr/>
+            </p14:nvContentPartPr>
+            <p14:xfrm>
+              <a:off x="1066815" y="4816335"/>
+              <a:ext cx="1457640" cy="60840"/>
+            </p14:xfrm>
+          </p:contentPart>
+        </mc:Choice>
+        <mc:Fallback>
+          <p:pic>
+            <p:nvPicPr>
+              <p:cNvPr id="33" name="Ink 32">
+                <a:extLst>
+                  <a:ext uri="{FF2B5EF4-FFF2-40B4-BE49-F238E27FC236}">
+                    <a16:creationId xmlns:a16="http://schemas.microsoft.com/office/drawing/2014/main" id="{20F0FFDE-55E6-4674-A084-7DF2F599D08F}"/>
+                  </a:ext>
+                </a:extLst>
+              </p:cNvPr>
+              <p:cNvPicPr/>
+              <p:nvPr/>
+            </p:nvPicPr>
+            <p:blipFill>
+              <a:blip r:embed="rId28"/>
+              <a:stretch>
+                <a:fillRect/>
+              </a:stretch>
+            </p:blipFill>
+            <p:spPr>
+              <a:xfrm>
+                <a:off x="1030815" y="4744335"/>
+                <a:ext cx="1529280" cy="204480"/>
+              </a:xfrm>
+              <a:prstGeom prst="rect">
+                <a:avLst/>
+              </a:prstGeom>
+            </p:spPr>
+          </p:pic>
+        </mc:Fallback>
+      </mc:AlternateContent>
+      <mc:AlternateContent xmlns:mc="http://schemas.openxmlformats.org/markup-compatibility/2006">
+        <mc:Choice xmlns:p14="http://schemas.microsoft.com/office/powerpoint/2010/main" Requires="p14">
+          <p:contentPart p14:bwMode="auto" r:id="rId29">
+            <p14:nvContentPartPr>
+              <p14:cNvPr id="34" name="Ink 33">
+                <a:extLst>
+                  <a:ext uri="{FF2B5EF4-FFF2-40B4-BE49-F238E27FC236}">
+                    <a16:creationId xmlns:a16="http://schemas.microsoft.com/office/drawing/2014/main" id="{9153C0E9-A723-4974-865A-43D61EE21C44}"/>
+                  </a:ext>
+                </a:extLst>
+              </p14:cNvPr>
+              <p14:cNvContentPartPr/>
+              <p14:nvPr/>
+            </p14:nvContentPartPr>
+            <p14:xfrm>
+              <a:off x="1028655" y="5256615"/>
+              <a:ext cx="1800720" cy="70560"/>
+            </p14:xfrm>
+          </p:contentPart>
+        </mc:Choice>
+        <mc:Fallback>
+          <p:pic>
+            <p:nvPicPr>
+              <p:cNvPr id="34" name="Ink 33">
+                <a:extLst>
+                  <a:ext uri="{FF2B5EF4-FFF2-40B4-BE49-F238E27FC236}">
+                    <a16:creationId xmlns:a16="http://schemas.microsoft.com/office/drawing/2014/main" id="{9153C0E9-A723-4974-865A-43D61EE21C44}"/>
+                  </a:ext>
+                </a:extLst>
+              </p:cNvPr>
+              <p:cNvPicPr/>
+              <p:nvPr/>
+            </p:nvPicPr>
+            <p:blipFill>
+              <a:blip r:embed="rId30"/>
+              <a:stretch>
+                <a:fillRect/>
+              </a:stretch>
+            </p:blipFill>
+            <p:spPr>
+              <a:xfrm>
+                <a:off x="992655" y="5184615"/>
+                <a:ext cx="1872360" cy="214200"/>
+              </a:xfrm>
+              <a:prstGeom prst="rect">
+                <a:avLst/>
+              </a:prstGeom>
+            </p:spPr>
+          </p:pic>
+        </mc:Fallback>
+      </mc:AlternateContent>
+      <mc:AlternateContent xmlns:mc="http://schemas.openxmlformats.org/markup-compatibility/2006">
+        <mc:Choice xmlns:p14="http://schemas.microsoft.com/office/powerpoint/2010/main" Requires="p14">
+          <p:contentPart p14:bwMode="auto" r:id="rId31">
+            <p14:nvContentPartPr>
+              <p14:cNvPr id="35" name="Ink 34">
+                <a:extLst>
+                  <a:ext uri="{FF2B5EF4-FFF2-40B4-BE49-F238E27FC236}">
+                    <a16:creationId xmlns:a16="http://schemas.microsoft.com/office/drawing/2014/main" id="{2345D05F-C265-4306-B95D-831A34295B06}"/>
+                  </a:ext>
+                </a:extLst>
+              </p14:cNvPr>
+              <p14:cNvContentPartPr/>
+              <p14:nvPr/>
+            </p14:nvContentPartPr>
+            <p14:xfrm>
+              <a:off x="3676815" y="5339415"/>
+              <a:ext cx="2895840" cy="45000"/>
+            </p14:xfrm>
+          </p:contentPart>
+        </mc:Choice>
+        <mc:Fallback>
+          <p:pic>
+            <p:nvPicPr>
+              <p:cNvPr id="35" name="Ink 34">
+                <a:extLst>
+                  <a:ext uri="{FF2B5EF4-FFF2-40B4-BE49-F238E27FC236}">
+                    <a16:creationId xmlns:a16="http://schemas.microsoft.com/office/drawing/2014/main" id="{2345D05F-C265-4306-B95D-831A34295B06}"/>
+                  </a:ext>
+                </a:extLst>
+              </p:cNvPr>
+              <p:cNvPicPr/>
+              <p:nvPr/>
+            </p:nvPicPr>
+            <p:blipFill>
+              <a:blip r:embed="rId32"/>
+              <a:stretch>
+                <a:fillRect/>
+              </a:stretch>
+            </p:blipFill>
+            <p:spPr>
+              <a:xfrm>
+                <a:off x="3640815" y="5267415"/>
+                <a:ext cx="2967480" cy="188640"/>
+              </a:xfrm>
+              <a:prstGeom prst="rect">
+                <a:avLst/>
+              </a:prstGeom>
+            </p:spPr>
+          </p:pic>
+        </mc:Fallback>
+      </mc:AlternateContent>
     </p:spTree>
     <p:extLst>
       <p:ext uri="{BB962C8B-B14F-4D97-AF65-F5344CB8AC3E}">
-        <p14:creationId xmlns:p14="http://schemas.microsoft.com/office/powerpoint/2010/main" val="1922903501"/>
+        <p14:creationId xmlns:p14="http://schemas.microsoft.com/office/powerpoint/2010/main" val="3251917563"/>
       </p:ext>
     </p:extLst>
   </p:cSld>
@@ -9692,7 +11466,7 @@
           <p:cNvPr id="2" name="Title 1">
             <a:extLst>
               <a:ext uri="{FF2B5EF4-FFF2-40B4-BE49-F238E27FC236}">
-                <a16:creationId xmlns:a16="http://schemas.microsoft.com/office/drawing/2014/main" id="{1C589D3C-6588-4315-BF19-4F7AEFAF43B5}"/>
+                <a16:creationId xmlns:a16="http://schemas.microsoft.com/office/drawing/2014/main" id="{F9D17843-C4CB-49B4-A702-74E033CD3659}"/>
               </a:ext>
             </a:extLst>
           </p:cNvPr>
@@ -9720,7 +11494,7 @@
           <p:cNvPr id="3" name="Content Placeholder 2">
             <a:extLst>
               <a:ext uri="{FF2B5EF4-FFF2-40B4-BE49-F238E27FC236}">
-                <a16:creationId xmlns:a16="http://schemas.microsoft.com/office/drawing/2014/main" id="{2119F2FE-CE3A-4142-B002-84A7C1F25B01}"/>
+                <a16:creationId xmlns:a16="http://schemas.microsoft.com/office/drawing/2014/main" id="{B480D581-31F8-4601-B7E0-518B13E36D0A}"/>
               </a:ext>
             </a:extLst>
           </p:cNvPr>
@@ -9733,47 +11507,63 @@
         </p:nvSpPr>
         <p:spPr>
           <a:xfrm>
-            <a:off x="838200" y="2117725"/>
+            <a:off x="838200" y="1914525"/>
             <a:ext cx="10515600" cy="4351338"/>
           </a:xfrm>
         </p:spPr>
         <p:txBody>
-          <a:bodyPr/>
+          <a:bodyPr>
+            <a:normAutofit/>
+          </a:bodyPr>
           <a:lstStyle/>
           <a:p>
             <a:r>
               <a:rPr lang="en-US" sz="3200" dirty="0"/>
-              <a:t>NLTK is not perfect, ~95% accuracy</a:t>
-            </a:r>
-          </a:p>
-          <a:p>
-            <a:r>
-              <a:rPr lang="en-US" sz="3200" dirty="0"/>
-              <a:t>First, remove “verbs” that appear in the terms</a:t>
-            </a:r>
-          </a:p>
-          <a:p>
-            <a:r>
-              <a:rPr lang="en-US" sz="3200" dirty="0"/>
-              <a:t>Second, check results with Princeton’s WordNet lexicon</a:t>
+              <a:t>Use the part-of-speech tagger in the Natural Language Toolkit (NLTK) library to identify verbs</a:t>
             </a:r>
           </a:p>
           <a:p>
             <a:pPr lvl="1"/>
             <a:r>
               <a:rPr lang="en-US" sz="2800" dirty="0"/>
-              <a:t>Removes words that are incorrectly classified as verbs</a:t>
+              <a:t>The model is trained by machine learning</a:t>
             </a:r>
           </a:p>
           <a:p>
             <a:pPr lvl="1"/>
             <a:r>
               <a:rPr lang="en-US" sz="2800" dirty="0"/>
-              <a:t>E.g. symbols, molecule names</a:t>
-            </a:r>
-          </a:p>
-          <a:p>
-            <a:endParaRPr lang="en-US" dirty="0"/>
+              <a:t>It can isolate the sense of a word</a:t>
+            </a:r>
+          </a:p>
+          <a:p>
+            <a:pPr lvl="1"/>
+            <a:r>
+              <a:rPr lang="en-US" sz="2800" dirty="0"/>
+              <a:t>E.g. “I wrote the report.” ⇨ “report” </a:t>
+            </a:r>
+            <a:r>
+              <a:rPr lang="en-US" sz="2800" i="1" dirty="0"/>
+              <a:t>noun</a:t>
+            </a:r>
+            <a:endParaRPr lang="en-US" sz="2800" dirty="0"/>
+          </a:p>
+          <a:p>
+            <a:pPr marL="457200" lvl="1" indent="0">
+              <a:buNone/>
+            </a:pPr>
+            <a:r>
+              <a:rPr lang="en-US" sz="2800" dirty="0"/>
+              <a:t>	     “I report the news” ⇨ “report” </a:t>
+            </a:r>
+            <a:r>
+              <a:rPr lang="en-US" sz="2800" i="1" dirty="0"/>
+              <a:t>verb</a:t>
+            </a:r>
+            <a:endParaRPr lang="en-US" sz="2800" dirty="0"/>
+          </a:p>
+          <a:p>
+            <a:endParaRPr lang="en-US" sz="3200" dirty="0"/>
           </a:p>
         </p:txBody>
       </p:sp>
@@ -9782,7 +11572,7 @@
           <p:cNvPr id="4" name="Rectangle 3">
             <a:extLst>
               <a:ext uri="{FF2B5EF4-FFF2-40B4-BE49-F238E27FC236}">
-                <a16:creationId xmlns:a16="http://schemas.microsoft.com/office/drawing/2014/main" id="{65019A60-7607-46C4-903B-17175623A3A9}"/>
+                <a16:creationId xmlns:a16="http://schemas.microsoft.com/office/drawing/2014/main" id="{5A0A6F5E-812E-462E-9DC0-70FCA5B8150D}"/>
               </a:ext>
             </a:extLst>
           </p:cNvPr>
@@ -9812,7 +11602,7 @@
               <a:rPr lang="en-US" sz="2000" dirty="0">
                 <a:hlinkClick r:id="rId2"/>
               </a:rPr>
-              <a:t>https://wordnet.princeton.edu/</a:t>
+              <a:t>https://www.nltk.org/</a:t>
             </a:r>
             <a:endParaRPr lang="en-US" sz="2000" dirty="0"/>
           </a:p>
@@ -9821,7 +11611,7 @@
     </p:spTree>
     <p:extLst>
       <p:ext uri="{BB962C8B-B14F-4D97-AF65-F5344CB8AC3E}">
-        <p14:creationId xmlns:p14="http://schemas.microsoft.com/office/powerpoint/2010/main" val="564136782"/>
+        <p14:creationId xmlns:p14="http://schemas.microsoft.com/office/powerpoint/2010/main" val="1922903501"/>
       </p:ext>
     </p:extLst>
   </p:cSld>
@@ -9853,7 +11643,7 @@
           <p:cNvPr id="2" name="Title 1">
             <a:extLst>
               <a:ext uri="{FF2B5EF4-FFF2-40B4-BE49-F238E27FC236}">
-                <a16:creationId xmlns:a16="http://schemas.microsoft.com/office/drawing/2014/main" id="{FAD205C3-B970-4611-AD20-AC5BBE88BE6D}"/>
+                <a16:creationId xmlns:a16="http://schemas.microsoft.com/office/drawing/2014/main" id="{1C589D3C-6588-4315-BF19-4F7AEFAF43B5}"/>
               </a:ext>
             </a:extLst>
           </p:cNvPr>
@@ -9871,7 +11661,7 @@
           <a:p>
             <a:r>
               <a:rPr lang="en-US" dirty="0"/>
-              <a:t>Step 2: Searching for Verbs</a:t>
+              <a:t>Step 1: Cross-Checking</a:t>
             </a:r>
           </a:p>
         </p:txBody>
@@ -9881,7 +11671,7 @@
           <p:cNvPr id="3" name="Content Placeholder 2">
             <a:extLst>
               <a:ext uri="{FF2B5EF4-FFF2-40B4-BE49-F238E27FC236}">
-                <a16:creationId xmlns:a16="http://schemas.microsoft.com/office/drawing/2014/main" id="{302BDD2B-A95D-4939-B165-D73FFD80D5CB}"/>
+                <a16:creationId xmlns:a16="http://schemas.microsoft.com/office/drawing/2014/main" id="{2119F2FE-CE3A-4142-B002-84A7C1F25B01}"/>
               </a:ext>
             </a:extLst>
           </p:cNvPr>
@@ -9894,33 +11684,63 @@
         </p:nvSpPr>
         <p:spPr>
           <a:xfrm>
-            <a:off x="838200" y="2181225"/>
+            <a:off x="838200" y="2117725"/>
             <a:ext cx="10515600" cy="4351338"/>
           </a:xfrm>
         </p:spPr>
         <p:txBody>
-          <a:bodyPr>
-            <a:normAutofit/>
-          </a:bodyPr>
+          <a:bodyPr/>
           <a:lstStyle/>
           <a:p>
             <a:r>
               <a:rPr lang="en-US" sz="3200" dirty="0"/>
-              <a:t>Classify terms into Level 0, 1, and 2 by maximum colon number</a:t>
-            </a:r>
+              <a:t>NLTK is not perfect</a:t>
+            </a:r>
+            <a:endParaRPr lang="en-US" dirty="0"/>
           </a:p>
           <a:p>
             <a:pPr lvl="1"/>
             <a:r>
               <a:rPr lang="en-US" sz="2800" dirty="0"/>
-              <a:t>Higher level means a longer phrase</a:t>
+              <a:t>Model is trained on ordinary literature, not scientific vocabulary</a:t>
             </a:r>
           </a:p>
           <a:p>
             <a:pPr lvl="1"/>
             <a:r>
               <a:rPr lang="en-US" sz="2800" dirty="0"/>
-              <a:t>E.g. “crystal:0:packing” ⇨ Level 0</a:t>
+              <a:t>Symbols and molecule names are sometimes incorrectly classified as verbs</a:t>
+            </a:r>
+          </a:p>
+          <a:p>
+            <a:pPr lvl="1"/>
+            <a:r>
+              <a:rPr lang="en-US" sz="2800" dirty="0"/>
+              <a:t>E.g. “</a:t>
+            </a:r>
+            <a:r>
+              <a:rPr lang="en-US" sz="2800" dirty="0" err="1"/>
+              <a:t>middot</a:t>
+            </a:r>
+            <a:r>
+              <a:rPr lang="en-US" sz="2800" dirty="0"/>
+              <a:t>” in </a:t>
+            </a:r>
+            <a:r>
+              <a:rPr lang="en-US" sz="2800" dirty="0" err="1"/>
+              <a:t>KNa</a:t>
+            </a:r>
+            <a:r>
+              <a:rPr lang="en-US" sz="2800" dirty="0"/>
+              <a:t>[H6PtMo6O24] </a:t>
+            </a:r>
+            <a:r>
+              <a:rPr lang="en-US" sz="2800" u="sng" dirty="0" err="1"/>
+              <a:t>middot</a:t>
+            </a:r>
+            <a:r>
+              <a:rPr lang="en-US" sz="2800" dirty="0"/>
+              <a:t> 11H2O</a:t>
             </a:r>
           </a:p>
           <a:p>
@@ -9929,47 +11749,31 @@
             </a:pPr>
             <a:r>
               <a:rPr lang="en-US" sz="2800" dirty="0"/>
-              <a:t>          “van:2:der:1:waal:0:interaction” ⇨ Level 2</a:t>
-            </a:r>
-            <a:endParaRPr lang="en-US" sz="3200" dirty="0"/>
-          </a:p>
-          <a:p>
-            <a:r>
-              <a:rPr lang="en-US" sz="3200" dirty="0"/>
-              <a:t>Conduct searches first on </a:t>
-            </a:r>
-            <a:r>
-              <a:rPr lang="en-US" sz="3200" i="1" dirty="0"/>
-              <a:t>only</a:t>
-            </a:r>
-            <a:r>
-              <a:rPr lang="en-US" sz="3200" dirty="0"/>
-              <a:t> Level 0 terms, then on Level 0 </a:t>
-            </a:r>
-            <a:r>
-              <a:rPr lang="en-US" sz="3200" i="1" dirty="0"/>
-              <a:t>and</a:t>
-            </a:r>
-            <a:r>
-              <a:rPr lang="en-US" sz="3200" dirty="0"/>
-              <a:t> Level 1, and finally among </a:t>
-            </a:r>
-            <a:r>
-              <a:rPr lang="en-US" sz="3200" i="1" dirty="0"/>
-              <a:t>all</a:t>
-            </a:r>
-            <a:r>
-              <a:rPr lang="en-US" sz="3200" dirty="0"/>
-              <a:t> levels</a:t>
-            </a:r>
-            <a:endParaRPr lang="en-US" sz="2800" dirty="0"/>
+              <a:t>          “</a:t>
+            </a:r>
+            <a:r>
+              <a:rPr lang="en-US" sz="2800" dirty="0" err="1"/>
+              <a:t>oxazolo</a:t>
+            </a:r>
+            <a:r>
+              <a:rPr lang="en-US" sz="2800" dirty="0"/>
+              <a:t>” in “</a:t>
+            </a:r>
+            <a:r>
+              <a:rPr lang="en-US" sz="2800" u="sng" dirty="0" err="1"/>
+              <a:t>oxazolo</a:t>
+            </a:r>
+            <a:r>
+              <a:rPr lang="en-US" sz="2800" dirty="0"/>
+              <a:t>[3,2-c]pyrimidin-1-one hydrate”</a:t>
+            </a:r>
           </a:p>
         </p:txBody>
       </p:sp>
     </p:spTree>
     <p:extLst>
       <p:ext uri="{BB962C8B-B14F-4D97-AF65-F5344CB8AC3E}">
-        <p14:creationId xmlns:p14="http://schemas.microsoft.com/office/powerpoint/2010/main" val="3245176730"/>
+        <p14:creationId xmlns:p14="http://schemas.microsoft.com/office/powerpoint/2010/main" val="564136782"/>
       </p:ext>
     </p:extLst>
   </p:cSld>
